--- a/Diagramas.pptx
+++ b/Diagramas.pptx
@@ -6,7 +6,10 @@
   </p:sldMasterIdLst>
   <p:sldIdLst>
     <p:sldId id="256" r:id="rId2"/>
-    <p:sldId id="258" r:id="rId3"/>
+    <p:sldId id="261" r:id="rId3"/>
+    <p:sldId id="258" r:id="rId4"/>
+    <p:sldId id="259" r:id="rId5"/>
+    <p:sldId id="260" r:id="rId6"/>
   </p:sldIdLst>
   <p:sldSz cx="12192000" cy="6858000"/>
   <p:notesSz cx="6858000" cy="9144000"/>
@@ -105,6 +108,11 @@
       </a:defRPr>
     </a:lvl9pPr>
   </p:defaultTextStyle>
+  <p:extLst>
+    <p:ext uri="{EFAFB233-063F-42B5-8137-9DF3F51BA10A}">
+      <p15:sldGuideLst xmlns:p15="http://schemas.microsoft.com/office/powerpoint/2012/main"/>
+    </p:ext>
+  </p:extLst>
 </p:presentation>
 </file>
 
@@ -239,7 +247,7 @@
           <a:p>
             <a:fld id="{D99B9B08-E297-40A5-A6C5-06A8A7C879FF}" type="datetimeFigureOut">
               <a:rPr lang="en-US" smtClean="0"/>
-              <a:t>9/25/2022</a:t>
+              <a:t>11/14/2022</a:t>
             </a:fld>
             <a:endParaRPr lang="en-US"/>
           </a:p>
@@ -409,7 +417,7 @@
           <a:p>
             <a:fld id="{D99B9B08-E297-40A5-A6C5-06A8A7C879FF}" type="datetimeFigureOut">
               <a:rPr lang="en-US" smtClean="0"/>
-              <a:t>9/25/2022</a:t>
+              <a:t>11/14/2022</a:t>
             </a:fld>
             <a:endParaRPr lang="en-US"/>
           </a:p>
@@ -589,7 +597,7 @@
           <a:p>
             <a:fld id="{D99B9B08-E297-40A5-A6C5-06A8A7C879FF}" type="datetimeFigureOut">
               <a:rPr lang="en-US" smtClean="0"/>
-              <a:t>9/25/2022</a:t>
+              <a:t>11/14/2022</a:t>
             </a:fld>
             <a:endParaRPr lang="en-US"/>
           </a:p>
@@ -759,7 +767,7 @@
           <a:p>
             <a:fld id="{D99B9B08-E297-40A5-A6C5-06A8A7C879FF}" type="datetimeFigureOut">
               <a:rPr lang="en-US" smtClean="0"/>
-              <a:t>9/25/2022</a:t>
+              <a:t>11/14/2022</a:t>
             </a:fld>
             <a:endParaRPr lang="en-US"/>
           </a:p>
@@ -1005,7 +1013,7 @@
           <a:p>
             <a:fld id="{D99B9B08-E297-40A5-A6C5-06A8A7C879FF}" type="datetimeFigureOut">
               <a:rPr lang="en-US" smtClean="0"/>
-              <a:t>9/25/2022</a:t>
+              <a:t>11/14/2022</a:t>
             </a:fld>
             <a:endParaRPr lang="en-US"/>
           </a:p>
@@ -1237,7 +1245,7 @@
           <a:p>
             <a:fld id="{D99B9B08-E297-40A5-A6C5-06A8A7C879FF}" type="datetimeFigureOut">
               <a:rPr lang="en-US" smtClean="0"/>
-              <a:t>9/25/2022</a:t>
+              <a:t>11/14/2022</a:t>
             </a:fld>
             <a:endParaRPr lang="en-US"/>
           </a:p>
@@ -1604,7 +1612,7 @@
           <a:p>
             <a:fld id="{D99B9B08-E297-40A5-A6C5-06A8A7C879FF}" type="datetimeFigureOut">
               <a:rPr lang="en-US" smtClean="0"/>
-              <a:t>9/25/2022</a:t>
+              <a:t>11/14/2022</a:t>
             </a:fld>
             <a:endParaRPr lang="en-US"/>
           </a:p>
@@ -1722,7 +1730,7 @@
           <a:p>
             <a:fld id="{D99B9B08-E297-40A5-A6C5-06A8A7C879FF}" type="datetimeFigureOut">
               <a:rPr lang="en-US" smtClean="0"/>
-              <a:t>9/25/2022</a:t>
+              <a:t>11/14/2022</a:t>
             </a:fld>
             <a:endParaRPr lang="en-US"/>
           </a:p>
@@ -1817,7 +1825,7 @@
           <a:p>
             <a:fld id="{D99B9B08-E297-40A5-A6C5-06A8A7C879FF}" type="datetimeFigureOut">
               <a:rPr lang="en-US" smtClean="0"/>
-              <a:t>9/25/2022</a:t>
+              <a:t>11/14/2022</a:t>
             </a:fld>
             <a:endParaRPr lang="en-US"/>
           </a:p>
@@ -2094,7 +2102,7 @@
           <a:p>
             <a:fld id="{D99B9B08-E297-40A5-A6C5-06A8A7C879FF}" type="datetimeFigureOut">
               <a:rPr lang="en-US" smtClean="0"/>
-              <a:t>9/25/2022</a:t>
+              <a:t>11/14/2022</a:t>
             </a:fld>
             <a:endParaRPr lang="en-US"/>
           </a:p>
@@ -2347,7 +2355,7 @@
           <a:p>
             <a:fld id="{D99B9B08-E297-40A5-A6C5-06A8A7C879FF}" type="datetimeFigureOut">
               <a:rPr lang="en-US" smtClean="0"/>
-              <a:t>9/25/2022</a:t>
+              <a:t>11/14/2022</a:t>
             </a:fld>
             <a:endParaRPr lang="en-US"/>
           </a:p>
@@ -2560,7 +2568,7 @@
           <a:p>
             <a:fld id="{D99B9B08-E297-40A5-A6C5-06A8A7C879FF}" type="datetimeFigureOut">
               <a:rPr lang="en-US" smtClean="0"/>
-              <a:t>9/25/2022</a:t>
+              <a:t>11/14/2022</a:t>
             </a:fld>
             <a:endParaRPr lang="en-US"/>
           </a:p>
@@ -3188,7 +3196,15 @@
                     <a:srgbClr val="0070C0"/>
                   </a:solidFill>
                 </a:rPr>
-                <a:t>Bibliotecario / Administrador</a:t>
+                <a:t>Bibliotecario / </a:t>
+              </a:r>
+              <a:r>
+                <a:rPr lang="es-AR" dirty="0" smtClean="0">
+                  <a:solidFill>
+                    <a:srgbClr val="0070C0"/>
+                  </a:solidFill>
+                </a:rPr>
+                <a:t>Administrador</a:t>
               </a:r>
               <a:endParaRPr lang="en-US" dirty="0">
                 <a:solidFill>
@@ -3838,61 +3854,494 @@
           <a:chExt cx="0" cy="0"/>
         </a:xfrm>
       </p:grpSpPr>
-      <p:sp>
-        <p:nvSpPr>
-          <p:cNvPr id="41" name="CuadroTexto 40"/>
-          <p:cNvSpPr txBox="1"/>
-          <p:nvPr/>
-        </p:nvSpPr>
-        <p:spPr>
-          <a:xfrm>
-            <a:off x="3992257" y="155595"/>
-            <a:ext cx="3195863" cy="369332"/>
-          </a:xfrm>
-          <a:prstGeom prst="rect">
-            <a:avLst/>
-          </a:prstGeom>
-        </p:spPr>
-        <p:style>
-          <a:lnRef idx="1">
-            <a:schemeClr val="accent1"/>
-          </a:lnRef>
-          <a:fillRef idx="2">
-            <a:schemeClr val="accent1"/>
-          </a:fillRef>
-          <a:effectRef idx="1">
-            <a:schemeClr val="accent1"/>
-          </a:effectRef>
-          <a:fontRef idx="minor">
-            <a:schemeClr val="dk1"/>
-          </a:fontRef>
-        </p:style>
-        <p:txBody>
-          <a:bodyPr wrap="square" rtlCol="0">
-            <a:spAutoFit/>
-          </a:bodyPr>
-          <a:lstStyle/>
-          <a:p>
-            <a:r>
-              <a:rPr lang="es-AR" dirty="0" smtClean="0"/>
-              <a:t>Diagrama de Entidad Relación</a:t>
-            </a:r>
-            <a:endParaRPr lang="en-US" dirty="0"/>
-          </a:p>
-        </p:txBody>
-      </p:sp>
-      <p:sp>
-        <p:nvSpPr>
-          <p:cNvPr id="5" name="Rombo 4"/>
+      <p:grpSp>
+        <p:nvGrpSpPr>
+          <p:cNvPr id="30" name="Grupo 29"/>
+          <p:cNvGrpSpPr/>
+          <p:nvPr/>
+        </p:nvGrpSpPr>
+        <p:grpSpPr>
+          <a:xfrm>
+            <a:off x="2860101" y="3268349"/>
+            <a:ext cx="1592208" cy="1846920"/>
+            <a:chOff x="1156299" y="798022"/>
+            <a:chExt cx="1592208" cy="1846920"/>
+          </a:xfrm>
+        </p:grpSpPr>
+        <p:grpSp>
+          <p:nvGrpSpPr>
+            <p:cNvPr id="13" name="Grupo 12"/>
+            <p:cNvGrpSpPr/>
+            <p:nvPr/>
+          </p:nvGrpSpPr>
+          <p:grpSpPr>
+            <a:xfrm>
+              <a:off x="1646026" y="798022"/>
+              <a:ext cx="602652" cy="1422664"/>
+              <a:chOff x="1646026" y="798022"/>
+              <a:chExt cx="1190480" cy="2859578"/>
+            </a:xfrm>
+          </p:grpSpPr>
+          <p:sp>
+            <p:nvSpPr>
+              <p:cNvPr id="4" name="Cara sonriente 3"/>
+              <p:cNvSpPr/>
+              <p:nvPr/>
+            </p:nvSpPr>
+            <p:spPr>
+              <a:xfrm>
+                <a:off x="1787236" y="798022"/>
+                <a:ext cx="914400" cy="914400"/>
+              </a:xfrm>
+              <a:prstGeom prst="smileyFace">
+                <a:avLst/>
+              </a:prstGeom>
+            </p:spPr>
+            <p:style>
+              <a:lnRef idx="2">
+                <a:schemeClr val="accent1">
+                  <a:shade val="50000"/>
+                </a:schemeClr>
+              </a:lnRef>
+              <a:fillRef idx="1">
+                <a:schemeClr val="accent1"/>
+              </a:fillRef>
+              <a:effectRef idx="0">
+                <a:schemeClr val="accent1"/>
+              </a:effectRef>
+              <a:fontRef idx="minor">
+                <a:schemeClr val="lt1"/>
+              </a:fontRef>
+            </p:style>
+            <p:txBody>
+              <a:bodyPr rtlCol="0" anchor="ctr"/>
+              <a:lstStyle/>
+              <a:p>
+                <a:pPr algn="ctr"/>
+                <a:endParaRPr lang="en-US"/>
+              </a:p>
+            </p:txBody>
+          </p:sp>
+          <p:cxnSp>
+            <p:nvCxnSpPr>
+              <p:cNvPr id="6" name="Conector recto 5"/>
+              <p:cNvCxnSpPr>
+                <a:stCxn id="4" idx="4"/>
+              </p:cNvCxnSpPr>
+              <p:nvPr/>
+            </p:nvCxnSpPr>
+            <p:spPr>
+              <a:xfrm flipH="1">
+                <a:off x="2236124" y="1712422"/>
+                <a:ext cx="8312" cy="1246909"/>
+              </a:xfrm>
+              <a:prstGeom prst="line">
+                <a:avLst/>
+              </a:prstGeom>
+              <a:ln w="38100"/>
+            </p:spPr>
+            <p:style>
+              <a:lnRef idx="3">
+                <a:schemeClr val="accent5"/>
+              </a:lnRef>
+              <a:fillRef idx="0">
+                <a:schemeClr val="accent5"/>
+              </a:fillRef>
+              <a:effectRef idx="2">
+                <a:schemeClr val="accent5"/>
+              </a:effectRef>
+              <a:fontRef idx="minor">
+                <a:schemeClr val="tx1"/>
+              </a:fontRef>
+            </p:style>
+          </p:cxnSp>
+          <p:cxnSp>
+            <p:nvCxnSpPr>
+              <p:cNvPr id="7" name="Conector recto 6"/>
+              <p:cNvCxnSpPr/>
+              <p:nvPr/>
+            </p:nvCxnSpPr>
+            <p:spPr>
+              <a:xfrm>
+                <a:off x="2251244" y="2959332"/>
+                <a:ext cx="370658" cy="698268"/>
+              </a:xfrm>
+              <a:prstGeom prst="line">
+                <a:avLst/>
+              </a:prstGeom>
+              <a:ln w="38100"/>
+            </p:spPr>
+            <p:style>
+              <a:lnRef idx="3">
+                <a:schemeClr val="accent5"/>
+              </a:lnRef>
+              <a:fillRef idx="0">
+                <a:schemeClr val="accent5"/>
+              </a:fillRef>
+              <a:effectRef idx="2">
+                <a:schemeClr val="accent5"/>
+              </a:effectRef>
+              <a:fontRef idx="minor">
+                <a:schemeClr val="tx1"/>
+              </a:fontRef>
+            </p:style>
+          </p:cxnSp>
+          <p:cxnSp>
+            <p:nvCxnSpPr>
+              <p:cNvPr id="9" name="Conector recto 8"/>
+              <p:cNvCxnSpPr/>
+              <p:nvPr/>
+            </p:nvCxnSpPr>
+            <p:spPr>
+              <a:xfrm rot="3720000">
+                <a:off x="1855971" y="2937741"/>
+                <a:ext cx="370658" cy="698268"/>
+              </a:xfrm>
+              <a:prstGeom prst="line">
+                <a:avLst/>
+              </a:prstGeom>
+              <a:ln w="38100"/>
+            </p:spPr>
+            <p:style>
+              <a:lnRef idx="3">
+                <a:schemeClr val="accent5"/>
+              </a:lnRef>
+              <a:fillRef idx="0">
+                <a:schemeClr val="accent5"/>
+              </a:fillRef>
+              <a:effectRef idx="2">
+                <a:schemeClr val="accent5"/>
+              </a:effectRef>
+              <a:fontRef idx="minor">
+                <a:schemeClr val="tx1"/>
+              </a:fontRef>
+            </p:style>
+          </p:cxnSp>
+          <p:cxnSp>
+            <p:nvCxnSpPr>
+              <p:cNvPr id="11" name="Conector recto 10"/>
+              <p:cNvCxnSpPr/>
+              <p:nvPr/>
+            </p:nvCxnSpPr>
+            <p:spPr>
+              <a:xfrm>
+                <a:off x="1646026" y="2090057"/>
+                <a:ext cx="1190480" cy="9331"/>
+              </a:xfrm>
+              <a:prstGeom prst="line">
+                <a:avLst/>
+              </a:prstGeom>
+              <a:ln w="38100"/>
+            </p:spPr>
+            <p:style>
+              <a:lnRef idx="1">
+                <a:schemeClr val="accent1"/>
+              </a:lnRef>
+              <a:fillRef idx="0">
+                <a:schemeClr val="accent1"/>
+              </a:fillRef>
+              <a:effectRef idx="0">
+                <a:schemeClr val="accent1"/>
+              </a:effectRef>
+              <a:fontRef idx="minor">
+                <a:schemeClr val="tx1"/>
+              </a:fontRef>
+            </p:style>
+          </p:cxnSp>
+        </p:grpSp>
+        <p:sp>
+          <p:nvSpPr>
+            <p:cNvPr id="15" name="CuadroTexto 14"/>
+            <p:cNvSpPr txBox="1"/>
+            <p:nvPr/>
+          </p:nvSpPr>
+          <p:spPr>
+            <a:xfrm>
+              <a:off x="1156299" y="2275610"/>
+              <a:ext cx="1592208" cy="369332"/>
+            </a:xfrm>
+            <a:prstGeom prst="rect">
+              <a:avLst/>
+            </a:prstGeom>
+            <a:noFill/>
+          </p:spPr>
+          <p:txBody>
+            <a:bodyPr wrap="square" rtlCol="0">
+              <a:spAutoFit/>
+            </a:bodyPr>
+            <a:lstStyle/>
+            <a:p>
+              <a:r>
+                <a:rPr lang="es-AR" dirty="0" smtClean="0">
+                  <a:solidFill>
+                    <a:srgbClr val="0070C0"/>
+                  </a:solidFill>
+                </a:rPr>
+                <a:t>Administrador</a:t>
+              </a:r>
+              <a:endParaRPr lang="en-US" dirty="0">
+                <a:solidFill>
+                  <a:srgbClr val="0070C0"/>
+                </a:solidFill>
+              </a:endParaRPr>
+            </a:p>
+          </p:txBody>
+        </p:sp>
+      </p:grpSp>
+      <p:grpSp>
+        <p:nvGrpSpPr>
+          <p:cNvPr id="31" name="Grupo 30"/>
+          <p:cNvGrpSpPr/>
+          <p:nvPr/>
+        </p:nvGrpSpPr>
+        <p:grpSpPr>
+          <a:xfrm>
+            <a:off x="3152648" y="1148971"/>
+            <a:ext cx="1031758" cy="1851987"/>
+            <a:chOff x="5320923" y="798022"/>
+            <a:chExt cx="1031758" cy="1851987"/>
+          </a:xfrm>
+        </p:grpSpPr>
+        <p:grpSp>
+          <p:nvGrpSpPr>
+            <p:cNvPr id="16" name="Grupo 15"/>
+            <p:cNvGrpSpPr/>
+            <p:nvPr/>
+          </p:nvGrpSpPr>
+          <p:grpSpPr>
+            <a:xfrm>
+              <a:off x="5444457" y="798022"/>
+              <a:ext cx="602652" cy="1422664"/>
+              <a:chOff x="1646026" y="798022"/>
+              <a:chExt cx="1190480" cy="2859578"/>
+            </a:xfrm>
+          </p:grpSpPr>
+          <p:sp>
+            <p:nvSpPr>
+              <p:cNvPr id="17" name="Cara sonriente 16"/>
+              <p:cNvSpPr/>
+              <p:nvPr/>
+            </p:nvSpPr>
+            <p:spPr>
+              <a:xfrm>
+                <a:off x="1787236" y="798022"/>
+                <a:ext cx="914400" cy="914400"/>
+              </a:xfrm>
+              <a:prstGeom prst="smileyFace">
+                <a:avLst/>
+              </a:prstGeom>
+            </p:spPr>
+            <p:style>
+              <a:lnRef idx="2">
+                <a:schemeClr val="accent6">
+                  <a:shade val="50000"/>
+                </a:schemeClr>
+              </a:lnRef>
+              <a:fillRef idx="1">
+                <a:schemeClr val="accent6"/>
+              </a:fillRef>
+              <a:effectRef idx="0">
+                <a:schemeClr val="accent6"/>
+              </a:effectRef>
+              <a:fontRef idx="minor">
+                <a:schemeClr val="lt1"/>
+              </a:fontRef>
+            </p:style>
+            <p:txBody>
+              <a:bodyPr rtlCol="0" anchor="ctr"/>
+              <a:lstStyle/>
+              <a:p>
+                <a:pPr algn="ctr"/>
+                <a:endParaRPr lang="en-US"/>
+              </a:p>
+            </p:txBody>
+          </p:sp>
+          <p:cxnSp>
+            <p:nvCxnSpPr>
+              <p:cNvPr id="18" name="Conector recto 17"/>
+              <p:cNvCxnSpPr>
+                <a:stCxn id="17" idx="4"/>
+              </p:cNvCxnSpPr>
+              <p:nvPr/>
+            </p:nvCxnSpPr>
+            <p:spPr>
+              <a:xfrm flipH="1">
+                <a:off x="2236124" y="1712422"/>
+                <a:ext cx="8312" cy="1246909"/>
+              </a:xfrm>
+              <a:prstGeom prst="line">
+                <a:avLst/>
+              </a:prstGeom>
+              <a:ln/>
+            </p:spPr>
+            <p:style>
+              <a:lnRef idx="2">
+                <a:schemeClr val="accent6">
+                  <a:shade val="50000"/>
+                </a:schemeClr>
+              </a:lnRef>
+              <a:fillRef idx="1">
+                <a:schemeClr val="accent6"/>
+              </a:fillRef>
+              <a:effectRef idx="0">
+                <a:schemeClr val="accent6"/>
+              </a:effectRef>
+              <a:fontRef idx="minor">
+                <a:schemeClr val="lt1"/>
+              </a:fontRef>
+            </p:style>
+          </p:cxnSp>
+          <p:cxnSp>
+            <p:nvCxnSpPr>
+              <p:cNvPr id="19" name="Conector recto 18"/>
+              <p:cNvCxnSpPr/>
+              <p:nvPr/>
+            </p:nvCxnSpPr>
+            <p:spPr>
+              <a:xfrm>
+                <a:off x="2251244" y="2959332"/>
+                <a:ext cx="370658" cy="698268"/>
+              </a:xfrm>
+              <a:prstGeom prst="line">
+                <a:avLst/>
+              </a:prstGeom>
+              <a:ln/>
+            </p:spPr>
+            <p:style>
+              <a:lnRef idx="2">
+                <a:schemeClr val="accent6">
+                  <a:shade val="50000"/>
+                </a:schemeClr>
+              </a:lnRef>
+              <a:fillRef idx="1">
+                <a:schemeClr val="accent6"/>
+              </a:fillRef>
+              <a:effectRef idx="0">
+                <a:schemeClr val="accent6"/>
+              </a:effectRef>
+              <a:fontRef idx="minor">
+                <a:schemeClr val="lt1"/>
+              </a:fontRef>
+            </p:style>
+          </p:cxnSp>
+          <p:cxnSp>
+            <p:nvCxnSpPr>
+              <p:cNvPr id="20" name="Conector recto 19"/>
+              <p:cNvCxnSpPr/>
+              <p:nvPr/>
+            </p:nvCxnSpPr>
+            <p:spPr>
+              <a:xfrm rot="3720000">
+                <a:off x="1855971" y="2937741"/>
+                <a:ext cx="370658" cy="698268"/>
+              </a:xfrm>
+              <a:prstGeom prst="line">
+                <a:avLst/>
+              </a:prstGeom>
+              <a:ln/>
+            </p:spPr>
+            <p:style>
+              <a:lnRef idx="2">
+                <a:schemeClr val="accent6">
+                  <a:shade val="50000"/>
+                </a:schemeClr>
+              </a:lnRef>
+              <a:fillRef idx="1">
+                <a:schemeClr val="accent6"/>
+              </a:fillRef>
+              <a:effectRef idx="0">
+                <a:schemeClr val="accent6"/>
+              </a:effectRef>
+              <a:fontRef idx="minor">
+                <a:schemeClr val="lt1"/>
+              </a:fontRef>
+            </p:style>
+          </p:cxnSp>
+          <p:cxnSp>
+            <p:nvCxnSpPr>
+              <p:cNvPr id="21" name="Conector recto 20"/>
+              <p:cNvCxnSpPr/>
+              <p:nvPr/>
+            </p:nvCxnSpPr>
+            <p:spPr>
+              <a:xfrm>
+                <a:off x="1646026" y="2090057"/>
+                <a:ext cx="1190480" cy="9331"/>
+              </a:xfrm>
+              <a:prstGeom prst="line">
+                <a:avLst/>
+              </a:prstGeom>
+              <a:ln/>
+            </p:spPr>
+            <p:style>
+              <a:lnRef idx="2">
+                <a:schemeClr val="accent6">
+                  <a:shade val="50000"/>
+                </a:schemeClr>
+              </a:lnRef>
+              <a:fillRef idx="1">
+                <a:schemeClr val="accent6"/>
+              </a:fillRef>
+              <a:effectRef idx="0">
+                <a:schemeClr val="accent6"/>
+              </a:effectRef>
+              <a:fontRef idx="minor">
+                <a:schemeClr val="lt1"/>
+              </a:fontRef>
+            </p:style>
+          </p:cxnSp>
+        </p:grpSp>
+        <p:sp>
+          <p:nvSpPr>
+            <p:cNvPr id="22" name="CuadroTexto 21"/>
+            <p:cNvSpPr txBox="1"/>
+            <p:nvPr/>
+          </p:nvSpPr>
+          <p:spPr>
+            <a:xfrm>
+              <a:off x="5320923" y="2280677"/>
+              <a:ext cx="1031758" cy="369332"/>
+            </a:xfrm>
+            <a:prstGeom prst="rect">
+              <a:avLst/>
+            </a:prstGeom>
+            <a:noFill/>
+          </p:spPr>
+          <p:txBody>
+            <a:bodyPr wrap="square" rtlCol="0">
+              <a:spAutoFit/>
+            </a:bodyPr>
+            <a:lstStyle/>
+            <a:p>
+              <a:r>
+                <a:rPr lang="es-AR" dirty="0" smtClean="0">
+                  <a:solidFill>
+                    <a:schemeClr val="accent6"/>
+                  </a:solidFill>
+                </a:rPr>
+                <a:t>Usuario</a:t>
+              </a:r>
+              <a:endParaRPr lang="en-US" dirty="0">
+                <a:solidFill>
+                  <a:schemeClr val="accent6"/>
+                </a:solidFill>
+              </a:endParaRPr>
+            </a:p>
+          </p:txBody>
+        </p:sp>
+      </p:grpSp>
+      <p:sp>
+        <p:nvSpPr>
+          <p:cNvPr id="23" name="Rectángulo redondeado 22"/>
           <p:cNvSpPr/>
           <p:nvPr/>
         </p:nvSpPr>
         <p:spPr>
           <a:xfrm>
-            <a:off x="4693300" y="1642188"/>
-            <a:ext cx="1698170" cy="718457"/>
-          </a:xfrm>
-          <a:prstGeom prst="diamond">
+            <a:off x="4851444" y="3232820"/>
+            <a:ext cx="1800000" cy="662341"/>
+          </a:xfrm>
+          <a:prstGeom prst="roundRect">
             <a:avLst/>
           </a:prstGeom>
         </p:spPr>
@@ -3916,23 +4365,144 @@
           <a:p>
             <a:pPr algn="ctr"/>
             <a:r>
-              <a:rPr lang="es-AR" dirty="0" smtClean="0"/>
-              <a:t>Crea</a:t>
-            </a:r>
-            <a:endParaRPr lang="en-US" dirty="0"/>
-          </a:p>
-        </p:txBody>
-      </p:sp>
-      <p:sp>
-        <p:nvSpPr>
-          <p:cNvPr id="8" name="Rectángulo 7"/>
+              <a:rPr lang="es-AR" sz="1400" dirty="0" smtClean="0"/>
+              <a:t>Genera y administra el usuario</a:t>
+            </a:r>
+            <a:endParaRPr lang="en-US" sz="1400" dirty="0"/>
+          </a:p>
+        </p:txBody>
+      </p:sp>
+      <p:cxnSp>
+        <p:nvCxnSpPr>
+          <p:cNvPr id="26" name="Conector recto de flecha 25"/>
+          <p:cNvCxnSpPr/>
+          <p:nvPr/>
+        </p:nvCxnSpPr>
+        <p:spPr>
+          <a:xfrm flipV="1">
+            <a:off x="4052774" y="1426369"/>
+            <a:ext cx="656614" cy="487698"/>
+          </a:xfrm>
+          <a:prstGeom prst="straightConnector1">
+            <a:avLst/>
+          </a:prstGeom>
+          <a:ln>
+            <a:tailEnd type="triangle"/>
+          </a:ln>
+        </p:spPr>
+        <p:style>
+          <a:lnRef idx="3">
+            <a:schemeClr val="dk1"/>
+          </a:lnRef>
+          <a:fillRef idx="0">
+            <a:schemeClr val="dk1"/>
+          </a:fillRef>
+          <a:effectRef idx="2">
+            <a:schemeClr val="dk1"/>
+          </a:effectRef>
+          <a:fontRef idx="minor">
+            <a:schemeClr val="tx1"/>
+          </a:fontRef>
+        </p:style>
+      </p:cxnSp>
+      <p:sp>
+        <p:nvSpPr>
+          <p:cNvPr id="27" name="Rectángulo redondeado 26"/>
           <p:cNvSpPr/>
           <p:nvPr/>
         </p:nvSpPr>
         <p:spPr>
           <a:xfrm>
-            <a:off x="3051112" y="1735493"/>
-            <a:ext cx="914400" cy="531845"/>
+            <a:off x="4851444" y="4087470"/>
+            <a:ext cx="1800000" cy="597953"/>
+          </a:xfrm>
+          <a:prstGeom prst="roundRect">
+            <a:avLst/>
+          </a:prstGeom>
+        </p:spPr>
+        <p:style>
+          <a:lnRef idx="1">
+            <a:schemeClr val="accent4"/>
+          </a:lnRef>
+          <a:fillRef idx="2">
+            <a:schemeClr val="accent4"/>
+          </a:fillRef>
+          <a:effectRef idx="1">
+            <a:schemeClr val="accent4"/>
+          </a:effectRef>
+          <a:fontRef idx="minor">
+            <a:schemeClr val="dk1"/>
+          </a:fontRef>
+        </p:style>
+        <p:txBody>
+          <a:bodyPr rtlCol="0" anchor="ctr"/>
+          <a:lstStyle/>
+          <a:p>
+            <a:pPr algn="ctr"/>
+            <a:r>
+              <a:rPr lang="es-AR" sz="1400" dirty="0" smtClean="0"/>
+              <a:t>Genera </a:t>
+            </a:r>
+            <a:r>
+              <a:rPr lang="es-AR" sz="1400" dirty="0" smtClean="0"/>
+              <a:t>productos y actualiza precios</a:t>
+            </a:r>
+            <a:endParaRPr lang="en-US" sz="1400" dirty="0"/>
+          </a:p>
+        </p:txBody>
+      </p:sp>
+      <p:sp>
+        <p:nvSpPr>
+          <p:cNvPr id="32" name="Rectángulo redondeado 31"/>
+          <p:cNvSpPr/>
+          <p:nvPr/>
+        </p:nvSpPr>
+        <p:spPr>
+          <a:xfrm>
+            <a:off x="4851444" y="4945011"/>
+            <a:ext cx="1800000" cy="597953"/>
+          </a:xfrm>
+          <a:prstGeom prst="roundRect">
+            <a:avLst/>
+          </a:prstGeom>
+        </p:spPr>
+        <p:style>
+          <a:lnRef idx="1">
+            <a:schemeClr val="accent4"/>
+          </a:lnRef>
+          <a:fillRef idx="2">
+            <a:schemeClr val="accent4"/>
+          </a:fillRef>
+          <a:effectRef idx="1">
+            <a:schemeClr val="accent4"/>
+          </a:effectRef>
+          <a:fontRef idx="minor">
+            <a:schemeClr val="dk1"/>
+          </a:fontRef>
+        </p:style>
+        <p:txBody>
+          <a:bodyPr rtlCol="0" anchor="ctr"/>
+          <a:lstStyle/>
+          <a:p>
+            <a:pPr algn="ctr"/>
+            <a:r>
+              <a:rPr lang="es-AR" sz="1400" dirty="0" smtClean="0"/>
+              <a:t>Gestiona stock de ingreso</a:t>
+            </a:r>
+            <a:endParaRPr lang="en-US" sz="1400" dirty="0"/>
+          </a:p>
+        </p:txBody>
+      </p:sp>
+      <p:sp>
+        <p:nvSpPr>
+          <p:cNvPr id="41" name="CuadroTexto 40"/>
+          <p:cNvSpPr txBox="1"/>
+          <p:nvPr/>
+        </p:nvSpPr>
+        <p:spPr>
+          <a:xfrm>
+            <a:off x="3584920" y="346284"/>
+            <a:ext cx="2248936" cy="369332"/>
           </a:xfrm>
           <a:prstGeom prst="rect">
             <a:avLst/>
@@ -3953,13 +4523,307 @@
           </a:fontRef>
         </p:style>
         <p:txBody>
+          <a:bodyPr wrap="square" rtlCol="0">
+            <a:spAutoFit/>
+          </a:bodyPr>
+          <a:lstStyle/>
+          <a:p>
+            <a:r>
+              <a:rPr lang="es-AR" dirty="0" smtClean="0"/>
+              <a:t>Diagrama caso de uso</a:t>
+            </a:r>
+            <a:endParaRPr lang="en-US" dirty="0"/>
+          </a:p>
+        </p:txBody>
+      </p:sp>
+      <p:sp>
+        <p:nvSpPr>
+          <p:cNvPr id="28" name="Rectángulo redondeado 27"/>
+          <p:cNvSpPr/>
+          <p:nvPr/>
+        </p:nvSpPr>
+        <p:spPr>
+          <a:xfrm>
+            <a:off x="4709388" y="1148972"/>
+            <a:ext cx="1800000" cy="662341"/>
+          </a:xfrm>
+          <a:prstGeom prst="roundRect">
+            <a:avLst/>
+          </a:prstGeom>
+        </p:spPr>
+        <p:style>
+          <a:lnRef idx="1">
+            <a:schemeClr val="accent4"/>
+          </a:lnRef>
+          <a:fillRef idx="2">
+            <a:schemeClr val="accent4"/>
+          </a:fillRef>
+          <a:effectRef idx="1">
+            <a:schemeClr val="accent4"/>
+          </a:effectRef>
+          <a:fontRef idx="minor">
+            <a:schemeClr val="dk1"/>
+          </a:fontRef>
+        </p:style>
+        <p:txBody>
           <a:bodyPr rtlCol="0" anchor="ctr"/>
           <a:lstStyle/>
           <a:p>
             <a:pPr algn="ctr"/>
             <a:r>
+              <a:rPr lang="es-AR" sz="1400" dirty="0" smtClean="0"/>
+              <a:t>Registra y </a:t>
+            </a:r>
+            <a:r>
+              <a:rPr lang="es-AR" sz="1400" dirty="0" err="1" smtClean="0"/>
+              <a:t>logea</a:t>
+            </a:r>
+            <a:endParaRPr lang="en-US" sz="1400" dirty="0"/>
+          </a:p>
+        </p:txBody>
+      </p:sp>
+      <p:sp>
+        <p:nvSpPr>
+          <p:cNvPr id="33" name="Rectángulo redondeado 32"/>
+          <p:cNvSpPr/>
+          <p:nvPr/>
+        </p:nvSpPr>
+        <p:spPr>
+          <a:xfrm>
+            <a:off x="4709388" y="1995550"/>
+            <a:ext cx="1800000" cy="662341"/>
+          </a:xfrm>
+          <a:prstGeom prst="roundRect">
+            <a:avLst/>
+          </a:prstGeom>
+        </p:spPr>
+        <p:style>
+          <a:lnRef idx="1">
+            <a:schemeClr val="accent4"/>
+          </a:lnRef>
+          <a:fillRef idx="2">
+            <a:schemeClr val="accent4"/>
+          </a:fillRef>
+          <a:effectRef idx="1">
+            <a:schemeClr val="accent4"/>
+          </a:effectRef>
+          <a:fontRef idx="minor">
+            <a:schemeClr val="dk1"/>
+          </a:fontRef>
+        </p:style>
+        <p:txBody>
+          <a:bodyPr rtlCol="0" anchor="ctr"/>
+          <a:lstStyle/>
+          <a:p>
+            <a:pPr algn="ctr"/>
+            <a:r>
+              <a:rPr lang="es-AR" sz="1400" dirty="0" smtClean="0"/>
+              <a:t>Realiza y administra su compra</a:t>
+            </a:r>
+            <a:endParaRPr lang="en-US" sz="1400" dirty="0"/>
+          </a:p>
+        </p:txBody>
+      </p:sp>
+      <p:cxnSp>
+        <p:nvCxnSpPr>
+          <p:cNvPr id="34" name="Conector recto de flecha 33"/>
+          <p:cNvCxnSpPr/>
+          <p:nvPr/>
+        </p:nvCxnSpPr>
+        <p:spPr>
+          <a:xfrm>
+            <a:off x="4052774" y="1914067"/>
+            <a:ext cx="613100" cy="346801"/>
+          </a:xfrm>
+          <a:prstGeom prst="straightConnector1">
+            <a:avLst/>
+          </a:prstGeom>
+          <a:ln>
+            <a:tailEnd type="triangle"/>
+          </a:ln>
+        </p:spPr>
+        <p:style>
+          <a:lnRef idx="3">
+            <a:schemeClr val="dk1"/>
+          </a:lnRef>
+          <a:fillRef idx="0">
+            <a:schemeClr val="dk1"/>
+          </a:fillRef>
+          <a:effectRef idx="2">
+            <a:schemeClr val="dk1"/>
+          </a:effectRef>
+          <a:fontRef idx="minor">
+            <a:schemeClr val="tx1"/>
+          </a:fontRef>
+        </p:style>
+      </p:cxnSp>
+      <p:cxnSp>
+        <p:nvCxnSpPr>
+          <p:cNvPr id="36" name="Conector recto de flecha 35"/>
+          <p:cNvCxnSpPr/>
+          <p:nvPr/>
+        </p:nvCxnSpPr>
+        <p:spPr>
+          <a:xfrm flipV="1">
+            <a:off x="4169876" y="3507689"/>
+            <a:ext cx="656614" cy="487698"/>
+          </a:xfrm>
+          <a:prstGeom prst="straightConnector1">
+            <a:avLst/>
+          </a:prstGeom>
+          <a:ln>
+            <a:tailEnd type="triangle"/>
+          </a:ln>
+        </p:spPr>
+        <p:style>
+          <a:lnRef idx="3">
+            <a:schemeClr val="dk1"/>
+          </a:lnRef>
+          <a:fillRef idx="0">
+            <a:schemeClr val="dk1"/>
+          </a:fillRef>
+          <a:effectRef idx="2">
+            <a:schemeClr val="dk1"/>
+          </a:effectRef>
+          <a:fontRef idx="minor">
+            <a:schemeClr val="tx1"/>
+          </a:fontRef>
+        </p:style>
+      </p:cxnSp>
+      <p:cxnSp>
+        <p:nvCxnSpPr>
+          <p:cNvPr id="38" name="Conector recto de flecha 37"/>
+          <p:cNvCxnSpPr/>
+          <p:nvPr/>
+        </p:nvCxnSpPr>
+        <p:spPr>
+          <a:xfrm>
+            <a:off x="4169876" y="3995387"/>
+            <a:ext cx="613100" cy="346801"/>
+          </a:xfrm>
+          <a:prstGeom prst="straightConnector1">
+            <a:avLst/>
+          </a:prstGeom>
+          <a:ln>
+            <a:tailEnd type="triangle"/>
+          </a:ln>
+        </p:spPr>
+        <p:style>
+          <a:lnRef idx="3">
+            <a:schemeClr val="dk1"/>
+          </a:lnRef>
+          <a:fillRef idx="0">
+            <a:schemeClr val="dk1"/>
+          </a:fillRef>
+          <a:effectRef idx="2">
+            <a:schemeClr val="dk1"/>
+          </a:effectRef>
+          <a:fontRef idx="minor">
+            <a:schemeClr val="tx1"/>
+          </a:fontRef>
+        </p:style>
+      </p:cxnSp>
+      <p:cxnSp>
+        <p:nvCxnSpPr>
+          <p:cNvPr id="39" name="Conector recto de flecha 38"/>
+          <p:cNvCxnSpPr/>
+          <p:nvPr/>
+        </p:nvCxnSpPr>
+        <p:spPr>
+          <a:xfrm>
+            <a:off x="4172238" y="3997323"/>
+            <a:ext cx="654252" cy="1315973"/>
+          </a:xfrm>
+          <a:prstGeom prst="straightConnector1">
+            <a:avLst/>
+          </a:prstGeom>
+          <a:ln>
+            <a:tailEnd type="triangle"/>
+          </a:ln>
+        </p:spPr>
+        <p:style>
+          <a:lnRef idx="3">
+            <a:schemeClr val="dk1"/>
+          </a:lnRef>
+          <a:fillRef idx="0">
+            <a:schemeClr val="dk1"/>
+          </a:fillRef>
+          <a:effectRef idx="2">
+            <a:schemeClr val="dk1"/>
+          </a:effectRef>
+          <a:fontRef idx="minor">
+            <a:schemeClr val="tx1"/>
+          </a:fontRef>
+        </p:style>
+      </p:cxnSp>
+    </p:spTree>
+    <p:extLst>
+      <p:ext uri="{BB962C8B-B14F-4D97-AF65-F5344CB8AC3E}">
+        <p14:creationId xmlns:p14="http://schemas.microsoft.com/office/powerpoint/2010/main" val="3136589238"/>
+      </p:ext>
+    </p:extLst>
+  </p:cSld>
+  <p:clrMapOvr>
+    <a:masterClrMapping/>
+  </p:clrMapOvr>
+</p:sld>
+</file>
+
+<file path=ppt/slides/slide3.xml><?xml version="1.0" encoding="utf-8"?>
+<p:sld xmlns:a="http://schemas.openxmlformats.org/drawingml/2006/main" xmlns:r="http://schemas.openxmlformats.org/officeDocument/2006/relationships" xmlns:p="http://schemas.openxmlformats.org/presentationml/2006/main">
+  <p:cSld>
+    <p:spTree>
+      <p:nvGrpSpPr>
+        <p:cNvPr id="1" name=""/>
+        <p:cNvGrpSpPr/>
+        <p:nvPr/>
+      </p:nvGrpSpPr>
+      <p:grpSpPr>
+        <a:xfrm>
+          <a:off x="0" y="0"/>
+          <a:ext cx="0" cy="0"/>
+          <a:chOff x="0" y="0"/>
+          <a:chExt cx="0" cy="0"/>
+        </a:xfrm>
+      </p:grpSpPr>
+      <p:sp>
+        <p:nvSpPr>
+          <p:cNvPr id="41" name="CuadroTexto 40"/>
+          <p:cNvSpPr txBox="1"/>
+          <p:nvPr/>
+        </p:nvSpPr>
+        <p:spPr>
+          <a:xfrm>
+            <a:off x="3992257" y="155595"/>
+            <a:ext cx="3195863" cy="369332"/>
+          </a:xfrm>
+          <a:prstGeom prst="rect">
+            <a:avLst/>
+          </a:prstGeom>
+        </p:spPr>
+        <p:style>
+          <a:lnRef idx="1">
+            <a:schemeClr val="accent1"/>
+          </a:lnRef>
+          <a:fillRef idx="2">
+            <a:schemeClr val="accent1"/>
+          </a:fillRef>
+          <a:effectRef idx="1">
+            <a:schemeClr val="accent1"/>
+          </a:effectRef>
+          <a:fontRef idx="minor">
+            <a:schemeClr val="dk1"/>
+          </a:fontRef>
+        </p:style>
+        <p:txBody>
+          <a:bodyPr wrap="square" rtlCol="0">
+            <a:spAutoFit/>
+          </a:bodyPr>
+          <a:lstStyle/>
+          <a:p>
+            <a:r>
               <a:rPr lang="es-AR" dirty="0" smtClean="0"/>
-              <a:t>Usuario</a:t>
+              <a:t>Diagrama de Entidad Relación</a:t>
             </a:r>
             <a:endParaRPr lang="en-US" dirty="0"/>
           </a:p>
@@ -3967,13 +4831,55 @@
       </p:sp>
       <p:sp>
         <p:nvSpPr>
-          <p:cNvPr id="33" name="Rectángulo 32"/>
+          <p:cNvPr id="5" name="Rombo 4"/>
           <p:cNvSpPr/>
           <p:nvPr/>
         </p:nvSpPr>
         <p:spPr>
           <a:xfrm>
-            <a:off x="7119258" y="1735493"/>
+            <a:off x="4693300" y="1642188"/>
+            <a:ext cx="1698170" cy="718457"/>
+          </a:xfrm>
+          <a:prstGeom prst="diamond">
+            <a:avLst/>
+          </a:prstGeom>
+        </p:spPr>
+        <p:style>
+          <a:lnRef idx="1">
+            <a:schemeClr val="accent4"/>
+          </a:lnRef>
+          <a:fillRef idx="2">
+            <a:schemeClr val="accent4"/>
+          </a:fillRef>
+          <a:effectRef idx="1">
+            <a:schemeClr val="accent4"/>
+          </a:effectRef>
+          <a:fontRef idx="minor">
+            <a:schemeClr val="dk1"/>
+          </a:fontRef>
+        </p:style>
+        <p:txBody>
+          <a:bodyPr rtlCol="0" anchor="ctr"/>
+          <a:lstStyle/>
+          <a:p>
+            <a:pPr algn="ctr"/>
+            <a:r>
+              <a:rPr lang="es-AR" dirty="0" smtClean="0"/>
+              <a:t>Crea</a:t>
+            </a:r>
+            <a:endParaRPr lang="en-US" dirty="0"/>
+          </a:p>
+        </p:txBody>
+      </p:sp>
+      <p:sp>
+        <p:nvSpPr>
+          <p:cNvPr id="8" name="Rectángulo 7"/>
+          <p:cNvSpPr/>
+          <p:nvPr/>
+        </p:nvSpPr>
+        <p:spPr>
+          <a:xfrm>
+            <a:off x="3051112" y="1735493"/>
             <a:ext cx="914400" cy="531845"/>
           </a:xfrm>
           <a:prstGeom prst="rect">
@@ -4001,6 +4907,48 @@
             <a:pPr algn="ctr"/>
             <a:r>
               <a:rPr lang="es-AR" dirty="0" smtClean="0"/>
+              <a:t>Usuario</a:t>
+            </a:r>
+            <a:endParaRPr lang="en-US" dirty="0"/>
+          </a:p>
+        </p:txBody>
+      </p:sp>
+      <p:sp>
+        <p:nvSpPr>
+          <p:cNvPr id="33" name="Rectángulo 32"/>
+          <p:cNvSpPr/>
+          <p:nvPr/>
+        </p:nvSpPr>
+        <p:spPr>
+          <a:xfrm>
+            <a:off x="7119258" y="1735493"/>
+            <a:ext cx="914400" cy="531845"/>
+          </a:xfrm>
+          <a:prstGeom prst="rect">
+            <a:avLst/>
+          </a:prstGeom>
+        </p:spPr>
+        <p:style>
+          <a:lnRef idx="1">
+            <a:schemeClr val="accent2"/>
+          </a:lnRef>
+          <a:fillRef idx="2">
+            <a:schemeClr val="accent2"/>
+          </a:fillRef>
+          <a:effectRef idx="1">
+            <a:schemeClr val="accent2"/>
+          </a:effectRef>
+          <a:fontRef idx="minor">
+            <a:schemeClr val="dk1"/>
+          </a:fontRef>
+        </p:style>
+        <p:txBody>
+          <a:bodyPr rtlCol="0" anchor="ctr"/>
+          <a:lstStyle/>
+          <a:p>
+            <a:pPr algn="ctr"/>
+            <a:r>
+              <a:rPr lang="es-AR" dirty="0" smtClean="0"/>
               <a:t>Libro</a:t>
             </a:r>
             <a:endParaRPr lang="en-US" dirty="0"/>
@@ -4585,6 +5533,2428 @@
     <p:extLst>
       <p:ext uri="{BB962C8B-B14F-4D97-AF65-F5344CB8AC3E}">
         <p14:creationId xmlns:p14="http://schemas.microsoft.com/office/powerpoint/2010/main" val="1851055260"/>
+      </p:ext>
+    </p:extLst>
+  </p:cSld>
+  <p:clrMapOvr>
+    <a:masterClrMapping/>
+  </p:clrMapOvr>
+</p:sld>
+</file>
+
+<file path=ppt/slides/slide4.xml><?xml version="1.0" encoding="utf-8"?>
+<p:sld xmlns:a="http://schemas.openxmlformats.org/drawingml/2006/main" xmlns:r="http://schemas.openxmlformats.org/officeDocument/2006/relationships" xmlns:p="http://schemas.openxmlformats.org/presentationml/2006/main">
+  <p:cSld>
+    <p:spTree>
+      <p:nvGrpSpPr>
+        <p:cNvPr id="1" name=""/>
+        <p:cNvGrpSpPr/>
+        <p:nvPr/>
+      </p:nvGrpSpPr>
+      <p:grpSpPr>
+        <a:xfrm>
+          <a:off x="0" y="0"/>
+          <a:ext cx="0" cy="0"/>
+          <a:chOff x="0" y="0"/>
+          <a:chExt cx="0" cy="0"/>
+        </a:xfrm>
+      </p:grpSpPr>
+      <p:sp>
+        <p:nvSpPr>
+          <p:cNvPr id="41" name="CuadroTexto 40"/>
+          <p:cNvSpPr txBox="1"/>
+          <p:nvPr/>
+        </p:nvSpPr>
+        <p:spPr>
+          <a:xfrm>
+            <a:off x="3992257" y="155595"/>
+            <a:ext cx="3195863" cy="369332"/>
+          </a:xfrm>
+          <a:prstGeom prst="rect">
+            <a:avLst/>
+          </a:prstGeom>
+        </p:spPr>
+        <p:style>
+          <a:lnRef idx="1">
+            <a:schemeClr val="accent1"/>
+          </a:lnRef>
+          <a:fillRef idx="2">
+            <a:schemeClr val="accent1"/>
+          </a:fillRef>
+          <a:effectRef idx="1">
+            <a:schemeClr val="accent1"/>
+          </a:effectRef>
+          <a:fontRef idx="minor">
+            <a:schemeClr val="dk1"/>
+          </a:fontRef>
+        </p:style>
+        <p:txBody>
+          <a:bodyPr wrap="square" rtlCol="0">
+            <a:spAutoFit/>
+          </a:bodyPr>
+          <a:lstStyle/>
+          <a:p>
+            <a:r>
+              <a:rPr lang="es-AR" dirty="0" smtClean="0"/>
+              <a:t>Diagrama </a:t>
+            </a:r>
+            <a:r>
+              <a:rPr lang="es-AR" dirty="0" smtClean="0"/>
+              <a:t>de Entidad Relación</a:t>
+            </a:r>
+            <a:endParaRPr lang="en-US" dirty="0"/>
+          </a:p>
+        </p:txBody>
+      </p:sp>
+      <p:sp>
+        <p:nvSpPr>
+          <p:cNvPr id="33" name="Rectángulo 32"/>
+          <p:cNvSpPr/>
+          <p:nvPr/>
+        </p:nvSpPr>
+        <p:spPr>
+          <a:xfrm>
+            <a:off x="4157723" y="4526357"/>
+            <a:ext cx="1345477" cy="531845"/>
+          </a:xfrm>
+          <a:prstGeom prst="rect">
+            <a:avLst/>
+          </a:prstGeom>
+        </p:spPr>
+        <p:style>
+          <a:lnRef idx="1">
+            <a:schemeClr val="accent2"/>
+          </a:lnRef>
+          <a:fillRef idx="2">
+            <a:schemeClr val="accent2"/>
+          </a:fillRef>
+          <a:effectRef idx="1">
+            <a:schemeClr val="accent2"/>
+          </a:effectRef>
+          <a:fontRef idx="minor">
+            <a:schemeClr val="dk1"/>
+          </a:fontRef>
+        </p:style>
+        <p:txBody>
+          <a:bodyPr rtlCol="0" anchor="ctr"/>
+          <a:lstStyle/>
+          <a:p>
+            <a:pPr algn="ctr"/>
+            <a:r>
+              <a:rPr lang="es-AR" dirty="0" err="1" smtClean="0"/>
+              <a:t>Ecommerce</a:t>
+            </a:r>
+            <a:endParaRPr lang="en-US" dirty="0"/>
+          </a:p>
+        </p:txBody>
+      </p:sp>
+      <p:sp>
+        <p:nvSpPr>
+          <p:cNvPr id="43" name="Rombo 42"/>
+          <p:cNvSpPr/>
+          <p:nvPr/>
+        </p:nvSpPr>
+        <p:spPr>
+          <a:xfrm>
+            <a:off x="4856274" y="2980897"/>
+            <a:ext cx="1875452" cy="718457"/>
+          </a:xfrm>
+          <a:prstGeom prst="diamond">
+            <a:avLst/>
+          </a:prstGeom>
+        </p:spPr>
+        <p:style>
+          <a:lnRef idx="1">
+            <a:schemeClr val="accent4"/>
+          </a:lnRef>
+          <a:fillRef idx="2">
+            <a:schemeClr val="accent4"/>
+          </a:fillRef>
+          <a:effectRef idx="1">
+            <a:schemeClr val="accent4"/>
+          </a:effectRef>
+          <a:fontRef idx="minor">
+            <a:schemeClr val="dk1"/>
+          </a:fontRef>
+        </p:style>
+        <p:txBody>
+          <a:bodyPr rtlCol="0" anchor="ctr"/>
+          <a:lstStyle/>
+          <a:p>
+            <a:pPr algn="ctr"/>
+            <a:r>
+              <a:rPr lang="es-AR" dirty="0" smtClean="0"/>
+              <a:t>Tipo Usuario</a:t>
+            </a:r>
+            <a:endParaRPr lang="en-US" dirty="0"/>
+          </a:p>
+        </p:txBody>
+      </p:sp>
+      <p:sp>
+        <p:nvSpPr>
+          <p:cNvPr id="47" name="Rectángulo 46"/>
+          <p:cNvSpPr/>
+          <p:nvPr/>
+        </p:nvSpPr>
+        <p:spPr>
+          <a:xfrm>
+            <a:off x="4157723" y="2149269"/>
+            <a:ext cx="914400" cy="531845"/>
+          </a:xfrm>
+          <a:prstGeom prst="rect">
+            <a:avLst/>
+          </a:prstGeom>
+        </p:spPr>
+        <p:style>
+          <a:lnRef idx="1">
+            <a:schemeClr val="accent2"/>
+          </a:lnRef>
+          <a:fillRef idx="2">
+            <a:schemeClr val="accent2"/>
+          </a:fillRef>
+          <a:effectRef idx="1">
+            <a:schemeClr val="accent2"/>
+          </a:effectRef>
+          <a:fontRef idx="minor">
+            <a:schemeClr val="dk1"/>
+          </a:fontRef>
+        </p:style>
+        <p:txBody>
+          <a:bodyPr rtlCol="0" anchor="ctr"/>
+          <a:lstStyle/>
+          <a:p>
+            <a:pPr algn="ctr"/>
+            <a:r>
+              <a:rPr lang="es-AR" dirty="0" err="1" smtClean="0"/>
+              <a:t>Login</a:t>
+            </a:r>
+            <a:endParaRPr lang="en-US" dirty="0"/>
+          </a:p>
+        </p:txBody>
+      </p:sp>
+      <p:sp>
+        <p:nvSpPr>
+          <p:cNvPr id="64" name="CuadroTexto 63"/>
+          <p:cNvSpPr txBox="1"/>
+          <p:nvPr/>
+        </p:nvSpPr>
+        <p:spPr>
+          <a:xfrm>
+            <a:off x="1318855" y="2619529"/>
+            <a:ext cx="256802" cy="261610"/>
+          </a:xfrm>
+          <a:prstGeom prst="rect">
+            <a:avLst/>
+          </a:prstGeom>
+          <a:noFill/>
+        </p:spPr>
+        <p:txBody>
+          <a:bodyPr wrap="none" rtlCol="0">
+            <a:spAutoFit/>
+          </a:bodyPr>
+          <a:lstStyle/>
+          <a:p>
+            <a:r>
+              <a:rPr lang="es-AR" sz="1100" dirty="0" smtClean="0"/>
+              <a:t>1</a:t>
+            </a:r>
+            <a:endParaRPr lang="en-US" sz="1100" dirty="0"/>
+          </a:p>
+        </p:txBody>
+      </p:sp>
+      <p:sp>
+        <p:nvSpPr>
+          <p:cNvPr id="67" name="CuadroTexto 66"/>
+          <p:cNvSpPr txBox="1"/>
+          <p:nvPr/>
+        </p:nvSpPr>
+        <p:spPr>
+          <a:xfrm>
+            <a:off x="1318855" y="2992255"/>
+            <a:ext cx="258404" cy="261610"/>
+          </a:xfrm>
+          <a:prstGeom prst="rect">
+            <a:avLst/>
+          </a:prstGeom>
+          <a:noFill/>
+        </p:spPr>
+        <p:txBody>
+          <a:bodyPr wrap="none" rtlCol="0">
+            <a:spAutoFit/>
+          </a:bodyPr>
+          <a:lstStyle/>
+          <a:p>
+            <a:r>
+              <a:rPr lang="es-AR" sz="1100" dirty="0" smtClean="0"/>
+              <a:t>n</a:t>
+            </a:r>
+            <a:endParaRPr lang="en-US" sz="1100" dirty="0"/>
+          </a:p>
+        </p:txBody>
+      </p:sp>
+      <p:sp>
+        <p:nvSpPr>
+          <p:cNvPr id="68" name="CuadroTexto 67"/>
+          <p:cNvSpPr txBox="1"/>
+          <p:nvPr/>
+        </p:nvSpPr>
+        <p:spPr>
+          <a:xfrm>
+            <a:off x="1306909" y="2284386"/>
+            <a:ext cx="258404" cy="261610"/>
+          </a:xfrm>
+          <a:prstGeom prst="rect">
+            <a:avLst/>
+          </a:prstGeom>
+          <a:noFill/>
+        </p:spPr>
+        <p:txBody>
+          <a:bodyPr wrap="none" rtlCol="0">
+            <a:spAutoFit/>
+          </a:bodyPr>
+          <a:lstStyle/>
+          <a:p>
+            <a:r>
+              <a:rPr lang="es-AR" sz="1100" dirty="0" smtClean="0"/>
+              <a:t>n</a:t>
+            </a:r>
+            <a:endParaRPr lang="en-US" sz="1100" dirty="0"/>
+          </a:p>
+        </p:txBody>
+      </p:sp>
+      <p:sp>
+        <p:nvSpPr>
+          <p:cNvPr id="23" name="Rectángulo 22"/>
+          <p:cNvSpPr/>
+          <p:nvPr/>
+        </p:nvSpPr>
+        <p:spPr>
+          <a:xfrm>
+            <a:off x="1768202" y="971476"/>
+            <a:ext cx="914400" cy="531845"/>
+          </a:xfrm>
+          <a:prstGeom prst="rect">
+            <a:avLst/>
+          </a:prstGeom>
+        </p:spPr>
+        <p:style>
+          <a:lnRef idx="1">
+            <a:schemeClr val="accent2"/>
+          </a:lnRef>
+          <a:fillRef idx="2">
+            <a:schemeClr val="accent2"/>
+          </a:fillRef>
+          <a:effectRef idx="1">
+            <a:schemeClr val="accent2"/>
+          </a:effectRef>
+          <a:fontRef idx="minor">
+            <a:schemeClr val="dk1"/>
+          </a:fontRef>
+        </p:style>
+        <p:txBody>
+          <a:bodyPr rtlCol="0" anchor="ctr"/>
+          <a:lstStyle/>
+          <a:p>
+            <a:pPr algn="ctr"/>
+            <a:r>
+              <a:rPr lang="es-AR" dirty="0" smtClean="0"/>
+              <a:t>Home</a:t>
+            </a:r>
+            <a:endParaRPr lang="en-US" dirty="0"/>
+          </a:p>
+        </p:txBody>
+      </p:sp>
+      <p:sp>
+        <p:nvSpPr>
+          <p:cNvPr id="24" name="Rectángulo 23"/>
+          <p:cNvSpPr/>
+          <p:nvPr/>
+        </p:nvSpPr>
+        <p:spPr>
+          <a:xfrm>
+            <a:off x="2941264" y="966888"/>
+            <a:ext cx="1216459" cy="531845"/>
+          </a:xfrm>
+          <a:prstGeom prst="rect">
+            <a:avLst/>
+          </a:prstGeom>
+        </p:spPr>
+        <p:style>
+          <a:lnRef idx="1">
+            <a:schemeClr val="accent2"/>
+          </a:lnRef>
+          <a:fillRef idx="2">
+            <a:schemeClr val="accent2"/>
+          </a:fillRef>
+          <a:effectRef idx="1">
+            <a:schemeClr val="accent2"/>
+          </a:effectRef>
+          <a:fontRef idx="minor">
+            <a:schemeClr val="dk1"/>
+          </a:fontRef>
+        </p:style>
+        <p:txBody>
+          <a:bodyPr rtlCol="0" anchor="ctr"/>
+          <a:lstStyle/>
+          <a:p>
+            <a:pPr algn="ctr"/>
+            <a:r>
+              <a:rPr lang="es-AR" dirty="0" smtClean="0"/>
+              <a:t>Nosotros</a:t>
+            </a:r>
+            <a:endParaRPr lang="en-US" dirty="0"/>
+          </a:p>
+        </p:txBody>
+      </p:sp>
+      <p:sp>
+        <p:nvSpPr>
+          <p:cNvPr id="25" name="Rombo 24"/>
+          <p:cNvSpPr/>
+          <p:nvPr/>
+        </p:nvSpPr>
+        <p:spPr>
+          <a:xfrm>
+            <a:off x="4856274" y="884155"/>
+            <a:ext cx="2093166" cy="1141213"/>
+          </a:xfrm>
+          <a:prstGeom prst="diamond">
+            <a:avLst/>
+          </a:prstGeom>
+        </p:spPr>
+        <p:style>
+          <a:lnRef idx="1">
+            <a:schemeClr val="accent4"/>
+          </a:lnRef>
+          <a:fillRef idx="2">
+            <a:schemeClr val="accent4"/>
+          </a:fillRef>
+          <a:effectRef idx="1">
+            <a:schemeClr val="accent4"/>
+          </a:effectRef>
+          <a:fontRef idx="minor">
+            <a:schemeClr val="dk1"/>
+          </a:fontRef>
+        </p:style>
+        <p:txBody>
+          <a:bodyPr rtlCol="0" anchor="ctr"/>
+          <a:lstStyle/>
+          <a:p>
+            <a:pPr algn="ctr"/>
+            <a:r>
+              <a:rPr lang="es-AR" dirty="0" smtClean="0"/>
+              <a:t>Existe Usuario?</a:t>
+            </a:r>
+            <a:endParaRPr lang="en-US" dirty="0"/>
+          </a:p>
+        </p:txBody>
+      </p:sp>
+      <p:sp>
+        <p:nvSpPr>
+          <p:cNvPr id="26" name="Rectángulo 25"/>
+          <p:cNvSpPr/>
+          <p:nvPr/>
+        </p:nvSpPr>
+        <p:spPr>
+          <a:xfrm>
+            <a:off x="4157723" y="3690173"/>
+            <a:ext cx="914400" cy="531845"/>
+          </a:xfrm>
+          <a:prstGeom prst="rect">
+            <a:avLst/>
+          </a:prstGeom>
+        </p:spPr>
+        <p:style>
+          <a:lnRef idx="1">
+            <a:schemeClr val="accent2"/>
+          </a:lnRef>
+          <a:fillRef idx="2">
+            <a:schemeClr val="accent2"/>
+          </a:fillRef>
+          <a:effectRef idx="1">
+            <a:schemeClr val="accent2"/>
+          </a:effectRef>
+          <a:fontRef idx="minor">
+            <a:schemeClr val="dk1"/>
+          </a:fontRef>
+        </p:style>
+        <p:txBody>
+          <a:bodyPr rtlCol="0" anchor="ctr"/>
+          <a:lstStyle/>
+          <a:p>
+            <a:pPr algn="ctr"/>
+            <a:r>
+              <a:rPr lang="es-AR" dirty="0" err="1" smtClean="0"/>
+              <a:t>User</a:t>
+            </a:r>
+            <a:endParaRPr lang="en-US" dirty="0"/>
+          </a:p>
+        </p:txBody>
+      </p:sp>
+      <p:sp>
+        <p:nvSpPr>
+          <p:cNvPr id="27" name="Rectángulo 26"/>
+          <p:cNvSpPr/>
+          <p:nvPr/>
+        </p:nvSpPr>
+        <p:spPr>
+          <a:xfrm>
+            <a:off x="6463784" y="2163302"/>
+            <a:ext cx="1008169" cy="531845"/>
+          </a:xfrm>
+          <a:prstGeom prst="rect">
+            <a:avLst/>
+          </a:prstGeom>
+        </p:spPr>
+        <p:style>
+          <a:lnRef idx="1">
+            <a:schemeClr val="accent2"/>
+          </a:lnRef>
+          <a:fillRef idx="2">
+            <a:schemeClr val="accent2"/>
+          </a:fillRef>
+          <a:effectRef idx="1">
+            <a:schemeClr val="accent2"/>
+          </a:effectRef>
+          <a:fontRef idx="minor">
+            <a:schemeClr val="dk1"/>
+          </a:fontRef>
+        </p:style>
+        <p:txBody>
+          <a:bodyPr rtlCol="0" anchor="ctr"/>
+          <a:lstStyle/>
+          <a:p>
+            <a:pPr algn="ctr"/>
+            <a:r>
+              <a:rPr lang="es-AR" dirty="0" smtClean="0"/>
+              <a:t>Registro</a:t>
+            </a:r>
+            <a:endParaRPr lang="en-US" dirty="0"/>
+          </a:p>
+        </p:txBody>
+      </p:sp>
+      <p:sp>
+        <p:nvSpPr>
+          <p:cNvPr id="28" name="Rectángulo 27"/>
+          <p:cNvSpPr/>
+          <p:nvPr/>
+        </p:nvSpPr>
+        <p:spPr>
+          <a:xfrm>
+            <a:off x="6561287" y="3719181"/>
+            <a:ext cx="914400" cy="531845"/>
+          </a:xfrm>
+          <a:prstGeom prst="rect">
+            <a:avLst/>
+          </a:prstGeom>
+        </p:spPr>
+        <p:style>
+          <a:lnRef idx="1">
+            <a:schemeClr val="accent2"/>
+          </a:lnRef>
+          <a:fillRef idx="2">
+            <a:schemeClr val="accent2"/>
+          </a:fillRef>
+          <a:effectRef idx="1">
+            <a:schemeClr val="accent2"/>
+          </a:effectRef>
+          <a:fontRef idx="minor">
+            <a:schemeClr val="dk1"/>
+          </a:fontRef>
+        </p:style>
+        <p:txBody>
+          <a:bodyPr rtlCol="0" anchor="ctr"/>
+          <a:lstStyle/>
+          <a:p>
+            <a:pPr algn="ctr"/>
+            <a:r>
+              <a:rPr lang="es-AR" dirty="0" smtClean="0"/>
+              <a:t>Admin</a:t>
+            </a:r>
+            <a:endParaRPr lang="en-US" dirty="0"/>
+          </a:p>
+        </p:txBody>
+      </p:sp>
+      <p:sp>
+        <p:nvSpPr>
+          <p:cNvPr id="29" name="Rectángulo 28"/>
+          <p:cNvSpPr/>
+          <p:nvPr/>
+        </p:nvSpPr>
+        <p:spPr>
+          <a:xfrm>
+            <a:off x="6061163" y="4520567"/>
+            <a:ext cx="1345477" cy="531845"/>
+          </a:xfrm>
+          <a:prstGeom prst="rect">
+            <a:avLst/>
+          </a:prstGeom>
+        </p:spPr>
+        <p:style>
+          <a:lnRef idx="1">
+            <a:schemeClr val="accent2"/>
+          </a:lnRef>
+          <a:fillRef idx="2">
+            <a:schemeClr val="accent2"/>
+          </a:fillRef>
+          <a:effectRef idx="1">
+            <a:schemeClr val="accent2"/>
+          </a:effectRef>
+          <a:fontRef idx="minor">
+            <a:schemeClr val="dk1"/>
+          </a:fontRef>
+        </p:style>
+        <p:txBody>
+          <a:bodyPr rtlCol="0" anchor="ctr"/>
+          <a:lstStyle/>
+          <a:p>
+            <a:pPr algn="ctr"/>
+            <a:r>
+              <a:rPr lang="es-AR" dirty="0" smtClean="0"/>
+              <a:t>Productos</a:t>
+            </a:r>
+            <a:endParaRPr lang="en-US" dirty="0"/>
+          </a:p>
+        </p:txBody>
+      </p:sp>
+      <p:sp>
+        <p:nvSpPr>
+          <p:cNvPr id="30" name="Rectángulo 29"/>
+          <p:cNvSpPr/>
+          <p:nvPr/>
+        </p:nvSpPr>
+        <p:spPr>
+          <a:xfrm>
+            <a:off x="7702729" y="4520566"/>
+            <a:ext cx="1345477" cy="531845"/>
+          </a:xfrm>
+          <a:prstGeom prst="rect">
+            <a:avLst/>
+          </a:prstGeom>
+        </p:spPr>
+        <p:style>
+          <a:lnRef idx="1">
+            <a:schemeClr val="accent2"/>
+          </a:lnRef>
+          <a:fillRef idx="2">
+            <a:schemeClr val="accent2"/>
+          </a:fillRef>
+          <a:effectRef idx="1">
+            <a:schemeClr val="accent2"/>
+          </a:effectRef>
+          <a:fontRef idx="minor">
+            <a:schemeClr val="dk1"/>
+          </a:fontRef>
+        </p:style>
+        <p:txBody>
+          <a:bodyPr rtlCol="0" anchor="ctr"/>
+          <a:lstStyle/>
+          <a:p>
+            <a:pPr algn="ctr"/>
+            <a:r>
+              <a:rPr lang="es-AR" dirty="0" smtClean="0"/>
+              <a:t>Usuarios</a:t>
+            </a:r>
+            <a:endParaRPr lang="en-US" dirty="0"/>
+          </a:p>
+        </p:txBody>
+      </p:sp>
+      <p:cxnSp>
+        <p:nvCxnSpPr>
+          <p:cNvPr id="3" name="Conector recto 2"/>
+          <p:cNvCxnSpPr>
+            <a:stCxn id="23" idx="3"/>
+            <a:endCxn id="24" idx="1"/>
+          </p:cNvCxnSpPr>
+          <p:nvPr/>
+        </p:nvCxnSpPr>
+        <p:spPr>
+          <a:xfrm flipV="1">
+            <a:off x="2682602" y="1232811"/>
+            <a:ext cx="258662" cy="4588"/>
+          </a:xfrm>
+          <a:prstGeom prst="line">
+            <a:avLst/>
+          </a:prstGeom>
+        </p:spPr>
+        <p:style>
+          <a:lnRef idx="1">
+            <a:schemeClr val="accent1"/>
+          </a:lnRef>
+          <a:fillRef idx="0">
+            <a:schemeClr val="accent1"/>
+          </a:fillRef>
+          <a:effectRef idx="0">
+            <a:schemeClr val="accent1"/>
+          </a:effectRef>
+          <a:fontRef idx="minor">
+            <a:schemeClr val="tx1"/>
+          </a:fontRef>
+        </p:style>
+      </p:cxnSp>
+      <p:cxnSp>
+        <p:nvCxnSpPr>
+          <p:cNvPr id="6" name="Conector recto 5"/>
+          <p:cNvCxnSpPr>
+            <a:stCxn id="24" idx="3"/>
+            <a:endCxn id="25" idx="1"/>
+          </p:cNvCxnSpPr>
+          <p:nvPr/>
+        </p:nvCxnSpPr>
+        <p:spPr>
+          <a:xfrm>
+            <a:off x="4157723" y="1232811"/>
+            <a:ext cx="698551" cy="221951"/>
+          </a:xfrm>
+          <a:prstGeom prst="line">
+            <a:avLst/>
+          </a:prstGeom>
+        </p:spPr>
+        <p:style>
+          <a:lnRef idx="1">
+            <a:schemeClr val="accent1"/>
+          </a:lnRef>
+          <a:fillRef idx="0">
+            <a:schemeClr val="accent1"/>
+          </a:fillRef>
+          <a:effectRef idx="0">
+            <a:schemeClr val="accent1"/>
+          </a:effectRef>
+          <a:fontRef idx="minor">
+            <a:schemeClr val="tx1"/>
+          </a:fontRef>
+        </p:style>
+      </p:cxnSp>
+      <p:cxnSp>
+        <p:nvCxnSpPr>
+          <p:cNvPr id="9" name="Conector recto 8"/>
+          <p:cNvCxnSpPr/>
+          <p:nvPr/>
+        </p:nvCxnSpPr>
+        <p:spPr>
+          <a:xfrm flipV="1">
+            <a:off x="4614923" y="1766033"/>
+            <a:ext cx="821094" cy="364786"/>
+          </a:xfrm>
+          <a:prstGeom prst="line">
+            <a:avLst/>
+          </a:prstGeom>
+        </p:spPr>
+        <p:style>
+          <a:lnRef idx="1">
+            <a:schemeClr val="accent1"/>
+          </a:lnRef>
+          <a:fillRef idx="0">
+            <a:schemeClr val="accent1"/>
+          </a:fillRef>
+          <a:effectRef idx="0">
+            <a:schemeClr val="accent1"/>
+          </a:effectRef>
+          <a:fontRef idx="minor">
+            <a:schemeClr val="tx1"/>
+          </a:fontRef>
+        </p:style>
+      </p:cxnSp>
+      <p:cxnSp>
+        <p:nvCxnSpPr>
+          <p:cNvPr id="11" name="Conector recto 10"/>
+          <p:cNvCxnSpPr>
+            <a:stCxn id="27" idx="0"/>
+          </p:cNvCxnSpPr>
+          <p:nvPr/>
+        </p:nvCxnSpPr>
+        <p:spPr>
+          <a:xfrm flipH="1" flipV="1">
+            <a:off x="6400800" y="1733550"/>
+            <a:ext cx="567069" cy="429752"/>
+          </a:xfrm>
+          <a:prstGeom prst="line">
+            <a:avLst/>
+          </a:prstGeom>
+        </p:spPr>
+        <p:style>
+          <a:lnRef idx="1">
+            <a:schemeClr val="accent1"/>
+          </a:lnRef>
+          <a:fillRef idx="0">
+            <a:schemeClr val="accent1"/>
+          </a:fillRef>
+          <a:effectRef idx="0">
+            <a:schemeClr val="accent1"/>
+          </a:effectRef>
+          <a:fontRef idx="minor">
+            <a:schemeClr val="tx1"/>
+          </a:fontRef>
+        </p:style>
+      </p:cxnSp>
+      <p:cxnSp>
+        <p:nvCxnSpPr>
+          <p:cNvPr id="15" name="Conector recto 14"/>
+          <p:cNvCxnSpPr>
+            <a:stCxn id="47" idx="2"/>
+          </p:cNvCxnSpPr>
+          <p:nvPr/>
+        </p:nvCxnSpPr>
+        <p:spPr>
+          <a:xfrm>
+            <a:off x="4614923" y="2681114"/>
+            <a:ext cx="821094" cy="441946"/>
+          </a:xfrm>
+          <a:prstGeom prst="line">
+            <a:avLst/>
+          </a:prstGeom>
+        </p:spPr>
+        <p:style>
+          <a:lnRef idx="1">
+            <a:schemeClr val="accent1"/>
+          </a:lnRef>
+          <a:fillRef idx="0">
+            <a:schemeClr val="accent1"/>
+          </a:fillRef>
+          <a:effectRef idx="0">
+            <a:schemeClr val="accent1"/>
+          </a:effectRef>
+          <a:fontRef idx="minor">
+            <a:schemeClr val="tx1"/>
+          </a:fontRef>
+        </p:style>
+      </p:cxnSp>
+      <p:cxnSp>
+        <p:nvCxnSpPr>
+          <p:cNvPr id="17" name="Conector recto 16"/>
+          <p:cNvCxnSpPr>
+            <a:stCxn id="27" idx="2"/>
+          </p:cNvCxnSpPr>
+          <p:nvPr/>
+        </p:nvCxnSpPr>
+        <p:spPr>
+          <a:xfrm flipH="1">
+            <a:off x="6134568" y="2695147"/>
+            <a:ext cx="833301" cy="423684"/>
+          </a:xfrm>
+          <a:prstGeom prst="line">
+            <a:avLst/>
+          </a:prstGeom>
+        </p:spPr>
+        <p:style>
+          <a:lnRef idx="1">
+            <a:schemeClr val="accent1"/>
+          </a:lnRef>
+          <a:fillRef idx="0">
+            <a:schemeClr val="accent1"/>
+          </a:fillRef>
+          <a:effectRef idx="0">
+            <a:schemeClr val="accent1"/>
+          </a:effectRef>
+          <a:fontRef idx="minor">
+            <a:schemeClr val="tx1"/>
+          </a:fontRef>
+        </p:style>
+      </p:cxnSp>
+      <p:cxnSp>
+        <p:nvCxnSpPr>
+          <p:cNvPr id="22" name="Conector recto 21"/>
+          <p:cNvCxnSpPr>
+            <a:stCxn id="26" idx="3"/>
+          </p:cNvCxnSpPr>
+          <p:nvPr/>
+        </p:nvCxnSpPr>
+        <p:spPr>
+          <a:xfrm flipV="1">
+            <a:off x="5072123" y="3557847"/>
+            <a:ext cx="363894" cy="398249"/>
+          </a:xfrm>
+          <a:prstGeom prst="line">
+            <a:avLst/>
+          </a:prstGeom>
+        </p:spPr>
+        <p:style>
+          <a:lnRef idx="1">
+            <a:schemeClr val="accent1"/>
+          </a:lnRef>
+          <a:fillRef idx="0">
+            <a:schemeClr val="accent1"/>
+          </a:fillRef>
+          <a:effectRef idx="0">
+            <a:schemeClr val="accent1"/>
+          </a:effectRef>
+          <a:fontRef idx="minor">
+            <a:schemeClr val="tx1"/>
+          </a:fontRef>
+        </p:style>
+      </p:cxnSp>
+      <p:cxnSp>
+        <p:nvCxnSpPr>
+          <p:cNvPr id="32" name="Conector recto 31"/>
+          <p:cNvCxnSpPr>
+            <a:stCxn id="28" idx="1"/>
+          </p:cNvCxnSpPr>
+          <p:nvPr/>
+        </p:nvCxnSpPr>
+        <p:spPr>
+          <a:xfrm flipH="1" flipV="1">
+            <a:off x="6134568" y="3557847"/>
+            <a:ext cx="426719" cy="427257"/>
+          </a:xfrm>
+          <a:prstGeom prst="line">
+            <a:avLst/>
+          </a:prstGeom>
+        </p:spPr>
+        <p:style>
+          <a:lnRef idx="1">
+            <a:schemeClr val="accent1"/>
+          </a:lnRef>
+          <a:fillRef idx="0">
+            <a:schemeClr val="accent1"/>
+          </a:fillRef>
+          <a:effectRef idx="0">
+            <a:schemeClr val="accent1"/>
+          </a:effectRef>
+          <a:fontRef idx="minor">
+            <a:schemeClr val="tx1"/>
+          </a:fontRef>
+        </p:style>
+      </p:cxnSp>
+      <p:cxnSp>
+        <p:nvCxnSpPr>
+          <p:cNvPr id="35" name="Conector recto 34"/>
+          <p:cNvCxnSpPr>
+            <a:stCxn id="26" idx="2"/>
+            <a:endCxn id="33" idx="0"/>
+          </p:cNvCxnSpPr>
+          <p:nvPr/>
+        </p:nvCxnSpPr>
+        <p:spPr>
+          <a:xfrm>
+            <a:off x="4614923" y="4222018"/>
+            <a:ext cx="215539" cy="304339"/>
+          </a:xfrm>
+          <a:prstGeom prst="line">
+            <a:avLst/>
+          </a:prstGeom>
+        </p:spPr>
+        <p:style>
+          <a:lnRef idx="1">
+            <a:schemeClr val="accent1"/>
+          </a:lnRef>
+          <a:fillRef idx="0">
+            <a:schemeClr val="accent1"/>
+          </a:fillRef>
+          <a:effectRef idx="0">
+            <a:schemeClr val="accent1"/>
+          </a:effectRef>
+          <a:fontRef idx="minor">
+            <a:schemeClr val="tx1"/>
+          </a:fontRef>
+        </p:style>
+      </p:cxnSp>
+      <p:cxnSp>
+        <p:nvCxnSpPr>
+          <p:cNvPr id="37" name="Conector recto 36"/>
+          <p:cNvCxnSpPr>
+            <a:stCxn id="28" idx="2"/>
+            <a:endCxn id="33" idx="0"/>
+          </p:cNvCxnSpPr>
+          <p:nvPr/>
+        </p:nvCxnSpPr>
+        <p:spPr>
+          <a:xfrm flipH="1">
+            <a:off x="4830462" y="4251026"/>
+            <a:ext cx="2188025" cy="275331"/>
+          </a:xfrm>
+          <a:prstGeom prst="line">
+            <a:avLst/>
+          </a:prstGeom>
+        </p:spPr>
+        <p:style>
+          <a:lnRef idx="1">
+            <a:schemeClr val="accent1"/>
+          </a:lnRef>
+          <a:fillRef idx="0">
+            <a:schemeClr val="accent1"/>
+          </a:fillRef>
+          <a:effectRef idx="0">
+            <a:schemeClr val="accent1"/>
+          </a:effectRef>
+          <a:fontRef idx="minor">
+            <a:schemeClr val="tx1"/>
+          </a:fontRef>
+        </p:style>
+      </p:cxnSp>
+      <p:cxnSp>
+        <p:nvCxnSpPr>
+          <p:cNvPr id="40" name="Conector recto 39"/>
+          <p:cNvCxnSpPr>
+            <a:stCxn id="28" idx="2"/>
+            <a:endCxn id="29" idx="0"/>
+          </p:cNvCxnSpPr>
+          <p:nvPr/>
+        </p:nvCxnSpPr>
+        <p:spPr>
+          <a:xfrm flipH="1">
+            <a:off x="6733902" y="4251026"/>
+            <a:ext cx="284585" cy="269541"/>
+          </a:xfrm>
+          <a:prstGeom prst="line">
+            <a:avLst/>
+          </a:prstGeom>
+        </p:spPr>
+        <p:style>
+          <a:lnRef idx="1">
+            <a:schemeClr val="accent1"/>
+          </a:lnRef>
+          <a:fillRef idx="0">
+            <a:schemeClr val="accent1"/>
+          </a:fillRef>
+          <a:effectRef idx="0">
+            <a:schemeClr val="accent1"/>
+          </a:effectRef>
+          <a:fontRef idx="minor">
+            <a:schemeClr val="tx1"/>
+          </a:fontRef>
+        </p:style>
+      </p:cxnSp>
+      <p:cxnSp>
+        <p:nvCxnSpPr>
+          <p:cNvPr id="46" name="Conector recto 45"/>
+          <p:cNvCxnSpPr>
+            <a:stCxn id="28" idx="2"/>
+            <a:endCxn id="30" idx="0"/>
+          </p:cNvCxnSpPr>
+          <p:nvPr/>
+        </p:nvCxnSpPr>
+        <p:spPr>
+          <a:xfrm>
+            <a:off x="7018487" y="4251026"/>
+            <a:ext cx="1356981" cy="269540"/>
+          </a:xfrm>
+          <a:prstGeom prst="line">
+            <a:avLst/>
+          </a:prstGeom>
+        </p:spPr>
+        <p:style>
+          <a:lnRef idx="1">
+            <a:schemeClr val="accent1"/>
+          </a:lnRef>
+          <a:fillRef idx="0">
+            <a:schemeClr val="accent1"/>
+          </a:fillRef>
+          <a:effectRef idx="0">
+            <a:schemeClr val="accent1"/>
+          </a:effectRef>
+          <a:fontRef idx="minor">
+            <a:schemeClr val="tx1"/>
+          </a:fontRef>
+        </p:style>
+      </p:cxnSp>
+    </p:spTree>
+    <p:extLst>
+      <p:ext uri="{BB962C8B-B14F-4D97-AF65-F5344CB8AC3E}">
+        <p14:creationId xmlns:p14="http://schemas.microsoft.com/office/powerpoint/2010/main" val="3562143988"/>
+      </p:ext>
+    </p:extLst>
+  </p:cSld>
+  <p:clrMapOvr>
+    <a:masterClrMapping/>
+  </p:clrMapOvr>
+</p:sld>
+</file>
+
+<file path=ppt/slides/slide5.xml><?xml version="1.0" encoding="utf-8"?>
+<p:sld xmlns:a="http://schemas.openxmlformats.org/drawingml/2006/main" xmlns:r="http://schemas.openxmlformats.org/officeDocument/2006/relationships" xmlns:p="http://schemas.openxmlformats.org/presentationml/2006/main">
+  <p:cSld>
+    <p:spTree>
+      <p:nvGrpSpPr>
+        <p:cNvPr id="1" name=""/>
+        <p:cNvGrpSpPr/>
+        <p:nvPr/>
+      </p:nvGrpSpPr>
+      <p:grpSpPr>
+        <a:xfrm>
+          <a:off x="0" y="0"/>
+          <a:ext cx="0" cy="0"/>
+          <a:chOff x="0" y="0"/>
+          <a:chExt cx="0" cy="0"/>
+        </a:xfrm>
+      </p:grpSpPr>
+      <p:sp>
+        <p:nvSpPr>
+          <p:cNvPr id="41" name="CuadroTexto 40"/>
+          <p:cNvSpPr txBox="1"/>
+          <p:nvPr/>
+        </p:nvSpPr>
+        <p:spPr>
+          <a:xfrm>
+            <a:off x="3300888" y="171359"/>
+            <a:ext cx="3195863" cy="369332"/>
+          </a:xfrm>
+          <a:prstGeom prst="rect">
+            <a:avLst/>
+          </a:prstGeom>
+        </p:spPr>
+        <p:style>
+          <a:lnRef idx="1">
+            <a:schemeClr val="accent1"/>
+          </a:lnRef>
+          <a:fillRef idx="2">
+            <a:schemeClr val="accent1"/>
+          </a:fillRef>
+          <a:effectRef idx="1">
+            <a:schemeClr val="accent1"/>
+          </a:effectRef>
+          <a:fontRef idx="minor">
+            <a:schemeClr val="dk1"/>
+          </a:fontRef>
+        </p:style>
+        <p:txBody>
+          <a:bodyPr wrap="square" rtlCol="0">
+            <a:spAutoFit/>
+          </a:bodyPr>
+          <a:lstStyle/>
+          <a:p>
+            <a:r>
+              <a:rPr lang="es-AR" dirty="0" smtClean="0"/>
+              <a:t>Diagrama </a:t>
+            </a:r>
+            <a:r>
+              <a:rPr lang="es-AR" dirty="0" smtClean="0"/>
+              <a:t>de Entidad Relación</a:t>
+            </a:r>
+            <a:endParaRPr lang="en-US" dirty="0"/>
+          </a:p>
+        </p:txBody>
+      </p:sp>
+      <p:sp>
+        <p:nvSpPr>
+          <p:cNvPr id="23" name="Rectángulo 22"/>
+          <p:cNvSpPr/>
+          <p:nvPr/>
+        </p:nvSpPr>
+        <p:spPr>
+          <a:xfrm>
+            <a:off x="6783656" y="2689921"/>
+            <a:ext cx="1054453" cy="1451138"/>
+          </a:xfrm>
+          <a:prstGeom prst="rect">
+            <a:avLst/>
+          </a:prstGeom>
+        </p:spPr>
+        <p:style>
+          <a:lnRef idx="1">
+            <a:schemeClr val="accent2"/>
+          </a:lnRef>
+          <a:fillRef idx="2">
+            <a:schemeClr val="accent2"/>
+          </a:fillRef>
+          <a:effectRef idx="1">
+            <a:schemeClr val="accent2"/>
+          </a:effectRef>
+          <a:fontRef idx="minor">
+            <a:schemeClr val="dk1"/>
+          </a:fontRef>
+        </p:style>
+        <p:txBody>
+          <a:bodyPr rtlCol="0" anchor="ctr"/>
+          <a:lstStyle/>
+          <a:p>
+            <a:r>
+              <a:rPr lang="es-AR" dirty="0" smtClean="0"/>
+              <a:t>Usuario</a:t>
+            </a:r>
+          </a:p>
+          <a:p>
+            <a:r>
+              <a:rPr lang="es-AR" sz="1100" b="1" dirty="0" smtClean="0"/>
+              <a:t>Id</a:t>
+            </a:r>
+            <a:endParaRPr lang="es-AR" sz="1100" dirty="0" smtClean="0"/>
+          </a:p>
+          <a:p>
+            <a:r>
+              <a:rPr lang="es-AR" sz="1100" dirty="0" err="1" smtClean="0"/>
+              <a:t>Usario</a:t>
+            </a:r>
+            <a:r>
+              <a:rPr lang="es-AR" sz="1100" dirty="0" smtClean="0"/>
+              <a:t> </a:t>
+            </a:r>
+          </a:p>
+          <a:p>
+            <a:r>
+              <a:rPr lang="es-AR" sz="1100" dirty="0" smtClean="0"/>
+              <a:t>Email</a:t>
+            </a:r>
+          </a:p>
+          <a:p>
+            <a:r>
+              <a:rPr lang="es-AR" sz="1100" dirty="0" err="1" smtClean="0"/>
+              <a:t>Password</a:t>
+            </a:r>
+            <a:endParaRPr lang="es-AR" sz="1100" dirty="0" smtClean="0"/>
+          </a:p>
+          <a:p>
+            <a:r>
+              <a:rPr lang="es-AR" sz="1100" dirty="0" smtClean="0"/>
+              <a:t>Imagen</a:t>
+            </a:r>
+          </a:p>
+          <a:p>
+            <a:r>
+              <a:rPr lang="es-AR" sz="1100" b="1" dirty="0" err="1" smtClean="0"/>
+              <a:t>Fk</a:t>
+            </a:r>
+            <a:r>
+              <a:rPr lang="es-AR" sz="1100" dirty="0" err="1" smtClean="0"/>
+              <a:t>_rol_id</a:t>
+            </a:r>
+            <a:endParaRPr lang="es-AR" sz="1100" dirty="0" smtClean="0"/>
+          </a:p>
+          <a:p>
+            <a:endParaRPr lang="en-US" sz="1100" dirty="0"/>
+          </a:p>
+        </p:txBody>
+      </p:sp>
+      <p:sp>
+        <p:nvSpPr>
+          <p:cNvPr id="25" name="Rombo 24"/>
+          <p:cNvSpPr/>
+          <p:nvPr/>
+        </p:nvSpPr>
+        <p:spPr>
+          <a:xfrm>
+            <a:off x="6476815" y="1257331"/>
+            <a:ext cx="1196096" cy="661897"/>
+          </a:xfrm>
+          <a:prstGeom prst="diamond">
+            <a:avLst/>
+          </a:prstGeom>
+        </p:spPr>
+        <p:style>
+          <a:lnRef idx="1">
+            <a:schemeClr val="accent4"/>
+          </a:lnRef>
+          <a:fillRef idx="2">
+            <a:schemeClr val="accent4"/>
+          </a:fillRef>
+          <a:effectRef idx="1">
+            <a:schemeClr val="accent4"/>
+          </a:effectRef>
+          <a:fontRef idx="minor">
+            <a:schemeClr val="dk1"/>
+          </a:fontRef>
+        </p:style>
+        <p:txBody>
+          <a:bodyPr rtlCol="0" anchor="ctr"/>
+          <a:lstStyle/>
+          <a:p>
+            <a:pPr algn="ctr"/>
+            <a:r>
+              <a:rPr lang="es-AR" sz="1400" dirty="0" smtClean="0"/>
+              <a:t>Crear</a:t>
+            </a:r>
+            <a:endParaRPr lang="en-US" sz="1400" dirty="0"/>
+          </a:p>
+        </p:txBody>
+      </p:sp>
+      <p:cxnSp>
+        <p:nvCxnSpPr>
+          <p:cNvPr id="3" name="Conector recto 2"/>
+          <p:cNvCxnSpPr/>
+          <p:nvPr/>
+        </p:nvCxnSpPr>
+        <p:spPr>
+          <a:xfrm flipV="1">
+            <a:off x="1177449" y="5040040"/>
+            <a:ext cx="258662" cy="4588"/>
+          </a:xfrm>
+          <a:prstGeom prst="line">
+            <a:avLst/>
+          </a:prstGeom>
+        </p:spPr>
+        <p:style>
+          <a:lnRef idx="1">
+            <a:schemeClr val="accent1"/>
+          </a:lnRef>
+          <a:fillRef idx="0">
+            <a:schemeClr val="accent1"/>
+          </a:fillRef>
+          <a:effectRef idx="0">
+            <a:schemeClr val="accent1"/>
+          </a:effectRef>
+          <a:fontRef idx="minor">
+            <a:schemeClr val="tx1"/>
+          </a:fontRef>
+        </p:style>
+      </p:cxnSp>
+      <p:sp>
+        <p:nvSpPr>
+          <p:cNvPr id="31" name="Rectángulo 30"/>
+          <p:cNvSpPr/>
+          <p:nvPr/>
+        </p:nvSpPr>
+        <p:spPr>
+          <a:xfrm>
+            <a:off x="8063874" y="444370"/>
+            <a:ext cx="827882" cy="952376"/>
+          </a:xfrm>
+          <a:prstGeom prst="rect">
+            <a:avLst/>
+          </a:prstGeom>
+        </p:spPr>
+        <p:style>
+          <a:lnRef idx="1">
+            <a:schemeClr val="accent2"/>
+          </a:lnRef>
+          <a:fillRef idx="2">
+            <a:schemeClr val="accent2"/>
+          </a:fillRef>
+          <a:effectRef idx="1">
+            <a:schemeClr val="accent2"/>
+          </a:effectRef>
+          <a:fontRef idx="minor">
+            <a:schemeClr val="dk1"/>
+          </a:fontRef>
+        </p:style>
+        <p:txBody>
+          <a:bodyPr rtlCol="0" anchor="ctr"/>
+          <a:lstStyle/>
+          <a:p>
+            <a:r>
+              <a:rPr lang="es-AR" dirty="0" smtClean="0"/>
+              <a:t>Roles</a:t>
+            </a:r>
+          </a:p>
+          <a:p>
+            <a:r>
+              <a:rPr lang="es-AR" sz="1100" b="1" dirty="0" smtClean="0"/>
+              <a:t>Id</a:t>
+            </a:r>
+            <a:endParaRPr lang="es-AR" sz="1100" dirty="0" smtClean="0"/>
+          </a:p>
+          <a:p>
+            <a:r>
+              <a:rPr lang="es-AR" sz="1100" dirty="0" smtClean="0"/>
+              <a:t>Nombre </a:t>
+            </a:r>
+          </a:p>
+          <a:p>
+            <a:r>
+              <a:rPr lang="es-AR" sz="1100" b="1" dirty="0" err="1" smtClean="0"/>
+              <a:t>Fk</a:t>
+            </a:r>
+            <a:r>
+              <a:rPr lang="es-AR" sz="1100" dirty="0" err="1" smtClean="0"/>
+              <a:t>_user_id</a:t>
+            </a:r>
+            <a:endParaRPr lang="es-AR" sz="1100" dirty="0" smtClean="0"/>
+          </a:p>
+          <a:p>
+            <a:endParaRPr lang="en-US" sz="1100" dirty="0"/>
+          </a:p>
+        </p:txBody>
+      </p:sp>
+      <p:sp>
+        <p:nvSpPr>
+          <p:cNvPr id="34" name="Rectángulo 33"/>
+          <p:cNvSpPr/>
+          <p:nvPr/>
+        </p:nvSpPr>
+        <p:spPr>
+          <a:xfrm>
+            <a:off x="2702292" y="2307765"/>
+            <a:ext cx="1054453" cy="1886649"/>
+          </a:xfrm>
+          <a:prstGeom prst="rect">
+            <a:avLst/>
+          </a:prstGeom>
+        </p:spPr>
+        <p:style>
+          <a:lnRef idx="1">
+            <a:schemeClr val="accent2"/>
+          </a:lnRef>
+          <a:fillRef idx="2">
+            <a:schemeClr val="accent2"/>
+          </a:fillRef>
+          <a:effectRef idx="1">
+            <a:schemeClr val="accent2"/>
+          </a:effectRef>
+          <a:fontRef idx="minor">
+            <a:schemeClr val="dk1"/>
+          </a:fontRef>
+        </p:style>
+        <p:txBody>
+          <a:bodyPr rtlCol="0" anchor="ctr"/>
+          <a:lstStyle/>
+          <a:p>
+            <a:r>
+              <a:rPr lang="es-AR" dirty="0" smtClean="0"/>
+              <a:t>Compra</a:t>
+            </a:r>
+          </a:p>
+          <a:p>
+            <a:r>
+              <a:rPr lang="es-AR" sz="1100" b="1" dirty="0" err="1" smtClean="0"/>
+              <a:t>IdCompra</a:t>
+            </a:r>
+            <a:endParaRPr lang="es-AR" sz="1100" dirty="0" smtClean="0"/>
+          </a:p>
+          <a:p>
+            <a:r>
+              <a:rPr lang="es-AR" sz="1100" b="1" dirty="0" err="1" smtClean="0"/>
+              <a:t>F</a:t>
+            </a:r>
+            <a:r>
+              <a:rPr lang="es-AR" sz="1100" b="1" dirty="0" err="1"/>
+              <a:t>k</a:t>
+            </a:r>
+            <a:r>
+              <a:rPr lang="es-AR" sz="1100" dirty="0" err="1"/>
+              <a:t>_</a:t>
+            </a:r>
+            <a:r>
+              <a:rPr lang="es-AR" sz="1100" dirty="0" err="1"/>
+              <a:t>idproducto</a:t>
+            </a:r>
+            <a:r>
+              <a:rPr lang="es-AR" sz="1100" dirty="0" smtClean="0"/>
+              <a:t> </a:t>
+            </a:r>
+          </a:p>
+          <a:p>
+            <a:r>
+              <a:rPr lang="es-AR" sz="1100" dirty="0" err="1" smtClean="0"/>
+              <a:t>usercompra</a:t>
+            </a:r>
+            <a:endParaRPr lang="es-AR" sz="1100" dirty="0" smtClean="0"/>
+          </a:p>
+          <a:p>
+            <a:r>
+              <a:rPr lang="es-AR" sz="1100" dirty="0" smtClean="0"/>
+              <a:t>Cantidad</a:t>
+            </a:r>
+          </a:p>
+          <a:p>
+            <a:r>
+              <a:rPr lang="es-AR" sz="1100" dirty="0" smtClean="0"/>
+              <a:t>Fecha</a:t>
+            </a:r>
+            <a:endParaRPr lang="es-AR" sz="1100" dirty="0"/>
+          </a:p>
+          <a:p>
+            <a:r>
+              <a:rPr lang="es-AR" sz="1100" dirty="0" err="1"/>
+              <a:t>Observacion</a:t>
+            </a:r>
+            <a:endParaRPr lang="es-AR" sz="1100" dirty="0"/>
+          </a:p>
+          <a:p>
+            <a:r>
+              <a:rPr lang="es-AR" sz="1100" dirty="0" err="1"/>
+              <a:t>Lugar_Entrega</a:t>
+            </a:r>
+            <a:endParaRPr lang="es-AR" sz="1100" dirty="0"/>
+          </a:p>
+          <a:p>
+            <a:r>
+              <a:rPr lang="es-AR" sz="1100" dirty="0" err="1" smtClean="0"/>
+              <a:t>Forma_Pago</a:t>
+            </a:r>
+            <a:endParaRPr lang="es-AR" sz="1100" dirty="0" smtClean="0"/>
+          </a:p>
+          <a:p>
+            <a:r>
+              <a:rPr lang="es-AR" sz="1100" dirty="0" smtClean="0"/>
+              <a:t>Valor</a:t>
+            </a:r>
+            <a:endParaRPr lang="es-AR" sz="1100" dirty="0"/>
+          </a:p>
+          <a:p>
+            <a:endParaRPr lang="en-US" sz="1100" dirty="0"/>
+          </a:p>
+        </p:txBody>
+      </p:sp>
+      <p:sp>
+        <p:nvSpPr>
+          <p:cNvPr id="36" name="Rectángulo 35"/>
+          <p:cNvSpPr/>
+          <p:nvPr/>
+        </p:nvSpPr>
+        <p:spPr>
+          <a:xfrm>
+            <a:off x="8079341" y="1854773"/>
+            <a:ext cx="1054453" cy="1577453"/>
+          </a:xfrm>
+          <a:prstGeom prst="rect">
+            <a:avLst/>
+          </a:prstGeom>
+        </p:spPr>
+        <p:style>
+          <a:lnRef idx="1">
+            <a:schemeClr val="accent2"/>
+          </a:lnRef>
+          <a:fillRef idx="2">
+            <a:schemeClr val="accent2"/>
+          </a:fillRef>
+          <a:effectRef idx="1">
+            <a:schemeClr val="accent2"/>
+          </a:effectRef>
+          <a:fontRef idx="minor">
+            <a:schemeClr val="dk1"/>
+          </a:fontRef>
+        </p:style>
+        <p:txBody>
+          <a:bodyPr rtlCol="0" anchor="ctr"/>
+          <a:lstStyle/>
+          <a:p>
+            <a:r>
+              <a:rPr lang="es-AR" dirty="0" smtClean="0"/>
+              <a:t>Producto</a:t>
+            </a:r>
+          </a:p>
+          <a:p>
+            <a:r>
+              <a:rPr lang="es-AR" sz="1100" b="1" dirty="0" smtClean="0"/>
+              <a:t>id</a:t>
+            </a:r>
+            <a:endParaRPr lang="es-AR" sz="1100" dirty="0" smtClean="0"/>
+          </a:p>
+          <a:p>
+            <a:r>
+              <a:rPr lang="es-AR" sz="1100" dirty="0" smtClean="0"/>
+              <a:t>Producto</a:t>
+            </a:r>
+            <a:r>
+              <a:rPr lang="es-AR" sz="1100" dirty="0" smtClean="0"/>
+              <a:t> </a:t>
+            </a:r>
+          </a:p>
+          <a:p>
+            <a:r>
+              <a:rPr lang="es-AR" sz="1100" dirty="0" smtClean="0"/>
+              <a:t>Clave</a:t>
+            </a:r>
+          </a:p>
+          <a:p>
+            <a:r>
+              <a:rPr lang="es-AR" sz="1100" dirty="0" smtClean="0"/>
+              <a:t>Cantidad</a:t>
+            </a:r>
+          </a:p>
+          <a:p>
+            <a:r>
+              <a:rPr lang="es-AR" sz="1100" dirty="0" smtClean="0"/>
+              <a:t>Valor</a:t>
+            </a:r>
+            <a:endParaRPr lang="es-AR" sz="1100" dirty="0"/>
+          </a:p>
+          <a:p>
+            <a:r>
+              <a:rPr lang="es-AR" sz="1100" dirty="0" err="1" smtClean="0"/>
+              <a:t>Fecha_Ingreso</a:t>
+            </a:r>
+            <a:endParaRPr lang="es-AR" sz="1100" dirty="0"/>
+          </a:p>
+          <a:p>
+            <a:r>
+              <a:rPr lang="es-AR" sz="1100" dirty="0" smtClean="0"/>
+              <a:t>Imagen</a:t>
+            </a:r>
+            <a:endParaRPr lang="es-AR" sz="1100" dirty="0"/>
+          </a:p>
+        </p:txBody>
+      </p:sp>
+      <p:sp>
+        <p:nvSpPr>
+          <p:cNvPr id="38" name="Rectángulo 37"/>
+          <p:cNvSpPr/>
+          <p:nvPr/>
+        </p:nvSpPr>
+        <p:spPr>
+          <a:xfrm>
+            <a:off x="4942180" y="2682681"/>
+            <a:ext cx="1054453" cy="1623919"/>
+          </a:xfrm>
+          <a:prstGeom prst="rect">
+            <a:avLst/>
+          </a:prstGeom>
+        </p:spPr>
+        <p:style>
+          <a:lnRef idx="1">
+            <a:schemeClr val="accent2"/>
+          </a:lnRef>
+          <a:fillRef idx="2">
+            <a:schemeClr val="accent2"/>
+          </a:fillRef>
+          <a:effectRef idx="1">
+            <a:schemeClr val="accent2"/>
+          </a:effectRef>
+          <a:fontRef idx="minor">
+            <a:schemeClr val="dk1"/>
+          </a:fontRef>
+        </p:style>
+        <p:txBody>
+          <a:bodyPr rtlCol="0" anchor="ctr"/>
+          <a:lstStyle/>
+          <a:p>
+            <a:r>
+              <a:rPr lang="es-AR" dirty="0" smtClean="0"/>
+              <a:t>Ingreso</a:t>
+            </a:r>
+          </a:p>
+          <a:p>
+            <a:r>
+              <a:rPr lang="es-AR" sz="1100" b="1" dirty="0" err="1" smtClean="0"/>
+              <a:t>Idmovimiento</a:t>
+            </a:r>
+            <a:endParaRPr lang="es-AR" sz="1100" dirty="0" smtClean="0"/>
+          </a:p>
+          <a:p>
+            <a:r>
+              <a:rPr lang="es-AR" sz="1100" b="1" dirty="0" err="1" smtClean="0"/>
+              <a:t>F</a:t>
+            </a:r>
+            <a:r>
+              <a:rPr lang="es-AR" sz="1100" b="1" dirty="0" err="1"/>
+              <a:t>k</a:t>
+            </a:r>
+            <a:r>
+              <a:rPr lang="es-AR" sz="1100" dirty="0" err="1"/>
+              <a:t>_</a:t>
+            </a:r>
+            <a:r>
+              <a:rPr lang="es-AR" sz="1100" dirty="0" err="1"/>
+              <a:t>idproducto</a:t>
+            </a:r>
+            <a:r>
+              <a:rPr lang="es-AR" sz="1100" dirty="0" smtClean="0"/>
+              <a:t> </a:t>
+            </a:r>
+          </a:p>
+          <a:p>
+            <a:r>
+              <a:rPr lang="es-AR" sz="1100" dirty="0" err="1" smtClean="0"/>
+              <a:t>usermov</a:t>
+            </a:r>
+            <a:endParaRPr lang="es-AR" sz="1100" dirty="0" smtClean="0"/>
+          </a:p>
+          <a:p>
+            <a:r>
+              <a:rPr lang="es-AR" sz="1100" dirty="0" smtClean="0"/>
+              <a:t>Cantidad</a:t>
+            </a:r>
+          </a:p>
+          <a:p>
+            <a:r>
+              <a:rPr lang="es-AR" sz="1100" dirty="0" smtClean="0"/>
+              <a:t>Fecha</a:t>
+            </a:r>
+            <a:endParaRPr lang="es-AR" sz="1100" dirty="0"/>
+          </a:p>
+          <a:p>
+            <a:r>
+              <a:rPr lang="es-AR" sz="1100" dirty="0" err="1" smtClean="0"/>
+              <a:t>Observacion</a:t>
+            </a:r>
+            <a:endParaRPr lang="es-AR" sz="1100" dirty="0" smtClean="0"/>
+          </a:p>
+          <a:p>
+            <a:r>
+              <a:rPr lang="es-AR" sz="1100" dirty="0" smtClean="0"/>
+              <a:t>Valor</a:t>
+            </a:r>
+            <a:endParaRPr lang="es-AR" sz="1100" dirty="0"/>
+          </a:p>
+          <a:p>
+            <a:endParaRPr lang="en-US" sz="1100" dirty="0"/>
+          </a:p>
+        </p:txBody>
+      </p:sp>
+      <p:sp>
+        <p:nvSpPr>
+          <p:cNvPr id="39" name="Rombo 38"/>
+          <p:cNvSpPr/>
+          <p:nvPr/>
+        </p:nvSpPr>
+        <p:spPr>
+          <a:xfrm>
+            <a:off x="3923018" y="596772"/>
+            <a:ext cx="1247517" cy="639251"/>
+          </a:xfrm>
+          <a:prstGeom prst="diamond">
+            <a:avLst/>
+          </a:prstGeom>
+        </p:spPr>
+        <p:style>
+          <a:lnRef idx="1">
+            <a:schemeClr val="accent4"/>
+          </a:lnRef>
+          <a:fillRef idx="2">
+            <a:schemeClr val="accent4"/>
+          </a:fillRef>
+          <a:effectRef idx="1">
+            <a:schemeClr val="accent4"/>
+          </a:effectRef>
+          <a:fontRef idx="minor">
+            <a:schemeClr val="dk1"/>
+          </a:fontRef>
+        </p:style>
+        <p:txBody>
+          <a:bodyPr rtlCol="0" anchor="ctr"/>
+          <a:lstStyle/>
+          <a:p>
+            <a:pPr algn="ctr"/>
+            <a:r>
+              <a:rPr lang="es-AR" dirty="0" smtClean="0"/>
+              <a:t>Tipo</a:t>
+            </a:r>
+            <a:endParaRPr lang="en-US" dirty="0"/>
+          </a:p>
+        </p:txBody>
+      </p:sp>
+      <p:sp>
+        <p:nvSpPr>
+          <p:cNvPr id="42" name="Rombo 41"/>
+          <p:cNvSpPr/>
+          <p:nvPr/>
+        </p:nvSpPr>
+        <p:spPr>
+          <a:xfrm>
+            <a:off x="4826832" y="1362475"/>
+            <a:ext cx="1104539" cy="432411"/>
+          </a:xfrm>
+          <a:prstGeom prst="diamond">
+            <a:avLst/>
+          </a:prstGeom>
+        </p:spPr>
+        <p:style>
+          <a:lnRef idx="1">
+            <a:schemeClr val="accent4"/>
+          </a:lnRef>
+          <a:fillRef idx="2">
+            <a:schemeClr val="accent4"/>
+          </a:fillRef>
+          <a:effectRef idx="1">
+            <a:schemeClr val="accent4"/>
+          </a:effectRef>
+          <a:fontRef idx="minor">
+            <a:schemeClr val="dk1"/>
+          </a:fontRef>
+        </p:style>
+        <p:txBody>
+          <a:bodyPr rtlCol="0" anchor="ctr"/>
+          <a:lstStyle/>
+          <a:p>
+            <a:pPr algn="ctr"/>
+            <a:r>
+              <a:rPr lang="en-US" sz="1050" dirty="0" smtClean="0"/>
+              <a:t>Admin</a:t>
+            </a:r>
+            <a:endParaRPr lang="en-US" sz="1050" dirty="0"/>
+          </a:p>
+        </p:txBody>
+      </p:sp>
+      <p:sp>
+        <p:nvSpPr>
+          <p:cNvPr id="44" name="Rombo 43"/>
+          <p:cNvSpPr/>
+          <p:nvPr/>
+        </p:nvSpPr>
+        <p:spPr>
+          <a:xfrm>
+            <a:off x="3453430" y="1284746"/>
+            <a:ext cx="920991" cy="525126"/>
+          </a:xfrm>
+          <a:prstGeom prst="diamond">
+            <a:avLst/>
+          </a:prstGeom>
+        </p:spPr>
+        <p:style>
+          <a:lnRef idx="1">
+            <a:schemeClr val="accent4"/>
+          </a:lnRef>
+          <a:fillRef idx="2">
+            <a:schemeClr val="accent4"/>
+          </a:fillRef>
+          <a:effectRef idx="1">
+            <a:schemeClr val="accent4"/>
+          </a:effectRef>
+          <a:fontRef idx="minor">
+            <a:schemeClr val="dk1"/>
+          </a:fontRef>
+        </p:style>
+        <p:txBody>
+          <a:bodyPr rtlCol="0" anchor="ctr"/>
+          <a:lstStyle/>
+          <a:p>
+            <a:pPr algn="ctr"/>
+            <a:r>
+              <a:rPr lang="es-AR" sz="1100" dirty="0" err="1" smtClean="0"/>
+              <a:t>User</a:t>
+            </a:r>
+            <a:endParaRPr lang="en-US" sz="1100" dirty="0"/>
+          </a:p>
+        </p:txBody>
+      </p:sp>
+      <p:cxnSp>
+        <p:nvCxnSpPr>
+          <p:cNvPr id="50" name="Conector recto 49"/>
+          <p:cNvCxnSpPr>
+            <a:stCxn id="42" idx="2"/>
+            <a:endCxn id="38" idx="0"/>
+          </p:cNvCxnSpPr>
+          <p:nvPr/>
+        </p:nvCxnSpPr>
+        <p:spPr>
+          <a:xfrm>
+            <a:off x="5379102" y="1794886"/>
+            <a:ext cx="90305" cy="887795"/>
+          </a:xfrm>
+          <a:prstGeom prst="line">
+            <a:avLst/>
+          </a:prstGeom>
+        </p:spPr>
+        <p:style>
+          <a:lnRef idx="1">
+            <a:schemeClr val="accent1"/>
+          </a:lnRef>
+          <a:fillRef idx="0">
+            <a:schemeClr val="accent1"/>
+          </a:fillRef>
+          <a:effectRef idx="0">
+            <a:schemeClr val="accent1"/>
+          </a:effectRef>
+          <a:fontRef idx="minor">
+            <a:schemeClr val="tx1"/>
+          </a:fontRef>
+        </p:style>
+      </p:cxnSp>
+      <p:cxnSp>
+        <p:nvCxnSpPr>
+          <p:cNvPr id="52" name="Conector recto 51"/>
+          <p:cNvCxnSpPr>
+            <a:stCxn id="42" idx="2"/>
+            <a:endCxn id="34" idx="0"/>
+          </p:cNvCxnSpPr>
+          <p:nvPr/>
+        </p:nvCxnSpPr>
+        <p:spPr>
+          <a:xfrm flipH="1">
+            <a:off x="3229519" y="1794886"/>
+            <a:ext cx="2149583" cy="512879"/>
+          </a:xfrm>
+          <a:prstGeom prst="line">
+            <a:avLst/>
+          </a:prstGeom>
+        </p:spPr>
+        <p:style>
+          <a:lnRef idx="1">
+            <a:schemeClr val="accent1"/>
+          </a:lnRef>
+          <a:fillRef idx="0">
+            <a:schemeClr val="accent1"/>
+          </a:fillRef>
+          <a:effectRef idx="0">
+            <a:schemeClr val="accent1"/>
+          </a:effectRef>
+          <a:fontRef idx="minor">
+            <a:schemeClr val="tx1"/>
+          </a:fontRef>
+        </p:style>
+      </p:cxnSp>
+      <p:cxnSp>
+        <p:nvCxnSpPr>
+          <p:cNvPr id="54" name="Conector recto 53"/>
+          <p:cNvCxnSpPr>
+            <a:stCxn id="44" idx="2"/>
+            <a:endCxn id="34" idx="0"/>
+          </p:cNvCxnSpPr>
+          <p:nvPr/>
+        </p:nvCxnSpPr>
+        <p:spPr>
+          <a:xfrm flipH="1">
+            <a:off x="3229519" y="1809872"/>
+            <a:ext cx="684407" cy="497893"/>
+          </a:xfrm>
+          <a:prstGeom prst="line">
+            <a:avLst/>
+          </a:prstGeom>
+        </p:spPr>
+        <p:style>
+          <a:lnRef idx="1">
+            <a:schemeClr val="accent1"/>
+          </a:lnRef>
+          <a:fillRef idx="0">
+            <a:schemeClr val="accent1"/>
+          </a:fillRef>
+          <a:effectRef idx="0">
+            <a:schemeClr val="accent1"/>
+          </a:effectRef>
+          <a:fontRef idx="minor">
+            <a:schemeClr val="tx1"/>
+          </a:fontRef>
+        </p:style>
+      </p:cxnSp>
+      <p:cxnSp>
+        <p:nvCxnSpPr>
+          <p:cNvPr id="63" name="Conector recto 62"/>
+          <p:cNvCxnSpPr/>
+          <p:nvPr/>
+        </p:nvCxnSpPr>
+        <p:spPr>
+          <a:xfrm flipV="1">
+            <a:off x="4106487" y="1072342"/>
+            <a:ext cx="91440" cy="324404"/>
+          </a:xfrm>
+          <a:prstGeom prst="line">
+            <a:avLst/>
+          </a:prstGeom>
+        </p:spPr>
+        <p:style>
+          <a:lnRef idx="1">
+            <a:schemeClr val="accent1"/>
+          </a:lnRef>
+          <a:fillRef idx="0">
+            <a:schemeClr val="accent1"/>
+          </a:fillRef>
+          <a:effectRef idx="0">
+            <a:schemeClr val="accent1"/>
+          </a:effectRef>
+          <a:fontRef idx="minor">
+            <a:schemeClr val="tx1"/>
+          </a:fontRef>
+        </p:style>
+      </p:cxnSp>
+      <p:cxnSp>
+        <p:nvCxnSpPr>
+          <p:cNvPr id="66" name="Conector recto 65"/>
+          <p:cNvCxnSpPr/>
+          <p:nvPr/>
+        </p:nvCxnSpPr>
+        <p:spPr>
+          <a:xfrm flipH="1" flipV="1">
+            <a:off x="4908570" y="1098183"/>
+            <a:ext cx="261965" cy="318296"/>
+          </a:xfrm>
+          <a:prstGeom prst="line">
+            <a:avLst/>
+          </a:prstGeom>
+        </p:spPr>
+        <p:style>
+          <a:lnRef idx="1">
+            <a:schemeClr val="accent1"/>
+          </a:lnRef>
+          <a:fillRef idx="0">
+            <a:schemeClr val="accent1"/>
+          </a:fillRef>
+          <a:effectRef idx="0">
+            <a:schemeClr val="accent1"/>
+          </a:effectRef>
+          <a:fontRef idx="minor">
+            <a:schemeClr val="tx1"/>
+          </a:fontRef>
+        </p:style>
+      </p:cxnSp>
+      <p:cxnSp>
+        <p:nvCxnSpPr>
+          <p:cNvPr id="70" name="Conector recto 69"/>
+          <p:cNvCxnSpPr>
+            <a:endCxn id="23" idx="0"/>
+          </p:cNvCxnSpPr>
+          <p:nvPr/>
+        </p:nvCxnSpPr>
+        <p:spPr>
+          <a:xfrm>
+            <a:off x="4106487" y="1687484"/>
+            <a:ext cx="3204396" cy="1002437"/>
+          </a:xfrm>
+          <a:prstGeom prst="line">
+            <a:avLst/>
+          </a:prstGeom>
+        </p:spPr>
+        <p:style>
+          <a:lnRef idx="1">
+            <a:schemeClr val="accent1"/>
+          </a:lnRef>
+          <a:fillRef idx="0">
+            <a:schemeClr val="accent1"/>
+          </a:fillRef>
+          <a:effectRef idx="0">
+            <a:schemeClr val="accent1"/>
+          </a:effectRef>
+          <a:fontRef idx="minor">
+            <a:schemeClr val="tx1"/>
+          </a:fontRef>
+        </p:style>
+      </p:cxnSp>
+      <p:cxnSp>
+        <p:nvCxnSpPr>
+          <p:cNvPr id="74" name="Conector recto 73"/>
+          <p:cNvCxnSpPr>
+            <a:stCxn id="31" idx="1"/>
+          </p:cNvCxnSpPr>
+          <p:nvPr/>
+        </p:nvCxnSpPr>
+        <p:spPr>
+          <a:xfrm flipH="1">
+            <a:off x="7373389" y="920558"/>
+            <a:ext cx="690485" cy="495921"/>
+          </a:xfrm>
+          <a:prstGeom prst="line">
+            <a:avLst/>
+          </a:prstGeom>
+        </p:spPr>
+        <p:style>
+          <a:lnRef idx="1">
+            <a:schemeClr val="accent1"/>
+          </a:lnRef>
+          <a:fillRef idx="0">
+            <a:schemeClr val="accent1"/>
+          </a:fillRef>
+          <a:effectRef idx="0">
+            <a:schemeClr val="accent1"/>
+          </a:effectRef>
+          <a:fontRef idx="minor">
+            <a:schemeClr val="tx1"/>
+          </a:fontRef>
+        </p:style>
+      </p:cxnSp>
+      <p:cxnSp>
+        <p:nvCxnSpPr>
+          <p:cNvPr id="76" name="Conector recto 75"/>
+          <p:cNvCxnSpPr>
+            <a:stCxn id="42" idx="3"/>
+            <a:endCxn id="25" idx="1"/>
+          </p:cNvCxnSpPr>
+          <p:nvPr/>
+        </p:nvCxnSpPr>
+        <p:spPr>
+          <a:xfrm>
+            <a:off x="5931371" y="1578681"/>
+            <a:ext cx="545444" cy="9599"/>
+          </a:xfrm>
+          <a:prstGeom prst="line">
+            <a:avLst/>
+          </a:prstGeom>
+        </p:spPr>
+        <p:style>
+          <a:lnRef idx="1">
+            <a:schemeClr val="accent1"/>
+          </a:lnRef>
+          <a:fillRef idx="0">
+            <a:schemeClr val="accent1"/>
+          </a:fillRef>
+          <a:effectRef idx="0">
+            <a:schemeClr val="accent1"/>
+          </a:effectRef>
+          <a:fontRef idx="minor">
+            <a:schemeClr val="tx1"/>
+          </a:fontRef>
+        </p:style>
+      </p:cxnSp>
+      <p:cxnSp>
+        <p:nvCxnSpPr>
+          <p:cNvPr id="78" name="Conector recto 77"/>
+          <p:cNvCxnSpPr>
+            <a:stCxn id="36" idx="1"/>
+          </p:cNvCxnSpPr>
+          <p:nvPr/>
+        </p:nvCxnSpPr>
+        <p:spPr>
+          <a:xfrm flipH="1" flipV="1">
+            <a:off x="7373389" y="1753252"/>
+            <a:ext cx="705952" cy="890248"/>
+          </a:xfrm>
+          <a:prstGeom prst="line">
+            <a:avLst/>
+          </a:prstGeom>
+        </p:spPr>
+        <p:style>
+          <a:lnRef idx="1">
+            <a:schemeClr val="accent1"/>
+          </a:lnRef>
+          <a:fillRef idx="0">
+            <a:schemeClr val="accent1"/>
+          </a:fillRef>
+          <a:effectRef idx="0">
+            <a:schemeClr val="accent1"/>
+          </a:effectRef>
+          <a:fontRef idx="minor">
+            <a:schemeClr val="tx1"/>
+          </a:fontRef>
+        </p:style>
+      </p:cxnSp>
+      <p:cxnSp>
+        <p:nvCxnSpPr>
+          <p:cNvPr id="80" name="Conector recto 79"/>
+          <p:cNvCxnSpPr>
+            <a:stCxn id="23" idx="0"/>
+            <a:endCxn id="25" idx="2"/>
+          </p:cNvCxnSpPr>
+          <p:nvPr/>
+        </p:nvCxnSpPr>
+        <p:spPr>
+          <a:xfrm flipH="1" flipV="1">
+            <a:off x="7074863" y="1919228"/>
+            <a:ext cx="236020" cy="770693"/>
+          </a:xfrm>
+          <a:prstGeom prst="line">
+            <a:avLst/>
+          </a:prstGeom>
+        </p:spPr>
+        <p:style>
+          <a:lnRef idx="1">
+            <a:schemeClr val="accent1"/>
+          </a:lnRef>
+          <a:fillRef idx="0">
+            <a:schemeClr val="accent1"/>
+          </a:fillRef>
+          <a:effectRef idx="0">
+            <a:schemeClr val="accent1"/>
+          </a:effectRef>
+          <a:fontRef idx="minor">
+            <a:schemeClr val="tx1"/>
+          </a:fontRef>
+        </p:style>
+      </p:cxnSp>
+      <p:cxnSp>
+        <p:nvCxnSpPr>
+          <p:cNvPr id="86" name="Conector recto 85"/>
+          <p:cNvCxnSpPr>
+            <a:stCxn id="42" idx="2"/>
+            <a:endCxn id="34" idx="3"/>
+          </p:cNvCxnSpPr>
+          <p:nvPr/>
+        </p:nvCxnSpPr>
+        <p:spPr>
+          <a:xfrm flipH="1">
+            <a:off x="3756745" y="1794886"/>
+            <a:ext cx="1622357" cy="1456204"/>
+          </a:xfrm>
+          <a:prstGeom prst="line">
+            <a:avLst/>
+          </a:prstGeom>
+        </p:spPr>
+        <p:style>
+          <a:lnRef idx="1">
+            <a:schemeClr val="accent1"/>
+          </a:lnRef>
+          <a:fillRef idx="0">
+            <a:schemeClr val="accent1"/>
+          </a:fillRef>
+          <a:effectRef idx="0">
+            <a:schemeClr val="accent1"/>
+          </a:effectRef>
+          <a:fontRef idx="minor">
+            <a:schemeClr val="tx1"/>
+          </a:fontRef>
+        </p:style>
+      </p:cxnSp>
+      <p:cxnSp>
+        <p:nvCxnSpPr>
+          <p:cNvPr id="96" name="Conector recto 95"/>
+          <p:cNvCxnSpPr>
+            <a:stCxn id="23" idx="0"/>
+            <a:endCxn id="31" idx="2"/>
+          </p:cNvCxnSpPr>
+          <p:nvPr/>
+        </p:nvCxnSpPr>
+        <p:spPr>
+          <a:xfrm flipV="1">
+            <a:off x="7310883" y="1396746"/>
+            <a:ext cx="1166932" cy="1293175"/>
+          </a:xfrm>
+          <a:prstGeom prst="line">
+            <a:avLst/>
+          </a:prstGeom>
+        </p:spPr>
+        <p:style>
+          <a:lnRef idx="1">
+            <a:schemeClr val="accent1"/>
+          </a:lnRef>
+          <a:fillRef idx="0">
+            <a:schemeClr val="accent1"/>
+          </a:fillRef>
+          <a:effectRef idx="0">
+            <a:schemeClr val="accent1"/>
+          </a:effectRef>
+          <a:fontRef idx="minor">
+            <a:schemeClr val="tx1"/>
+          </a:fontRef>
+        </p:style>
+      </p:cxnSp>
+      <p:sp>
+        <p:nvSpPr>
+          <p:cNvPr id="97" name="CuadroTexto 96"/>
+          <p:cNvSpPr txBox="1"/>
+          <p:nvPr/>
+        </p:nvSpPr>
+        <p:spPr>
+          <a:xfrm>
+            <a:off x="2907756" y="2055005"/>
+            <a:ext cx="369012" cy="261610"/>
+          </a:xfrm>
+          <a:prstGeom prst="rect">
+            <a:avLst/>
+          </a:prstGeom>
+          <a:noFill/>
+        </p:spPr>
+        <p:txBody>
+          <a:bodyPr wrap="none" rtlCol="0">
+            <a:spAutoFit/>
+          </a:bodyPr>
+          <a:lstStyle/>
+          <a:p>
+            <a:r>
+              <a:rPr lang="es-AR" sz="1100" dirty="0" smtClean="0"/>
+              <a:t>1:n</a:t>
+            </a:r>
+            <a:endParaRPr lang="en-US" sz="1100" dirty="0"/>
+          </a:p>
+        </p:txBody>
+      </p:sp>
+      <p:sp>
+        <p:nvSpPr>
+          <p:cNvPr id="98" name="CuadroTexto 97"/>
+          <p:cNvSpPr txBox="1"/>
+          <p:nvPr/>
+        </p:nvSpPr>
+        <p:spPr>
+          <a:xfrm>
+            <a:off x="3470586" y="1694053"/>
+            <a:ext cx="369012" cy="261610"/>
+          </a:xfrm>
+          <a:prstGeom prst="rect">
+            <a:avLst/>
+          </a:prstGeom>
+          <a:noFill/>
+        </p:spPr>
+        <p:txBody>
+          <a:bodyPr wrap="none" rtlCol="0">
+            <a:spAutoFit/>
+          </a:bodyPr>
+          <a:lstStyle/>
+          <a:p>
+            <a:r>
+              <a:rPr lang="es-AR" sz="1100" dirty="0" smtClean="0"/>
+              <a:t>1:n</a:t>
+            </a:r>
+            <a:endParaRPr lang="en-US" sz="1100" dirty="0"/>
+          </a:p>
+        </p:txBody>
+      </p:sp>
+      <p:sp>
+        <p:nvSpPr>
+          <p:cNvPr id="99" name="CuadroTexto 98"/>
+          <p:cNvSpPr txBox="1"/>
+          <p:nvPr/>
+        </p:nvSpPr>
+        <p:spPr>
+          <a:xfrm>
+            <a:off x="3729419" y="3170616"/>
+            <a:ext cx="369012" cy="261610"/>
+          </a:xfrm>
+          <a:prstGeom prst="rect">
+            <a:avLst/>
+          </a:prstGeom>
+          <a:noFill/>
+        </p:spPr>
+        <p:txBody>
+          <a:bodyPr wrap="none" rtlCol="0">
+            <a:spAutoFit/>
+          </a:bodyPr>
+          <a:lstStyle/>
+          <a:p>
+            <a:r>
+              <a:rPr lang="es-AR" sz="1100" dirty="0" smtClean="0"/>
+              <a:t>1:n</a:t>
+            </a:r>
+            <a:endParaRPr lang="en-US" sz="1100" dirty="0"/>
+          </a:p>
+        </p:txBody>
+      </p:sp>
+      <p:sp>
+        <p:nvSpPr>
+          <p:cNvPr id="100" name="CuadroTexto 99"/>
+          <p:cNvSpPr txBox="1"/>
+          <p:nvPr/>
+        </p:nvSpPr>
+        <p:spPr>
+          <a:xfrm>
+            <a:off x="5086449" y="1867940"/>
+            <a:ext cx="369012" cy="261610"/>
+          </a:xfrm>
+          <a:prstGeom prst="rect">
+            <a:avLst/>
+          </a:prstGeom>
+          <a:noFill/>
+        </p:spPr>
+        <p:txBody>
+          <a:bodyPr wrap="none" rtlCol="0">
+            <a:spAutoFit/>
+          </a:bodyPr>
+          <a:lstStyle/>
+          <a:p>
+            <a:r>
+              <a:rPr lang="es-AR" sz="1100" dirty="0" smtClean="0"/>
+              <a:t>1:n</a:t>
+            </a:r>
+            <a:endParaRPr lang="en-US" sz="1100" dirty="0"/>
+          </a:p>
+        </p:txBody>
+      </p:sp>
+      <p:sp>
+        <p:nvSpPr>
+          <p:cNvPr id="101" name="CuadroTexto 100"/>
+          <p:cNvSpPr txBox="1"/>
+          <p:nvPr/>
+        </p:nvSpPr>
+        <p:spPr>
+          <a:xfrm>
+            <a:off x="5086449" y="2428311"/>
+            <a:ext cx="369012" cy="261610"/>
+          </a:xfrm>
+          <a:prstGeom prst="rect">
+            <a:avLst/>
+          </a:prstGeom>
+          <a:noFill/>
+        </p:spPr>
+        <p:txBody>
+          <a:bodyPr wrap="none" rtlCol="0">
+            <a:spAutoFit/>
+          </a:bodyPr>
+          <a:lstStyle/>
+          <a:p>
+            <a:r>
+              <a:rPr lang="es-AR" sz="1100" dirty="0" smtClean="0"/>
+              <a:t>1:n</a:t>
+            </a:r>
+            <a:endParaRPr lang="en-US" sz="1100" dirty="0"/>
+          </a:p>
+        </p:txBody>
+      </p:sp>
+      <p:sp>
+        <p:nvSpPr>
+          <p:cNvPr id="102" name="CuadroTexto 101"/>
+          <p:cNvSpPr txBox="1"/>
+          <p:nvPr/>
+        </p:nvSpPr>
+        <p:spPr>
+          <a:xfrm>
+            <a:off x="5655184" y="1632480"/>
+            <a:ext cx="369012" cy="261610"/>
+          </a:xfrm>
+          <a:prstGeom prst="rect">
+            <a:avLst/>
+          </a:prstGeom>
+          <a:noFill/>
+        </p:spPr>
+        <p:txBody>
+          <a:bodyPr wrap="none" rtlCol="0">
+            <a:spAutoFit/>
+          </a:bodyPr>
+          <a:lstStyle/>
+          <a:p>
+            <a:r>
+              <a:rPr lang="es-AR" sz="1100" dirty="0" smtClean="0"/>
+              <a:t>1:n</a:t>
+            </a:r>
+            <a:endParaRPr lang="en-US" sz="1100" dirty="0"/>
+          </a:p>
+        </p:txBody>
+      </p:sp>
+      <p:sp>
+        <p:nvSpPr>
+          <p:cNvPr id="103" name="CuadroTexto 102"/>
+          <p:cNvSpPr txBox="1"/>
+          <p:nvPr/>
+        </p:nvSpPr>
+        <p:spPr>
+          <a:xfrm>
+            <a:off x="6587841" y="2474732"/>
+            <a:ext cx="367408" cy="261610"/>
+          </a:xfrm>
+          <a:prstGeom prst="rect">
+            <a:avLst/>
+          </a:prstGeom>
+          <a:noFill/>
+        </p:spPr>
+        <p:txBody>
+          <a:bodyPr wrap="none" rtlCol="0">
+            <a:spAutoFit/>
+          </a:bodyPr>
+          <a:lstStyle/>
+          <a:p>
+            <a:r>
+              <a:rPr lang="es-AR" sz="1100" dirty="0" smtClean="0"/>
+              <a:t>1:1</a:t>
+            </a:r>
+            <a:endParaRPr lang="en-US" sz="1100" dirty="0"/>
+          </a:p>
+        </p:txBody>
+      </p:sp>
+      <p:sp>
+        <p:nvSpPr>
+          <p:cNvPr id="104" name="CuadroTexto 103"/>
+          <p:cNvSpPr txBox="1"/>
+          <p:nvPr/>
+        </p:nvSpPr>
+        <p:spPr>
+          <a:xfrm>
+            <a:off x="8386951" y="1355069"/>
+            <a:ext cx="367408" cy="261610"/>
+          </a:xfrm>
+          <a:prstGeom prst="rect">
+            <a:avLst/>
+          </a:prstGeom>
+          <a:noFill/>
+        </p:spPr>
+        <p:txBody>
+          <a:bodyPr wrap="none" rtlCol="0">
+            <a:spAutoFit/>
+          </a:bodyPr>
+          <a:lstStyle/>
+          <a:p>
+            <a:r>
+              <a:rPr lang="es-AR" sz="1100" dirty="0" smtClean="0"/>
+              <a:t>1:1</a:t>
+            </a:r>
+            <a:endParaRPr lang="en-US" sz="1100" dirty="0"/>
+          </a:p>
+        </p:txBody>
+      </p:sp>
+      <p:sp>
+        <p:nvSpPr>
+          <p:cNvPr id="105" name="CuadroTexto 104"/>
+          <p:cNvSpPr txBox="1"/>
+          <p:nvPr/>
+        </p:nvSpPr>
+        <p:spPr>
+          <a:xfrm>
+            <a:off x="7732386" y="2173769"/>
+            <a:ext cx="369012" cy="261610"/>
+          </a:xfrm>
+          <a:prstGeom prst="rect">
+            <a:avLst/>
+          </a:prstGeom>
+          <a:noFill/>
+        </p:spPr>
+        <p:txBody>
+          <a:bodyPr wrap="none" rtlCol="0">
+            <a:spAutoFit/>
+          </a:bodyPr>
+          <a:lstStyle/>
+          <a:p>
+            <a:r>
+              <a:rPr lang="es-AR" sz="1100" dirty="0" smtClean="0"/>
+              <a:t>1:n</a:t>
+            </a:r>
+            <a:endParaRPr lang="en-US" sz="1100" dirty="0"/>
+          </a:p>
+        </p:txBody>
+      </p:sp>
+    </p:spTree>
+    <p:extLst>
+      <p:ext uri="{BB962C8B-B14F-4D97-AF65-F5344CB8AC3E}">
+        <p14:creationId xmlns:p14="http://schemas.microsoft.com/office/powerpoint/2010/main" val="2886449553"/>
       </p:ext>
     </p:extLst>
   </p:cSld>

--- a/Diagramas.pptx
+++ b/Diagramas.pptx
@@ -10,6 +10,7 @@
     <p:sldId id="258" r:id="rId4"/>
     <p:sldId id="259" r:id="rId5"/>
     <p:sldId id="260" r:id="rId6"/>
+    <p:sldId id="262" r:id="rId7"/>
   </p:sldIdLst>
   <p:sldSz cx="12192000" cy="6858000"/>
   <p:notesSz cx="6858000" cy="9144000"/>
@@ -247,7 +248,7 @@
           <a:p>
             <a:fld id="{D99B9B08-E297-40A5-A6C5-06A8A7C879FF}" type="datetimeFigureOut">
               <a:rPr lang="en-US" smtClean="0"/>
-              <a:t>11/14/2022</a:t>
+              <a:t>12/16/2022</a:t>
             </a:fld>
             <a:endParaRPr lang="en-US"/>
           </a:p>
@@ -417,7 +418,7 @@
           <a:p>
             <a:fld id="{D99B9B08-E297-40A5-A6C5-06A8A7C879FF}" type="datetimeFigureOut">
               <a:rPr lang="en-US" smtClean="0"/>
-              <a:t>11/14/2022</a:t>
+              <a:t>12/16/2022</a:t>
             </a:fld>
             <a:endParaRPr lang="en-US"/>
           </a:p>
@@ -597,7 +598,7 @@
           <a:p>
             <a:fld id="{D99B9B08-E297-40A5-A6C5-06A8A7C879FF}" type="datetimeFigureOut">
               <a:rPr lang="en-US" smtClean="0"/>
-              <a:t>11/14/2022</a:t>
+              <a:t>12/16/2022</a:t>
             </a:fld>
             <a:endParaRPr lang="en-US"/>
           </a:p>
@@ -767,7 +768,7 @@
           <a:p>
             <a:fld id="{D99B9B08-E297-40A5-A6C5-06A8A7C879FF}" type="datetimeFigureOut">
               <a:rPr lang="en-US" smtClean="0"/>
-              <a:t>11/14/2022</a:t>
+              <a:t>12/16/2022</a:t>
             </a:fld>
             <a:endParaRPr lang="en-US"/>
           </a:p>
@@ -1013,7 +1014,7 @@
           <a:p>
             <a:fld id="{D99B9B08-E297-40A5-A6C5-06A8A7C879FF}" type="datetimeFigureOut">
               <a:rPr lang="en-US" smtClean="0"/>
-              <a:t>11/14/2022</a:t>
+              <a:t>12/16/2022</a:t>
             </a:fld>
             <a:endParaRPr lang="en-US"/>
           </a:p>
@@ -1245,7 +1246,7 @@
           <a:p>
             <a:fld id="{D99B9B08-E297-40A5-A6C5-06A8A7C879FF}" type="datetimeFigureOut">
               <a:rPr lang="en-US" smtClean="0"/>
-              <a:t>11/14/2022</a:t>
+              <a:t>12/16/2022</a:t>
             </a:fld>
             <a:endParaRPr lang="en-US"/>
           </a:p>
@@ -1612,7 +1613,7 @@
           <a:p>
             <a:fld id="{D99B9B08-E297-40A5-A6C5-06A8A7C879FF}" type="datetimeFigureOut">
               <a:rPr lang="en-US" smtClean="0"/>
-              <a:t>11/14/2022</a:t>
+              <a:t>12/16/2022</a:t>
             </a:fld>
             <a:endParaRPr lang="en-US"/>
           </a:p>
@@ -1730,7 +1731,7 @@
           <a:p>
             <a:fld id="{D99B9B08-E297-40A5-A6C5-06A8A7C879FF}" type="datetimeFigureOut">
               <a:rPr lang="en-US" smtClean="0"/>
-              <a:t>11/14/2022</a:t>
+              <a:t>12/16/2022</a:t>
             </a:fld>
             <a:endParaRPr lang="en-US"/>
           </a:p>
@@ -1825,7 +1826,7 @@
           <a:p>
             <a:fld id="{D99B9B08-E297-40A5-A6C5-06A8A7C879FF}" type="datetimeFigureOut">
               <a:rPr lang="en-US" smtClean="0"/>
-              <a:t>11/14/2022</a:t>
+              <a:t>12/16/2022</a:t>
             </a:fld>
             <a:endParaRPr lang="en-US"/>
           </a:p>
@@ -2102,7 +2103,7 @@
           <a:p>
             <a:fld id="{D99B9B08-E297-40A5-A6C5-06A8A7C879FF}" type="datetimeFigureOut">
               <a:rPr lang="en-US" smtClean="0"/>
-              <a:t>11/14/2022</a:t>
+              <a:t>12/16/2022</a:t>
             </a:fld>
             <a:endParaRPr lang="en-US"/>
           </a:p>
@@ -2355,7 +2356,7 @@
           <a:p>
             <a:fld id="{D99B9B08-E297-40A5-A6C5-06A8A7C879FF}" type="datetimeFigureOut">
               <a:rPr lang="en-US" smtClean="0"/>
-              <a:t>11/14/2022</a:t>
+              <a:t>12/16/2022</a:t>
             </a:fld>
             <a:endParaRPr lang="en-US"/>
           </a:p>
@@ -2568,7 +2569,7 @@
           <a:p>
             <a:fld id="{D99B9B08-E297-40A5-A6C5-06A8A7C879FF}" type="datetimeFigureOut">
               <a:rPr lang="en-US" smtClean="0"/>
-              <a:t>11/14/2022</a:t>
+              <a:t>12/16/2022</a:t>
             </a:fld>
             <a:endParaRPr lang="en-US"/>
           </a:p>
@@ -3196,15 +3197,7 @@
                     <a:srgbClr val="0070C0"/>
                   </a:solidFill>
                 </a:rPr>
-                <a:t>Bibliotecario / </a:t>
-              </a:r>
-              <a:r>
-                <a:rPr lang="es-AR" dirty="0" smtClean="0">
-                  <a:solidFill>
-                    <a:srgbClr val="0070C0"/>
-                  </a:solidFill>
-                </a:rPr>
-                <a:t>Administrador</a:t>
+                <a:t>Bibliotecario / Administrador</a:t>
               </a:r>
               <a:endParaRPr lang="en-US" dirty="0">
                 <a:solidFill>
@@ -4441,11 +4434,7 @@
             <a:pPr algn="ctr"/>
             <a:r>
               <a:rPr lang="es-AR" sz="1400" dirty="0" smtClean="0"/>
-              <a:t>Genera </a:t>
-            </a:r>
-            <a:r>
-              <a:rPr lang="es-AR" sz="1400" dirty="0" smtClean="0"/>
-              <a:t>productos y actualiza precios</a:t>
+              <a:t>Genera productos y actualiza precios</a:t>
             </a:r>
             <a:endParaRPr lang="en-US" sz="1400" dirty="0"/>
           </a:p>
@@ -5596,11 +5585,7 @@
           <a:p>
             <a:r>
               <a:rPr lang="es-AR" dirty="0" smtClean="0"/>
-              <a:t>Diagrama </a:t>
-            </a:r>
-            <a:r>
-              <a:rPr lang="es-AR" dirty="0" smtClean="0"/>
-              <a:t>de Entidad Relación</a:t>
+              <a:t>Diagrama de Entidad Relación</a:t>
             </a:r>
             <a:endParaRPr lang="en-US" dirty="0"/>
           </a:p>
@@ -6613,11 +6598,7 @@
           <a:p>
             <a:r>
               <a:rPr lang="es-AR" dirty="0" smtClean="0"/>
-              <a:t>Diagrama </a:t>
-            </a:r>
-            <a:r>
-              <a:rPr lang="es-AR" dirty="0" smtClean="0"/>
-              <a:t>de Entidad Relación</a:t>
+              <a:t>Diagrama de Entidad Relación</a:t>
             </a:r>
             <a:endParaRPr lang="en-US" dirty="0"/>
           </a:p>
@@ -6908,11 +6889,7 @@
             </a:r>
             <a:r>
               <a:rPr lang="es-AR" sz="1100" dirty="0" err="1"/>
-              <a:t>_</a:t>
-            </a:r>
-            <a:r>
-              <a:rPr lang="es-AR" sz="1100" dirty="0" err="1"/>
-              <a:t>idproducto</a:t>
+              <a:t>_idproducto</a:t>
             </a:r>
             <a:r>
               <a:rPr lang="es-AR" sz="1100" dirty="0" smtClean="0"/>
@@ -7020,11 +6997,7 @@
           <a:p>
             <a:r>
               <a:rPr lang="es-AR" sz="1100" dirty="0" smtClean="0"/>
-              <a:t>Producto</a:t>
-            </a:r>
-            <a:r>
-              <a:rPr lang="es-AR" sz="1100" dirty="0" smtClean="0"/>
-              <a:t> </a:t>
+              <a:t>Producto </a:t>
             </a:r>
           </a:p>
           <a:p>
@@ -7118,11 +7091,7 @@
             </a:r>
             <a:r>
               <a:rPr lang="es-AR" sz="1100" dirty="0" err="1"/>
-              <a:t>_</a:t>
-            </a:r>
-            <a:r>
-              <a:rPr lang="es-AR" sz="1100" dirty="0" err="1"/>
-              <a:t>idproducto</a:t>
+              <a:t>_idproducto</a:t>
             </a:r>
             <a:r>
               <a:rPr lang="es-AR" sz="1100" dirty="0" smtClean="0"/>
@@ -7961,6 +7930,3270 @@
   <p:clrMapOvr>
     <a:masterClrMapping/>
   </p:clrMapOvr>
+</p:sld>
+</file>
+
+<file path=ppt/slides/slide6.xml><?xml version="1.0" encoding="utf-8"?>
+<p:sld xmlns:a="http://schemas.openxmlformats.org/drawingml/2006/main" xmlns:r="http://schemas.openxmlformats.org/officeDocument/2006/relationships" xmlns:p="http://schemas.openxmlformats.org/presentationml/2006/main">
+  <p:cSld>
+    <p:spTree>
+      <p:nvGrpSpPr>
+        <p:cNvPr id="1" name=""/>
+        <p:cNvGrpSpPr/>
+        <p:nvPr/>
+      </p:nvGrpSpPr>
+      <p:grpSpPr>
+        <a:xfrm>
+          <a:off x="0" y="0"/>
+          <a:ext cx="0" cy="0"/>
+          <a:chOff x="0" y="0"/>
+          <a:chExt cx="0" cy="0"/>
+        </a:xfrm>
+      </p:grpSpPr>
+      <p:sp>
+        <p:nvSpPr>
+          <p:cNvPr id="41" name="CuadroTexto 40"/>
+          <p:cNvSpPr txBox="1"/>
+          <p:nvPr/>
+        </p:nvSpPr>
+        <p:spPr>
+          <a:xfrm>
+            <a:off x="7147723" y="339677"/>
+            <a:ext cx="3195863" cy="369332"/>
+          </a:xfrm>
+          <a:prstGeom prst="rect">
+            <a:avLst/>
+          </a:prstGeom>
+        </p:spPr>
+        <p:style>
+          <a:lnRef idx="1">
+            <a:schemeClr val="accent1"/>
+          </a:lnRef>
+          <a:fillRef idx="2">
+            <a:schemeClr val="accent1"/>
+          </a:fillRef>
+          <a:effectRef idx="1">
+            <a:schemeClr val="accent1"/>
+          </a:effectRef>
+          <a:fontRef idx="minor">
+            <a:schemeClr val="dk1"/>
+          </a:fontRef>
+        </p:style>
+        <p:txBody>
+          <a:bodyPr wrap="square" rtlCol="0">
+            <a:spAutoFit/>
+          </a:bodyPr>
+          <a:lstStyle/>
+          <a:p>
+            <a:pPr algn="ctr"/>
+            <a:r>
+              <a:rPr lang="es-AR" dirty="0" smtClean="0"/>
+              <a:t>Modelo Relacional</a:t>
+            </a:r>
+            <a:endParaRPr lang="en-US" dirty="0"/>
+          </a:p>
+        </p:txBody>
+      </p:sp>
+      <p:sp>
+        <p:nvSpPr>
+          <p:cNvPr id="23" name="Rectángulo 22"/>
+          <p:cNvSpPr/>
+          <p:nvPr/>
+        </p:nvSpPr>
+        <p:spPr>
+          <a:xfrm>
+            <a:off x="7225278" y="797609"/>
+            <a:ext cx="1054453" cy="1451138"/>
+          </a:xfrm>
+          <a:prstGeom prst="rect">
+            <a:avLst/>
+          </a:prstGeom>
+        </p:spPr>
+        <p:style>
+          <a:lnRef idx="1">
+            <a:schemeClr val="accent2"/>
+          </a:lnRef>
+          <a:fillRef idx="2">
+            <a:schemeClr val="accent2"/>
+          </a:fillRef>
+          <a:effectRef idx="1">
+            <a:schemeClr val="accent2"/>
+          </a:effectRef>
+          <a:fontRef idx="minor">
+            <a:schemeClr val="dk1"/>
+          </a:fontRef>
+        </p:style>
+        <p:txBody>
+          <a:bodyPr rtlCol="0" anchor="ctr"/>
+          <a:lstStyle/>
+          <a:p>
+            <a:r>
+              <a:rPr lang="es-AR" dirty="0" smtClean="0"/>
+              <a:t>Usuario</a:t>
+            </a:r>
+          </a:p>
+          <a:p>
+            <a:r>
+              <a:rPr lang="es-AR" sz="1100" b="1" dirty="0" smtClean="0"/>
+              <a:t>PK: Id</a:t>
+            </a:r>
+            <a:endParaRPr lang="es-AR" sz="1100" dirty="0" smtClean="0"/>
+          </a:p>
+          <a:p>
+            <a:r>
+              <a:rPr lang="es-AR" sz="1100" dirty="0" smtClean="0"/>
+              <a:t>Usuario </a:t>
+            </a:r>
+            <a:endParaRPr lang="es-AR" sz="1100" dirty="0" smtClean="0"/>
+          </a:p>
+          <a:p>
+            <a:r>
+              <a:rPr lang="es-AR" sz="1100" dirty="0" smtClean="0"/>
+              <a:t>Email</a:t>
+            </a:r>
+          </a:p>
+          <a:p>
+            <a:r>
+              <a:rPr lang="es-AR" sz="1100" dirty="0" err="1" smtClean="0"/>
+              <a:t>Password</a:t>
+            </a:r>
+            <a:endParaRPr lang="es-AR" sz="1100" dirty="0" smtClean="0"/>
+          </a:p>
+          <a:p>
+            <a:r>
+              <a:rPr lang="es-AR" sz="1100" dirty="0" smtClean="0"/>
+              <a:t>Imagen</a:t>
+            </a:r>
+          </a:p>
+          <a:p>
+            <a:r>
+              <a:rPr lang="es-AR" sz="1100" b="1" dirty="0" smtClean="0"/>
+              <a:t>FK: </a:t>
+            </a:r>
+            <a:r>
+              <a:rPr lang="es-AR" sz="1100" dirty="0" err="1" smtClean="0"/>
+              <a:t>rol_id</a:t>
+            </a:r>
+            <a:endParaRPr lang="es-AR" sz="1100" dirty="0" smtClean="0"/>
+          </a:p>
+          <a:p>
+            <a:endParaRPr lang="en-US" sz="1100" dirty="0"/>
+          </a:p>
+        </p:txBody>
+      </p:sp>
+      <p:sp>
+        <p:nvSpPr>
+          <p:cNvPr id="25" name="Rombo 24"/>
+          <p:cNvSpPr/>
+          <p:nvPr/>
+        </p:nvSpPr>
+        <p:spPr>
+          <a:xfrm>
+            <a:off x="7288444" y="3061138"/>
+            <a:ext cx="912880" cy="424818"/>
+          </a:xfrm>
+          <a:prstGeom prst="diamond">
+            <a:avLst/>
+          </a:prstGeom>
+        </p:spPr>
+        <p:style>
+          <a:lnRef idx="1">
+            <a:schemeClr val="accent4"/>
+          </a:lnRef>
+          <a:fillRef idx="2">
+            <a:schemeClr val="accent4"/>
+          </a:fillRef>
+          <a:effectRef idx="1">
+            <a:schemeClr val="accent4"/>
+          </a:effectRef>
+          <a:fontRef idx="minor">
+            <a:schemeClr val="dk1"/>
+          </a:fontRef>
+        </p:style>
+        <p:txBody>
+          <a:bodyPr rtlCol="0" anchor="ctr"/>
+          <a:lstStyle/>
+          <a:p>
+            <a:pPr algn="ctr"/>
+            <a:r>
+              <a:rPr lang="es-AR" sz="900" dirty="0" smtClean="0"/>
+              <a:t>Crear</a:t>
+            </a:r>
+            <a:endParaRPr lang="en-US" sz="900" dirty="0"/>
+          </a:p>
+        </p:txBody>
+      </p:sp>
+      <p:sp>
+        <p:nvSpPr>
+          <p:cNvPr id="31" name="Rectángulo 30"/>
+          <p:cNvSpPr/>
+          <p:nvPr/>
+        </p:nvSpPr>
+        <p:spPr>
+          <a:xfrm>
+            <a:off x="9390704" y="797609"/>
+            <a:ext cx="827882" cy="952376"/>
+          </a:xfrm>
+          <a:prstGeom prst="rect">
+            <a:avLst/>
+          </a:prstGeom>
+        </p:spPr>
+        <p:style>
+          <a:lnRef idx="1">
+            <a:schemeClr val="accent2"/>
+          </a:lnRef>
+          <a:fillRef idx="2">
+            <a:schemeClr val="accent2"/>
+          </a:fillRef>
+          <a:effectRef idx="1">
+            <a:schemeClr val="accent2"/>
+          </a:effectRef>
+          <a:fontRef idx="minor">
+            <a:schemeClr val="dk1"/>
+          </a:fontRef>
+        </p:style>
+        <p:txBody>
+          <a:bodyPr rtlCol="0" anchor="ctr"/>
+          <a:lstStyle/>
+          <a:p>
+            <a:r>
+              <a:rPr lang="es-AR" dirty="0" smtClean="0"/>
+              <a:t>Roles</a:t>
+            </a:r>
+          </a:p>
+          <a:p>
+            <a:r>
+              <a:rPr lang="es-AR" sz="1100" b="1" dirty="0" smtClean="0"/>
+              <a:t>PK: Id</a:t>
+            </a:r>
+            <a:endParaRPr lang="es-AR" sz="1100" dirty="0" smtClean="0"/>
+          </a:p>
+          <a:p>
+            <a:r>
+              <a:rPr lang="es-AR" sz="1100" dirty="0" smtClean="0"/>
+              <a:t>Nombre </a:t>
+            </a:r>
+          </a:p>
+          <a:p>
+            <a:r>
+              <a:rPr lang="es-AR" sz="1100" dirty="0" err="1" smtClean="0"/>
+              <a:t>user_id</a:t>
+            </a:r>
+            <a:endParaRPr lang="es-AR" sz="1100" dirty="0" smtClean="0"/>
+          </a:p>
+          <a:p>
+            <a:endParaRPr lang="en-US" sz="1100" dirty="0"/>
+          </a:p>
+        </p:txBody>
+      </p:sp>
+      <p:sp>
+        <p:nvSpPr>
+          <p:cNvPr id="34" name="Rectángulo 33"/>
+          <p:cNvSpPr/>
+          <p:nvPr/>
+        </p:nvSpPr>
+        <p:spPr>
+          <a:xfrm>
+            <a:off x="7225278" y="3679206"/>
+            <a:ext cx="1054453" cy="1886649"/>
+          </a:xfrm>
+          <a:prstGeom prst="rect">
+            <a:avLst/>
+          </a:prstGeom>
+        </p:spPr>
+        <p:style>
+          <a:lnRef idx="1">
+            <a:schemeClr val="accent2"/>
+          </a:lnRef>
+          <a:fillRef idx="2">
+            <a:schemeClr val="accent2"/>
+          </a:fillRef>
+          <a:effectRef idx="1">
+            <a:schemeClr val="accent2"/>
+          </a:effectRef>
+          <a:fontRef idx="minor">
+            <a:schemeClr val="dk1"/>
+          </a:fontRef>
+        </p:style>
+        <p:txBody>
+          <a:bodyPr rtlCol="0" anchor="ctr"/>
+          <a:lstStyle/>
+          <a:p>
+            <a:r>
+              <a:rPr lang="es-AR" dirty="0" smtClean="0"/>
+              <a:t>Compra</a:t>
+            </a:r>
+          </a:p>
+          <a:p>
+            <a:r>
+              <a:rPr lang="es-AR" sz="1100" b="1" dirty="0" smtClean="0"/>
+              <a:t>PK: </a:t>
+            </a:r>
+            <a:r>
+              <a:rPr lang="es-AR" sz="1100" b="1" dirty="0" err="1" smtClean="0"/>
+              <a:t>IdCompra</a:t>
+            </a:r>
+            <a:endParaRPr lang="es-AR" sz="1100" dirty="0" smtClean="0"/>
+          </a:p>
+          <a:p>
+            <a:r>
+              <a:rPr lang="es-AR" sz="1100" b="1" dirty="0" smtClean="0"/>
+              <a:t>FK: </a:t>
+            </a:r>
+            <a:r>
+              <a:rPr lang="es-AR" sz="1100" dirty="0" err="1" smtClean="0"/>
+              <a:t>idproducto</a:t>
+            </a:r>
+            <a:r>
+              <a:rPr lang="es-AR" sz="1100" dirty="0" smtClean="0"/>
+              <a:t> </a:t>
+            </a:r>
+            <a:endParaRPr lang="es-AR" sz="1100" dirty="0" smtClean="0"/>
+          </a:p>
+          <a:p>
+            <a:r>
+              <a:rPr lang="es-AR" sz="1100" dirty="0" err="1" smtClean="0"/>
+              <a:t>usercompra</a:t>
+            </a:r>
+            <a:endParaRPr lang="es-AR" sz="1100" dirty="0" smtClean="0"/>
+          </a:p>
+          <a:p>
+            <a:r>
+              <a:rPr lang="es-AR" sz="1100" dirty="0" smtClean="0"/>
+              <a:t>Cantidad</a:t>
+            </a:r>
+          </a:p>
+          <a:p>
+            <a:r>
+              <a:rPr lang="es-AR" sz="1100" dirty="0" smtClean="0"/>
+              <a:t>Fecha</a:t>
+            </a:r>
+            <a:endParaRPr lang="es-AR" sz="1100" dirty="0"/>
+          </a:p>
+          <a:p>
+            <a:r>
+              <a:rPr lang="es-AR" sz="1100" dirty="0" smtClean="0"/>
+              <a:t>Observación</a:t>
+            </a:r>
+            <a:endParaRPr lang="es-AR" sz="1100" dirty="0"/>
+          </a:p>
+          <a:p>
+            <a:r>
+              <a:rPr lang="es-AR" sz="1100" dirty="0" err="1"/>
+              <a:t>Lugar_Entrega</a:t>
+            </a:r>
+            <a:endParaRPr lang="es-AR" sz="1100" dirty="0"/>
+          </a:p>
+          <a:p>
+            <a:r>
+              <a:rPr lang="es-AR" sz="1100" dirty="0" err="1" smtClean="0"/>
+              <a:t>Forma_Pago</a:t>
+            </a:r>
+            <a:endParaRPr lang="es-AR" sz="1100" dirty="0" smtClean="0"/>
+          </a:p>
+          <a:p>
+            <a:r>
+              <a:rPr lang="es-AR" sz="1100" dirty="0" smtClean="0"/>
+              <a:t>Valor</a:t>
+            </a:r>
+            <a:endParaRPr lang="es-AR" sz="1100" dirty="0"/>
+          </a:p>
+          <a:p>
+            <a:endParaRPr lang="en-US" sz="1100" dirty="0"/>
+          </a:p>
+        </p:txBody>
+      </p:sp>
+      <p:sp>
+        <p:nvSpPr>
+          <p:cNvPr id="36" name="Rectángulo 35"/>
+          <p:cNvSpPr/>
+          <p:nvPr/>
+        </p:nvSpPr>
+        <p:spPr>
+          <a:xfrm>
+            <a:off x="9277419" y="3679206"/>
+            <a:ext cx="1054453" cy="1577453"/>
+          </a:xfrm>
+          <a:prstGeom prst="rect">
+            <a:avLst/>
+          </a:prstGeom>
+        </p:spPr>
+        <p:style>
+          <a:lnRef idx="1">
+            <a:schemeClr val="accent2"/>
+          </a:lnRef>
+          <a:fillRef idx="2">
+            <a:schemeClr val="accent2"/>
+          </a:fillRef>
+          <a:effectRef idx="1">
+            <a:schemeClr val="accent2"/>
+          </a:effectRef>
+          <a:fontRef idx="minor">
+            <a:schemeClr val="dk1"/>
+          </a:fontRef>
+        </p:style>
+        <p:txBody>
+          <a:bodyPr rtlCol="0" anchor="ctr"/>
+          <a:lstStyle/>
+          <a:p>
+            <a:r>
+              <a:rPr lang="es-AR" dirty="0" smtClean="0"/>
+              <a:t>Producto</a:t>
+            </a:r>
+          </a:p>
+          <a:p>
+            <a:r>
+              <a:rPr lang="es-AR" sz="1100" b="1" dirty="0" smtClean="0"/>
+              <a:t>PK: id</a:t>
+            </a:r>
+            <a:endParaRPr lang="es-AR" sz="1100" dirty="0" smtClean="0"/>
+          </a:p>
+          <a:p>
+            <a:r>
+              <a:rPr lang="es-AR" sz="1100" dirty="0" smtClean="0"/>
+              <a:t>Producto </a:t>
+            </a:r>
+          </a:p>
+          <a:p>
+            <a:r>
+              <a:rPr lang="es-AR" sz="1100" dirty="0" smtClean="0"/>
+              <a:t>Clave</a:t>
+            </a:r>
+          </a:p>
+          <a:p>
+            <a:r>
+              <a:rPr lang="es-AR" sz="1100" dirty="0" smtClean="0"/>
+              <a:t>Cantidad</a:t>
+            </a:r>
+          </a:p>
+          <a:p>
+            <a:r>
+              <a:rPr lang="es-AR" sz="1100" dirty="0" smtClean="0"/>
+              <a:t>Valor</a:t>
+            </a:r>
+            <a:endParaRPr lang="es-AR" sz="1100" dirty="0"/>
+          </a:p>
+          <a:p>
+            <a:r>
+              <a:rPr lang="es-AR" sz="1100" dirty="0" err="1" smtClean="0"/>
+              <a:t>Fecha_Ingreso</a:t>
+            </a:r>
+            <a:endParaRPr lang="es-AR" sz="1100" dirty="0"/>
+          </a:p>
+          <a:p>
+            <a:r>
+              <a:rPr lang="es-AR" sz="1100" dirty="0" smtClean="0"/>
+              <a:t>Imagen</a:t>
+            </a:r>
+            <a:endParaRPr lang="es-AR" sz="1100" dirty="0"/>
+          </a:p>
+        </p:txBody>
+      </p:sp>
+      <p:sp>
+        <p:nvSpPr>
+          <p:cNvPr id="42" name="Rombo 41"/>
+          <p:cNvSpPr/>
+          <p:nvPr/>
+        </p:nvSpPr>
+        <p:spPr>
+          <a:xfrm>
+            <a:off x="9252376" y="2568925"/>
+            <a:ext cx="1104539" cy="285681"/>
+          </a:xfrm>
+          <a:prstGeom prst="diamond">
+            <a:avLst/>
+          </a:prstGeom>
+        </p:spPr>
+        <p:style>
+          <a:lnRef idx="1">
+            <a:schemeClr val="accent4"/>
+          </a:lnRef>
+          <a:fillRef idx="2">
+            <a:schemeClr val="accent4"/>
+          </a:fillRef>
+          <a:effectRef idx="1">
+            <a:schemeClr val="accent4"/>
+          </a:effectRef>
+          <a:fontRef idx="minor">
+            <a:schemeClr val="dk1"/>
+          </a:fontRef>
+        </p:style>
+        <p:txBody>
+          <a:bodyPr rtlCol="0" anchor="ctr"/>
+          <a:lstStyle/>
+          <a:p>
+            <a:pPr algn="ctr"/>
+            <a:r>
+              <a:rPr lang="en-US" sz="1050" dirty="0" smtClean="0"/>
+              <a:t>Admin</a:t>
+            </a:r>
+            <a:endParaRPr lang="en-US" sz="1050" dirty="0"/>
+          </a:p>
+        </p:txBody>
+      </p:sp>
+      <p:sp>
+        <p:nvSpPr>
+          <p:cNvPr id="44" name="Rombo 43"/>
+          <p:cNvSpPr/>
+          <p:nvPr/>
+        </p:nvSpPr>
+        <p:spPr>
+          <a:xfrm>
+            <a:off x="7292009" y="2535271"/>
+            <a:ext cx="920991" cy="346935"/>
+          </a:xfrm>
+          <a:prstGeom prst="diamond">
+            <a:avLst/>
+          </a:prstGeom>
+        </p:spPr>
+        <p:style>
+          <a:lnRef idx="1">
+            <a:schemeClr val="accent4"/>
+          </a:lnRef>
+          <a:fillRef idx="2">
+            <a:schemeClr val="accent4"/>
+          </a:fillRef>
+          <a:effectRef idx="1">
+            <a:schemeClr val="accent4"/>
+          </a:effectRef>
+          <a:fontRef idx="minor">
+            <a:schemeClr val="dk1"/>
+          </a:fontRef>
+        </p:style>
+        <p:txBody>
+          <a:bodyPr rtlCol="0" anchor="ctr"/>
+          <a:lstStyle/>
+          <a:p>
+            <a:pPr algn="ctr"/>
+            <a:r>
+              <a:rPr lang="es-AR" sz="1100" dirty="0" err="1" smtClean="0"/>
+              <a:t>User</a:t>
+            </a:r>
+            <a:endParaRPr lang="en-US" sz="1100" dirty="0"/>
+          </a:p>
+        </p:txBody>
+      </p:sp>
+      <p:cxnSp>
+        <p:nvCxnSpPr>
+          <p:cNvPr id="4" name="Conector angular 3"/>
+          <p:cNvCxnSpPr/>
+          <p:nvPr/>
+        </p:nvCxnSpPr>
+        <p:spPr>
+          <a:xfrm flipV="1">
+            <a:off x="8276388" y="1321363"/>
+            <a:ext cx="1114316" cy="868520"/>
+          </a:xfrm>
+          <a:prstGeom prst="bentConnector3">
+            <a:avLst/>
+          </a:prstGeom>
+          <a:ln>
+            <a:tailEnd type="triangle"/>
+          </a:ln>
+        </p:spPr>
+        <p:style>
+          <a:lnRef idx="1">
+            <a:schemeClr val="accent1"/>
+          </a:lnRef>
+          <a:fillRef idx="0">
+            <a:schemeClr val="accent1"/>
+          </a:fillRef>
+          <a:effectRef idx="0">
+            <a:schemeClr val="accent1"/>
+          </a:effectRef>
+          <a:fontRef idx="minor">
+            <a:schemeClr val="tx1"/>
+          </a:fontRef>
+        </p:style>
+      </p:cxnSp>
+      <p:cxnSp>
+        <p:nvCxnSpPr>
+          <p:cNvPr id="6" name="Conector recto 5"/>
+          <p:cNvCxnSpPr>
+            <a:stCxn id="23" idx="2"/>
+            <a:endCxn id="42" idx="0"/>
+          </p:cNvCxnSpPr>
+          <p:nvPr/>
+        </p:nvCxnSpPr>
+        <p:spPr>
+          <a:xfrm>
+            <a:off x="7752505" y="2248747"/>
+            <a:ext cx="2052141" cy="320178"/>
+          </a:xfrm>
+          <a:prstGeom prst="line">
+            <a:avLst/>
+          </a:prstGeom>
+        </p:spPr>
+        <p:style>
+          <a:lnRef idx="1">
+            <a:schemeClr val="accent1"/>
+          </a:lnRef>
+          <a:fillRef idx="0">
+            <a:schemeClr val="accent1"/>
+          </a:fillRef>
+          <a:effectRef idx="0">
+            <a:schemeClr val="accent1"/>
+          </a:effectRef>
+          <a:fontRef idx="minor">
+            <a:schemeClr val="tx1"/>
+          </a:fontRef>
+        </p:style>
+      </p:cxnSp>
+      <p:cxnSp>
+        <p:nvCxnSpPr>
+          <p:cNvPr id="8" name="Conector recto 7"/>
+          <p:cNvCxnSpPr/>
+          <p:nvPr/>
+        </p:nvCxnSpPr>
+        <p:spPr>
+          <a:xfrm>
+            <a:off x="7752504" y="2288313"/>
+            <a:ext cx="0" cy="246958"/>
+          </a:xfrm>
+          <a:prstGeom prst="line">
+            <a:avLst/>
+          </a:prstGeom>
+        </p:spPr>
+        <p:style>
+          <a:lnRef idx="1">
+            <a:schemeClr val="accent1"/>
+          </a:lnRef>
+          <a:fillRef idx="0">
+            <a:schemeClr val="accent1"/>
+          </a:fillRef>
+          <a:effectRef idx="0">
+            <a:schemeClr val="accent1"/>
+          </a:effectRef>
+          <a:fontRef idx="minor">
+            <a:schemeClr val="tx1"/>
+          </a:fontRef>
+        </p:style>
+      </p:cxnSp>
+      <p:cxnSp>
+        <p:nvCxnSpPr>
+          <p:cNvPr id="10" name="Conector angular 9"/>
+          <p:cNvCxnSpPr/>
+          <p:nvPr/>
+        </p:nvCxnSpPr>
+        <p:spPr>
+          <a:xfrm flipV="1">
+            <a:off x="8276388" y="4476833"/>
+            <a:ext cx="1012745" cy="179220"/>
+          </a:xfrm>
+          <a:prstGeom prst="bentConnector3">
+            <a:avLst/>
+          </a:prstGeom>
+          <a:ln>
+            <a:tailEnd type="triangle"/>
+          </a:ln>
+        </p:spPr>
+        <p:style>
+          <a:lnRef idx="1">
+            <a:schemeClr val="accent1"/>
+          </a:lnRef>
+          <a:fillRef idx="0">
+            <a:schemeClr val="accent1"/>
+          </a:fillRef>
+          <a:effectRef idx="0">
+            <a:schemeClr val="accent1"/>
+          </a:effectRef>
+          <a:fontRef idx="minor">
+            <a:schemeClr val="tx1"/>
+          </a:fontRef>
+        </p:style>
+      </p:cxnSp>
+      <p:cxnSp>
+        <p:nvCxnSpPr>
+          <p:cNvPr id="14" name="Conector recto 13"/>
+          <p:cNvCxnSpPr>
+            <a:endCxn id="34" idx="0"/>
+          </p:cNvCxnSpPr>
+          <p:nvPr/>
+        </p:nvCxnSpPr>
+        <p:spPr>
+          <a:xfrm>
+            <a:off x="7752504" y="3470675"/>
+            <a:ext cx="1" cy="208531"/>
+          </a:xfrm>
+          <a:prstGeom prst="line">
+            <a:avLst/>
+          </a:prstGeom>
+        </p:spPr>
+        <p:style>
+          <a:lnRef idx="1">
+            <a:schemeClr val="accent1"/>
+          </a:lnRef>
+          <a:fillRef idx="0">
+            <a:schemeClr val="accent1"/>
+          </a:fillRef>
+          <a:effectRef idx="0">
+            <a:schemeClr val="accent1"/>
+          </a:effectRef>
+          <a:fontRef idx="minor">
+            <a:schemeClr val="tx1"/>
+          </a:fontRef>
+        </p:style>
+      </p:cxnSp>
+      <p:cxnSp>
+        <p:nvCxnSpPr>
+          <p:cNvPr id="16" name="Conector recto 15"/>
+          <p:cNvCxnSpPr/>
+          <p:nvPr/>
+        </p:nvCxnSpPr>
+        <p:spPr>
+          <a:xfrm flipH="1">
+            <a:off x="7744883" y="2870397"/>
+            <a:ext cx="1" cy="221721"/>
+          </a:xfrm>
+          <a:prstGeom prst="line">
+            <a:avLst/>
+          </a:prstGeom>
+        </p:spPr>
+        <p:style>
+          <a:lnRef idx="1">
+            <a:schemeClr val="accent1"/>
+          </a:lnRef>
+          <a:fillRef idx="0">
+            <a:schemeClr val="accent1"/>
+          </a:fillRef>
+          <a:effectRef idx="0">
+            <a:schemeClr val="accent1"/>
+          </a:effectRef>
+          <a:fontRef idx="minor">
+            <a:schemeClr val="tx1"/>
+          </a:fontRef>
+        </p:style>
+      </p:cxnSp>
+      <p:cxnSp>
+        <p:nvCxnSpPr>
+          <p:cNvPr id="18" name="Conector recto 17"/>
+          <p:cNvCxnSpPr>
+            <a:stCxn id="42" idx="2"/>
+            <a:endCxn id="57" idx="0"/>
+          </p:cNvCxnSpPr>
+          <p:nvPr/>
+        </p:nvCxnSpPr>
+        <p:spPr>
+          <a:xfrm flipH="1">
+            <a:off x="9797025" y="2854606"/>
+            <a:ext cx="7621" cy="217591"/>
+          </a:xfrm>
+          <a:prstGeom prst="line">
+            <a:avLst/>
+          </a:prstGeom>
+        </p:spPr>
+        <p:style>
+          <a:lnRef idx="1">
+            <a:schemeClr val="accent1"/>
+          </a:lnRef>
+          <a:fillRef idx="0">
+            <a:schemeClr val="accent1"/>
+          </a:fillRef>
+          <a:effectRef idx="0">
+            <a:schemeClr val="accent1"/>
+          </a:effectRef>
+          <a:fontRef idx="minor">
+            <a:schemeClr val="tx1"/>
+          </a:fontRef>
+        </p:style>
+      </p:cxnSp>
+      <p:cxnSp>
+        <p:nvCxnSpPr>
+          <p:cNvPr id="20" name="Conector recto 19"/>
+          <p:cNvCxnSpPr>
+            <a:stCxn id="57" idx="2"/>
+            <a:endCxn id="36" idx="0"/>
+          </p:cNvCxnSpPr>
+          <p:nvPr/>
+        </p:nvCxnSpPr>
+        <p:spPr>
+          <a:xfrm>
+            <a:off x="9797025" y="3497015"/>
+            <a:ext cx="7621" cy="182191"/>
+          </a:xfrm>
+          <a:prstGeom prst="line">
+            <a:avLst/>
+          </a:prstGeom>
+        </p:spPr>
+        <p:style>
+          <a:lnRef idx="1">
+            <a:schemeClr val="accent1"/>
+          </a:lnRef>
+          <a:fillRef idx="0">
+            <a:schemeClr val="accent1"/>
+          </a:fillRef>
+          <a:effectRef idx="0">
+            <a:schemeClr val="accent1"/>
+          </a:effectRef>
+          <a:fontRef idx="minor">
+            <a:schemeClr val="tx1"/>
+          </a:fontRef>
+        </p:style>
+      </p:cxnSp>
+      <p:sp>
+        <p:nvSpPr>
+          <p:cNvPr id="57" name="Rombo 56"/>
+          <p:cNvSpPr/>
+          <p:nvPr/>
+        </p:nvSpPr>
+        <p:spPr>
+          <a:xfrm>
+            <a:off x="9340585" y="3072197"/>
+            <a:ext cx="912880" cy="424818"/>
+          </a:xfrm>
+          <a:prstGeom prst="diamond">
+            <a:avLst/>
+          </a:prstGeom>
+        </p:spPr>
+        <p:style>
+          <a:lnRef idx="1">
+            <a:schemeClr val="accent4"/>
+          </a:lnRef>
+          <a:fillRef idx="2">
+            <a:schemeClr val="accent4"/>
+          </a:fillRef>
+          <a:effectRef idx="1">
+            <a:schemeClr val="accent4"/>
+          </a:effectRef>
+          <a:fontRef idx="minor">
+            <a:schemeClr val="dk1"/>
+          </a:fontRef>
+        </p:style>
+        <p:txBody>
+          <a:bodyPr rtlCol="0" anchor="ctr"/>
+          <a:lstStyle/>
+          <a:p>
+            <a:pPr algn="ctr"/>
+            <a:r>
+              <a:rPr lang="es-AR" sz="900" dirty="0" smtClean="0"/>
+              <a:t>Crear</a:t>
+            </a:r>
+            <a:endParaRPr lang="en-US" sz="900" dirty="0"/>
+          </a:p>
+        </p:txBody>
+      </p:sp>
+      <p:cxnSp>
+        <p:nvCxnSpPr>
+          <p:cNvPr id="56" name="Conector recto 55"/>
+          <p:cNvCxnSpPr>
+            <a:stCxn id="57" idx="1"/>
+            <a:endCxn id="34" idx="0"/>
+          </p:cNvCxnSpPr>
+          <p:nvPr/>
+        </p:nvCxnSpPr>
+        <p:spPr>
+          <a:xfrm flipH="1">
+            <a:off x="7752505" y="3284606"/>
+            <a:ext cx="1588080" cy="394600"/>
+          </a:xfrm>
+          <a:prstGeom prst="line">
+            <a:avLst/>
+          </a:prstGeom>
+        </p:spPr>
+        <p:style>
+          <a:lnRef idx="1">
+            <a:schemeClr val="accent1"/>
+          </a:lnRef>
+          <a:fillRef idx="0">
+            <a:schemeClr val="accent1"/>
+          </a:fillRef>
+          <a:effectRef idx="0">
+            <a:schemeClr val="accent1"/>
+          </a:effectRef>
+          <a:fontRef idx="minor">
+            <a:schemeClr val="tx1"/>
+          </a:fontRef>
+        </p:style>
+      </p:cxnSp>
+      <p:sp>
+        <p:nvSpPr>
+          <p:cNvPr id="82" name="CuadroTexto 81"/>
+          <p:cNvSpPr txBox="1"/>
+          <p:nvPr/>
+        </p:nvSpPr>
+        <p:spPr>
+          <a:xfrm>
+            <a:off x="2755902" y="339677"/>
+            <a:ext cx="3195863" cy="369332"/>
+          </a:xfrm>
+          <a:prstGeom prst="rect">
+            <a:avLst/>
+          </a:prstGeom>
+        </p:spPr>
+        <p:style>
+          <a:lnRef idx="1">
+            <a:schemeClr val="accent1"/>
+          </a:lnRef>
+          <a:fillRef idx="2">
+            <a:schemeClr val="accent1"/>
+          </a:fillRef>
+          <a:effectRef idx="1">
+            <a:schemeClr val="accent1"/>
+          </a:effectRef>
+          <a:fontRef idx="minor">
+            <a:schemeClr val="dk1"/>
+          </a:fontRef>
+        </p:style>
+        <p:txBody>
+          <a:bodyPr wrap="square" rtlCol="0">
+            <a:spAutoFit/>
+          </a:bodyPr>
+          <a:lstStyle/>
+          <a:p>
+            <a:pPr algn="ctr"/>
+            <a:r>
+              <a:rPr lang="es-AR" dirty="0" smtClean="0"/>
+              <a:t>Diagrama de Entidad Relación</a:t>
+            </a:r>
+            <a:endParaRPr lang="en-US" dirty="0"/>
+          </a:p>
+        </p:txBody>
+      </p:sp>
+      <p:sp>
+        <p:nvSpPr>
+          <p:cNvPr id="84" name="Rectángulo 83"/>
+          <p:cNvSpPr/>
+          <p:nvPr/>
+        </p:nvSpPr>
+        <p:spPr>
+          <a:xfrm>
+            <a:off x="2487759" y="797609"/>
+            <a:ext cx="1054453" cy="285307"/>
+          </a:xfrm>
+          <a:prstGeom prst="rect">
+            <a:avLst/>
+          </a:prstGeom>
+        </p:spPr>
+        <p:style>
+          <a:lnRef idx="1">
+            <a:schemeClr val="accent2"/>
+          </a:lnRef>
+          <a:fillRef idx="2">
+            <a:schemeClr val="accent2"/>
+          </a:fillRef>
+          <a:effectRef idx="1">
+            <a:schemeClr val="accent2"/>
+          </a:effectRef>
+          <a:fontRef idx="minor">
+            <a:schemeClr val="dk1"/>
+          </a:fontRef>
+        </p:style>
+        <p:txBody>
+          <a:bodyPr rtlCol="0" anchor="ctr"/>
+          <a:lstStyle/>
+          <a:p>
+            <a:pPr algn="ctr"/>
+            <a:r>
+              <a:rPr lang="es-AR" dirty="0" smtClean="0"/>
+              <a:t>Usuario</a:t>
+            </a:r>
+            <a:endParaRPr lang="es-AR" dirty="0" smtClean="0"/>
+          </a:p>
+        </p:txBody>
+      </p:sp>
+      <p:sp>
+        <p:nvSpPr>
+          <p:cNvPr id="61" name="Elipse 60"/>
+          <p:cNvSpPr/>
+          <p:nvPr/>
+        </p:nvSpPr>
+        <p:spPr>
+          <a:xfrm>
+            <a:off x="2474985" y="1143857"/>
+            <a:ext cx="1080000" cy="261610"/>
+          </a:xfrm>
+          <a:prstGeom prst="ellipse">
+            <a:avLst/>
+          </a:prstGeom>
+        </p:spPr>
+        <p:style>
+          <a:lnRef idx="2">
+            <a:schemeClr val="accent5">
+              <a:shade val="50000"/>
+            </a:schemeClr>
+          </a:lnRef>
+          <a:fillRef idx="1">
+            <a:schemeClr val="accent5"/>
+          </a:fillRef>
+          <a:effectRef idx="0">
+            <a:schemeClr val="accent5"/>
+          </a:effectRef>
+          <a:fontRef idx="minor">
+            <a:schemeClr val="lt1"/>
+          </a:fontRef>
+        </p:style>
+        <p:txBody>
+          <a:bodyPr rtlCol="0" anchor="ctr"/>
+          <a:lstStyle/>
+          <a:p>
+            <a:pPr algn="ctr"/>
+            <a:r>
+              <a:rPr lang="es-AR" sz="1050" b="1"/>
+              <a:t>PK: Id</a:t>
+            </a:r>
+            <a:endParaRPr lang="es-AR" sz="1050" dirty="0"/>
+          </a:p>
+        </p:txBody>
+      </p:sp>
+      <p:sp>
+        <p:nvSpPr>
+          <p:cNvPr id="85" name="Elipse 84"/>
+          <p:cNvSpPr/>
+          <p:nvPr/>
+        </p:nvSpPr>
+        <p:spPr>
+          <a:xfrm>
+            <a:off x="2474985" y="1506634"/>
+            <a:ext cx="1080000" cy="261610"/>
+          </a:xfrm>
+          <a:prstGeom prst="ellipse">
+            <a:avLst/>
+          </a:prstGeom>
+        </p:spPr>
+        <p:style>
+          <a:lnRef idx="2">
+            <a:schemeClr val="accent1">
+              <a:shade val="50000"/>
+            </a:schemeClr>
+          </a:lnRef>
+          <a:fillRef idx="1">
+            <a:schemeClr val="accent1"/>
+          </a:fillRef>
+          <a:effectRef idx="0">
+            <a:schemeClr val="accent1"/>
+          </a:effectRef>
+          <a:fontRef idx="minor">
+            <a:schemeClr val="lt1"/>
+          </a:fontRef>
+        </p:style>
+        <p:txBody>
+          <a:bodyPr rtlCol="0" anchor="ctr"/>
+          <a:lstStyle/>
+          <a:p>
+            <a:pPr algn="ctr"/>
+            <a:r>
+              <a:rPr lang="es-AR" sz="1050" dirty="0"/>
+              <a:t>Usuario </a:t>
+            </a:r>
+          </a:p>
+        </p:txBody>
+      </p:sp>
+      <p:sp>
+        <p:nvSpPr>
+          <p:cNvPr id="87" name="Elipse 86"/>
+          <p:cNvSpPr/>
+          <p:nvPr/>
+        </p:nvSpPr>
+        <p:spPr>
+          <a:xfrm>
+            <a:off x="2474985" y="1869411"/>
+            <a:ext cx="1080000" cy="261610"/>
+          </a:xfrm>
+          <a:prstGeom prst="ellipse">
+            <a:avLst/>
+          </a:prstGeom>
+        </p:spPr>
+        <p:style>
+          <a:lnRef idx="2">
+            <a:schemeClr val="accent1">
+              <a:shade val="50000"/>
+            </a:schemeClr>
+          </a:lnRef>
+          <a:fillRef idx="1">
+            <a:schemeClr val="accent1"/>
+          </a:fillRef>
+          <a:effectRef idx="0">
+            <a:schemeClr val="accent1"/>
+          </a:effectRef>
+          <a:fontRef idx="minor">
+            <a:schemeClr val="lt1"/>
+          </a:fontRef>
+        </p:style>
+        <p:txBody>
+          <a:bodyPr rtlCol="0" anchor="ctr"/>
+          <a:lstStyle/>
+          <a:p>
+            <a:pPr algn="ctr"/>
+            <a:r>
+              <a:rPr lang="es-AR" sz="1050" dirty="0" smtClean="0"/>
+              <a:t>Email</a:t>
+            </a:r>
+            <a:endParaRPr lang="es-AR" sz="1050" dirty="0"/>
+          </a:p>
+        </p:txBody>
+      </p:sp>
+      <p:sp>
+        <p:nvSpPr>
+          <p:cNvPr id="88" name="Elipse 87"/>
+          <p:cNvSpPr/>
+          <p:nvPr/>
+        </p:nvSpPr>
+        <p:spPr>
+          <a:xfrm>
+            <a:off x="2474985" y="2223495"/>
+            <a:ext cx="1080000" cy="261610"/>
+          </a:xfrm>
+          <a:prstGeom prst="ellipse">
+            <a:avLst/>
+          </a:prstGeom>
+        </p:spPr>
+        <p:style>
+          <a:lnRef idx="2">
+            <a:schemeClr val="accent1">
+              <a:shade val="50000"/>
+            </a:schemeClr>
+          </a:lnRef>
+          <a:fillRef idx="1">
+            <a:schemeClr val="accent1"/>
+          </a:fillRef>
+          <a:effectRef idx="0">
+            <a:schemeClr val="accent1"/>
+          </a:effectRef>
+          <a:fontRef idx="minor">
+            <a:schemeClr val="lt1"/>
+          </a:fontRef>
+        </p:style>
+        <p:txBody>
+          <a:bodyPr rtlCol="0" anchor="ctr"/>
+          <a:lstStyle/>
+          <a:p>
+            <a:pPr algn="ctr"/>
+            <a:r>
+              <a:rPr lang="es-AR" sz="1050" dirty="0" err="1"/>
+              <a:t>Password</a:t>
+            </a:r>
+            <a:endParaRPr lang="es-AR" sz="1050" dirty="0"/>
+          </a:p>
+        </p:txBody>
+      </p:sp>
+      <p:sp>
+        <p:nvSpPr>
+          <p:cNvPr id="89" name="Elipse 88"/>
+          <p:cNvSpPr/>
+          <p:nvPr/>
+        </p:nvSpPr>
+        <p:spPr>
+          <a:xfrm>
+            <a:off x="2474985" y="2586272"/>
+            <a:ext cx="1080000" cy="261610"/>
+          </a:xfrm>
+          <a:prstGeom prst="ellipse">
+            <a:avLst/>
+          </a:prstGeom>
+        </p:spPr>
+        <p:style>
+          <a:lnRef idx="2">
+            <a:schemeClr val="accent1">
+              <a:shade val="50000"/>
+            </a:schemeClr>
+          </a:lnRef>
+          <a:fillRef idx="1">
+            <a:schemeClr val="accent1"/>
+          </a:fillRef>
+          <a:effectRef idx="0">
+            <a:schemeClr val="accent1"/>
+          </a:effectRef>
+          <a:fontRef idx="minor">
+            <a:schemeClr val="lt1"/>
+          </a:fontRef>
+        </p:style>
+        <p:txBody>
+          <a:bodyPr rtlCol="0" anchor="ctr"/>
+          <a:lstStyle/>
+          <a:p>
+            <a:pPr algn="ctr"/>
+            <a:r>
+              <a:rPr lang="es-AR" sz="1050" dirty="0"/>
+              <a:t>Imagen</a:t>
+            </a:r>
+          </a:p>
+        </p:txBody>
+      </p:sp>
+      <p:sp>
+        <p:nvSpPr>
+          <p:cNvPr id="90" name="Elipse 89"/>
+          <p:cNvSpPr/>
+          <p:nvPr/>
+        </p:nvSpPr>
+        <p:spPr>
+          <a:xfrm>
+            <a:off x="2474985" y="2917516"/>
+            <a:ext cx="1080000" cy="261610"/>
+          </a:xfrm>
+          <a:prstGeom prst="ellipse">
+            <a:avLst/>
+          </a:prstGeom>
+        </p:spPr>
+        <p:style>
+          <a:lnRef idx="1">
+            <a:schemeClr val="accent5"/>
+          </a:lnRef>
+          <a:fillRef idx="2">
+            <a:schemeClr val="accent5"/>
+          </a:fillRef>
+          <a:effectRef idx="1">
+            <a:schemeClr val="accent5"/>
+          </a:effectRef>
+          <a:fontRef idx="minor">
+            <a:schemeClr val="dk1"/>
+          </a:fontRef>
+        </p:style>
+        <p:txBody>
+          <a:bodyPr rtlCol="0" anchor="ctr"/>
+          <a:lstStyle/>
+          <a:p>
+            <a:pPr algn="ctr"/>
+            <a:r>
+              <a:rPr lang="es-AR" sz="1050" b="1" dirty="0"/>
+              <a:t>FK: </a:t>
+            </a:r>
+            <a:r>
+              <a:rPr lang="es-AR" sz="1050" dirty="0" err="1"/>
+              <a:t>rol_id</a:t>
+            </a:r>
+            <a:endParaRPr lang="es-AR" sz="1050" dirty="0"/>
+          </a:p>
+        </p:txBody>
+      </p:sp>
+      <p:sp>
+        <p:nvSpPr>
+          <p:cNvPr id="91" name="Rectángulo 90"/>
+          <p:cNvSpPr/>
+          <p:nvPr/>
+        </p:nvSpPr>
+        <p:spPr>
+          <a:xfrm>
+            <a:off x="4968014" y="797609"/>
+            <a:ext cx="1054453" cy="285307"/>
+          </a:xfrm>
+          <a:prstGeom prst="rect">
+            <a:avLst/>
+          </a:prstGeom>
+        </p:spPr>
+        <p:style>
+          <a:lnRef idx="1">
+            <a:schemeClr val="accent2"/>
+          </a:lnRef>
+          <a:fillRef idx="2">
+            <a:schemeClr val="accent2"/>
+          </a:fillRef>
+          <a:effectRef idx="1">
+            <a:schemeClr val="accent2"/>
+          </a:effectRef>
+          <a:fontRef idx="minor">
+            <a:schemeClr val="dk1"/>
+          </a:fontRef>
+        </p:style>
+        <p:txBody>
+          <a:bodyPr rtlCol="0" anchor="ctr"/>
+          <a:lstStyle/>
+          <a:p>
+            <a:pPr algn="ctr"/>
+            <a:r>
+              <a:rPr lang="es-AR" dirty="0"/>
+              <a:t>Roles</a:t>
+            </a:r>
+          </a:p>
+        </p:txBody>
+      </p:sp>
+      <p:sp>
+        <p:nvSpPr>
+          <p:cNvPr id="92" name="Elipse 91"/>
+          <p:cNvSpPr/>
+          <p:nvPr/>
+        </p:nvSpPr>
+        <p:spPr>
+          <a:xfrm>
+            <a:off x="4955240" y="1143857"/>
+            <a:ext cx="1080000" cy="261610"/>
+          </a:xfrm>
+          <a:prstGeom prst="ellipse">
+            <a:avLst/>
+          </a:prstGeom>
+        </p:spPr>
+        <p:style>
+          <a:lnRef idx="2">
+            <a:schemeClr val="accent5">
+              <a:shade val="50000"/>
+            </a:schemeClr>
+          </a:lnRef>
+          <a:fillRef idx="1">
+            <a:schemeClr val="accent5"/>
+          </a:fillRef>
+          <a:effectRef idx="0">
+            <a:schemeClr val="accent5"/>
+          </a:effectRef>
+          <a:fontRef idx="minor">
+            <a:schemeClr val="lt1"/>
+          </a:fontRef>
+        </p:style>
+        <p:txBody>
+          <a:bodyPr rtlCol="0" anchor="ctr"/>
+          <a:lstStyle/>
+          <a:p>
+            <a:pPr algn="ctr"/>
+            <a:r>
+              <a:rPr lang="es-AR" sz="1050" b="1" dirty="0"/>
+              <a:t>PK: </a:t>
+            </a:r>
+            <a:r>
+              <a:rPr lang="es-AR" sz="1050" b="1" dirty="0" smtClean="0"/>
+              <a:t>Id</a:t>
+            </a:r>
+            <a:endParaRPr lang="es-AR" sz="1050" dirty="0"/>
+          </a:p>
+        </p:txBody>
+      </p:sp>
+      <p:sp>
+        <p:nvSpPr>
+          <p:cNvPr id="93" name="Elipse 92"/>
+          <p:cNvSpPr/>
+          <p:nvPr/>
+        </p:nvSpPr>
+        <p:spPr>
+          <a:xfrm>
+            <a:off x="4955240" y="1506634"/>
+            <a:ext cx="1080000" cy="261610"/>
+          </a:xfrm>
+          <a:prstGeom prst="ellipse">
+            <a:avLst/>
+          </a:prstGeom>
+        </p:spPr>
+        <p:style>
+          <a:lnRef idx="2">
+            <a:schemeClr val="accent1">
+              <a:shade val="50000"/>
+            </a:schemeClr>
+          </a:lnRef>
+          <a:fillRef idx="1">
+            <a:schemeClr val="accent1"/>
+          </a:fillRef>
+          <a:effectRef idx="0">
+            <a:schemeClr val="accent1"/>
+          </a:effectRef>
+          <a:fontRef idx="minor">
+            <a:schemeClr val="lt1"/>
+          </a:fontRef>
+        </p:style>
+        <p:txBody>
+          <a:bodyPr rtlCol="0" anchor="ctr"/>
+          <a:lstStyle/>
+          <a:p>
+            <a:pPr algn="ctr"/>
+            <a:r>
+              <a:rPr lang="es-AR" sz="1050" dirty="0"/>
+              <a:t>Nombre</a:t>
+            </a:r>
+          </a:p>
+        </p:txBody>
+      </p:sp>
+      <p:sp>
+        <p:nvSpPr>
+          <p:cNvPr id="94" name="Elipse 93"/>
+          <p:cNvSpPr/>
+          <p:nvPr/>
+        </p:nvSpPr>
+        <p:spPr>
+          <a:xfrm>
+            <a:off x="4955240" y="1869411"/>
+            <a:ext cx="1080000" cy="261610"/>
+          </a:xfrm>
+          <a:prstGeom prst="ellipse">
+            <a:avLst/>
+          </a:prstGeom>
+        </p:spPr>
+        <p:style>
+          <a:lnRef idx="2">
+            <a:schemeClr val="accent1">
+              <a:shade val="50000"/>
+            </a:schemeClr>
+          </a:lnRef>
+          <a:fillRef idx="1">
+            <a:schemeClr val="accent1"/>
+          </a:fillRef>
+          <a:effectRef idx="0">
+            <a:schemeClr val="accent1"/>
+          </a:effectRef>
+          <a:fontRef idx="minor">
+            <a:schemeClr val="lt1"/>
+          </a:fontRef>
+        </p:style>
+        <p:txBody>
+          <a:bodyPr rtlCol="0" anchor="ctr"/>
+          <a:lstStyle/>
+          <a:p>
+            <a:pPr algn="ctr"/>
+            <a:r>
+              <a:rPr lang="es-AR" sz="1050" dirty="0" err="1" smtClean="0"/>
+              <a:t>user_id</a:t>
+            </a:r>
+            <a:endParaRPr lang="es-AR" sz="1050" dirty="0"/>
+          </a:p>
+        </p:txBody>
+      </p:sp>
+      <p:cxnSp>
+        <p:nvCxnSpPr>
+          <p:cNvPr id="64" name="Conector recto 63"/>
+          <p:cNvCxnSpPr/>
+          <p:nvPr/>
+        </p:nvCxnSpPr>
+        <p:spPr>
+          <a:xfrm flipH="1">
+            <a:off x="3014985" y="1082916"/>
+            <a:ext cx="1" cy="60941"/>
+          </a:xfrm>
+          <a:prstGeom prst="line">
+            <a:avLst/>
+          </a:prstGeom>
+        </p:spPr>
+        <p:style>
+          <a:lnRef idx="1">
+            <a:schemeClr val="accent1"/>
+          </a:lnRef>
+          <a:fillRef idx="0">
+            <a:schemeClr val="accent1"/>
+          </a:fillRef>
+          <a:effectRef idx="0">
+            <a:schemeClr val="accent1"/>
+          </a:effectRef>
+          <a:fontRef idx="minor">
+            <a:schemeClr val="tx1"/>
+          </a:fontRef>
+        </p:style>
+      </p:cxnSp>
+      <p:cxnSp>
+        <p:nvCxnSpPr>
+          <p:cNvPr id="109" name="Conector recto 108"/>
+          <p:cNvCxnSpPr/>
+          <p:nvPr/>
+        </p:nvCxnSpPr>
+        <p:spPr>
+          <a:xfrm flipH="1">
+            <a:off x="2916264" y="1414160"/>
+            <a:ext cx="197442" cy="92474"/>
+          </a:xfrm>
+          <a:prstGeom prst="line">
+            <a:avLst/>
+          </a:prstGeom>
+        </p:spPr>
+        <p:style>
+          <a:lnRef idx="1">
+            <a:schemeClr val="accent1"/>
+          </a:lnRef>
+          <a:fillRef idx="0">
+            <a:schemeClr val="accent1"/>
+          </a:fillRef>
+          <a:effectRef idx="0">
+            <a:schemeClr val="accent1"/>
+          </a:effectRef>
+          <a:fontRef idx="minor">
+            <a:schemeClr val="tx1"/>
+          </a:fontRef>
+        </p:style>
+      </p:cxnSp>
+      <p:cxnSp>
+        <p:nvCxnSpPr>
+          <p:cNvPr id="110" name="Conector recto 109"/>
+          <p:cNvCxnSpPr/>
+          <p:nvPr/>
+        </p:nvCxnSpPr>
+        <p:spPr>
+          <a:xfrm>
+            <a:off x="3014984" y="1768244"/>
+            <a:ext cx="2" cy="92474"/>
+          </a:xfrm>
+          <a:prstGeom prst="line">
+            <a:avLst/>
+          </a:prstGeom>
+        </p:spPr>
+        <p:style>
+          <a:lnRef idx="1">
+            <a:schemeClr val="accent1"/>
+          </a:lnRef>
+          <a:fillRef idx="0">
+            <a:schemeClr val="accent1"/>
+          </a:fillRef>
+          <a:effectRef idx="0">
+            <a:schemeClr val="accent1"/>
+          </a:effectRef>
+          <a:fontRef idx="minor">
+            <a:schemeClr val="tx1"/>
+          </a:fontRef>
+        </p:style>
+      </p:cxnSp>
+      <p:cxnSp>
+        <p:nvCxnSpPr>
+          <p:cNvPr id="111" name="Conector recto 110"/>
+          <p:cNvCxnSpPr/>
+          <p:nvPr/>
+        </p:nvCxnSpPr>
+        <p:spPr>
+          <a:xfrm>
+            <a:off x="3014984" y="2123982"/>
+            <a:ext cx="2" cy="92474"/>
+          </a:xfrm>
+          <a:prstGeom prst="line">
+            <a:avLst/>
+          </a:prstGeom>
+        </p:spPr>
+        <p:style>
+          <a:lnRef idx="1">
+            <a:schemeClr val="accent1"/>
+          </a:lnRef>
+          <a:fillRef idx="0">
+            <a:schemeClr val="accent1"/>
+          </a:fillRef>
+          <a:effectRef idx="0">
+            <a:schemeClr val="accent1"/>
+          </a:effectRef>
+          <a:fontRef idx="minor">
+            <a:schemeClr val="tx1"/>
+          </a:fontRef>
+        </p:style>
+      </p:cxnSp>
+      <p:cxnSp>
+        <p:nvCxnSpPr>
+          <p:cNvPr id="112" name="Conector recto 111"/>
+          <p:cNvCxnSpPr/>
+          <p:nvPr/>
+        </p:nvCxnSpPr>
+        <p:spPr>
+          <a:xfrm>
+            <a:off x="3014984" y="2483891"/>
+            <a:ext cx="2" cy="92474"/>
+          </a:xfrm>
+          <a:prstGeom prst="line">
+            <a:avLst/>
+          </a:prstGeom>
+        </p:spPr>
+        <p:style>
+          <a:lnRef idx="1">
+            <a:schemeClr val="accent1"/>
+          </a:lnRef>
+          <a:fillRef idx="0">
+            <a:schemeClr val="accent1"/>
+          </a:fillRef>
+          <a:effectRef idx="0">
+            <a:schemeClr val="accent1"/>
+          </a:effectRef>
+          <a:fontRef idx="minor">
+            <a:schemeClr val="tx1"/>
+          </a:fontRef>
+        </p:style>
+      </p:cxnSp>
+      <p:cxnSp>
+        <p:nvCxnSpPr>
+          <p:cNvPr id="113" name="Conector recto 112"/>
+          <p:cNvCxnSpPr/>
+          <p:nvPr/>
+        </p:nvCxnSpPr>
+        <p:spPr>
+          <a:xfrm>
+            <a:off x="3014984" y="2836462"/>
+            <a:ext cx="2" cy="92474"/>
+          </a:xfrm>
+          <a:prstGeom prst="line">
+            <a:avLst/>
+          </a:prstGeom>
+        </p:spPr>
+        <p:style>
+          <a:lnRef idx="1">
+            <a:schemeClr val="accent1"/>
+          </a:lnRef>
+          <a:fillRef idx="0">
+            <a:schemeClr val="accent1"/>
+          </a:fillRef>
+          <a:effectRef idx="0">
+            <a:schemeClr val="accent1"/>
+          </a:effectRef>
+          <a:fontRef idx="minor">
+            <a:schemeClr val="tx1"/>
+          </a:fontRef>
+        </p:style>
+      </p:cxnSp>
+      <p:cxnSp>
+        <p:nvCxnSpPr>
+          <p:cNvPr id="114" name="Conector recto 113"/>
+          <p:cNvCxnSpPr/>
+          <p:nvPr/>
+        </p:nvCxnSpPr>
+        <p:spPr>
+          <a:xfrm>
+            <a:off x="5495240" y="1082916"/>
+            <a:ext cx="1" cy="60941"/>
+          </a:xfrm>
+          <a:prstGeom prst="line">
+            <a:avLst/>
+          </a:prstGeom>
+        </p:spPr>
+        <p:style>
+          <a:lnRef idx="1">
+            <a:schemeClr val="accent1"/>
+          </a:lnRef>
+          <a:fillRef idx="0">
+            <a:schemeClr val="accent1"/>
+          </a:fillRef>
+          <a:effectRef idx="0">
+            <a:schemeClr val="accent1"/>
+          </a:effectRef>
+          <a:fontRef idx="minor">
+            <a:schemeClr val="tx1"/>
+          </a:fontRef>
+        </p:style>
+      </p:cxnSp>
+      <p:cxnSp>
+        <p:nvCxnSpPr>
+          <p:cNvPr id="115" name="Conector recto 114"/>
+          <p:cNvCxnSpPr/>
+          <p:nvPr/>
+        </p:nvCxnSpPr>
+        <p:spPr>
+          <a:xfrm>
+            <a:off x="5495239" y="1414160"/>
+            <a:ext cx="2" cy="92474"/>
+          </a:xfrm>
+          <a:prstGeom prst="line">
+            <a:avLst/>
+          </a:prstGeom>
+        </p:spPr>
+        <p:style>
+          <a:lnRef idx="1">
+            <a:schemeClr val="accent1"/>
+          </a:lnRef>
+          <a:fillRef idx="0">
+            <a:schemeClr val="accent1"/>
+          </a:fillRef>
+          <a:effectRef idx="0">
+            <a:schemeClr val="accent1"/>
+          </a:effectRef>
+          <a:fontRef idx="minor">
+            <a:schemeClr val="tx1"/>
+          </a:fontRef>
+        </p:style>
+      </p:cxnSp>
+      <p:cxnSp>
+        <p:nvCxnSpPr>
+          <p:cNvPr id="116" name="Conector recto 115"/>
+          <p:cNvCxnSpPr/>
+          <p:nvPr/>
+        </p:nvCxnSpPr>
+        <p:spPr>
+          <a:xfrm>
+            <a:off x="5495239" y="1768244"/>
+            <a:ext cx="2" cy="92474"/>
+          </a:xfrm>
+          <a:prstGeom prst="line">
+            <a:avLst/>
+          </a:prstGeom>
+        </p:spPr>
+        <p:style>
+          <a:lnRef idx="1">
+            <a:schemeClr val="accent1"/>
+          </a:lnRef>
+          <a:fillRef idx="0">
+            <a:schemeClr val="accent1"/>
+          </a:fillRef>
+          <a:effectRef idx="0">
+            <a:schemeClr val="accent1"/>
+          </a:effectRef>
+          <a:fontRef idx="minor">
+            <a:schemeClr val="tx1"/>
+          </a:fontRef>
+        </p:style>
+      </p:cxnSp>
+      <p:cxnSp>
+        <p:nvCxnSpPr>
+          <p:cNvPr id="73" name="Conector angular 72"/>
+          <p:cNvCxnSpPr>
+            <a:stCxn id="90" idx="6"/>
+            <a:endCxn id="92" idx="2"/>
+          </p:cNvCxnSpPr>
+          <p:nvPr/>
+        </p:nvCxnSpPr>
+        <p:spPr>
+          <a:xfrm flipV="1">
+            <a:off x="3554985" y="1274662"/>
+            <a:ext cx="1400255" cy="1773659"/>
+          </a:xfrm>
+          <a:prstGeom prst="bentConnector3">
+            <a:avLst/>
+          </a:prstGeom>
+        </p:spPr>
+        <p:style>
+          <a:lnRef idx="1">
+            <a:schemeClr val="accent1"/>
+          </a:lnRef>
+          <a:fillRef idx="0">
+            <a:schemeClr val="accent1"/>
+          </a:fillRef>
+          <a:effectRef idx="0">
+            <a:schemeClr val="accent1"/>
+          </a:effectRef>
+          <a:fontRef idx="minor">
+            <a:schemeClr val="tx1"/>
+          </a:fontRef>
+        </p:style>
+      </p:cxnSp>
+      <p:sp>
+        <p:nvSpPr>
+          <p:cNvPr id="118" name="Rombo 117"/>
+          <p:cNvSpPr/>
+          <p:nvPr/>
+        </p:nvSpPr>
+        <p:spPr>
+          <a:xfrm>
+            <a:off x="3798625" y="1679367"/>
+            <a:ext cx="920991" cy="304775"/>
+          </a:xfrm>
+          <a:prstGeom prst="diamond">
+            <a:avLst/>
+          </a:prstGeom>
+        </p:spPr>
+        <p:style>
+          <a:lnRef idx="1">
+            <a:schemeClr val="accent4"/>
+          </a:lnRef>
+          <a:fillRef idx="2">
+            <a:schemeClr val="accent4"/>
+          </a:fillRef>
+          <a:effectRef idx="1">
+            <a:schemeClr val="accent4"/>
+          </a:effectRef>
+          <a:fontRef idx="minor">
+            <a:schemeClr val="dk1"/>
+          </a:fontRef>
+        </p:style>
+        <p:txBody>
+          <a:bodyPr rtlCol="0" anchor="ctr"/>
+          <a:lstStyle/>
+          <a:p>
+            <a:pPr algn="ctr"/>
+            <a:r>
+              <a:rPr lang="es-AR" sz="1100" dirty="0" smtClean="0"/>
+              <a:t>1:1</a:t>
+            </a:r>
+            <a:endParaRPr lang="en-US" sz="1100" dirty="0"/>
+          </a:p>
+        </p:txBody>
+      </p:sp>
+      <p:sp>
+        <p:nvSpPr>
+          <p:cNvPr id="119" name="Rectángulo 118"/>
+          <p:cNvSpPr/>
+          <p:nvPr/>
+        </p:nvSpPr>
+        <p:spPr>
+          <a:xfrm>
+            <a:off x="2487759" y="3638980"/>
+            <a:ext cx="1054453" cy="285307"/>
+          </a:xfrm>
+          <a:prstGeom prst="rect">
+            <a:avLst/>
+          </a:prstGeom>
+        </p:spPr>
+        <p:style>
+          <a:lnRef idx="1">
+            <a:schemeClr val="accent2"/>
+          </a:lnRef>
+          <a:fillRef idx="2">
+            <a:schemeClr val="accent2"/>
+          </a:fillRef>
+          <a:effectRef idx="1">
+            <a:schemeClr val="accent2"/>
+          </a:effectRef>
+          <a:fontRef idx="minor">
+            <a:schemeClr val="dk1"/>
+          </a:fontRef>
+        </p:style>
+        <p:txBody>
+          <a:bodyPr rtlCol="0" anchor="ctr"/>
+          <a:lstStyle/>
+          <a:p>
+            <a:r>
+              <a:rPr lang="es-AR" dirty="0"/>
+              <a:t>Compra</a:t>
+            </a:r>
+          </a:p>
+        </p:txBody>
+      </p:sp>
+      <p:sp>
+        <p:nvSpPr>
+          <p:cNvPr id="120" name="Elipse 119"/>
+          <p:cNvSpPr/>
+          <p:nvPr/>
+        </p:nvSpPr>
+        <p:spPr>
+          <a:xfrm>
+            <a:off x="2283928" y="4025454"/>
+            <a:ext cx="1462114" cy="261610"/>
+          </a:xfrm>
+          <a:prstGeom prst="ellipse">
+            <a:avLst/>
+          </a:prstGeom>
+        </p:spPr>
+        <p:style>
+          <a:lnRef idx="2">
+            <a:schemeClr val="accent5">
+              <a:shade val="50000"/>
+            </a:schemeClr>
+          </a:lnRef>
+          <a:fillRef idx="1">
+            <a:schemeClr val="accent5"/>
+          </a:fillRef>
+          <a:effectRef idx="0">
+            <a:schemeClr val="accent5"/>
+          </a:effectRef>
+          <a:fontRef idx="minor">
+            <a:schemeClr val="lt1"/>
+          </a:fontRef>
+        </p:style>
+        <p:txBody>
+          <a:bodyPr rtlCol="0" anchor="ctr"/>
+          <a:lstStyle/>
+          <a:p>
+            <a:pPr algn="ctr"/>
+            <a:r>
+              <a:rPr lang="es-AR" sz="1050" b="1" dirty="0"/>
+              <a:t>PK: </a:t>
+            </a:r>
+            <a:r>
+              <a:rPr lang="es-AR" sz="1050" b="1" dirty="0" err="1"/>
+              <a:t>IdCompra</a:t>
+            </a:r>
+            <a:endParaRPr lang="es-AR" sz="1050" dirty="0"/>
+          </a:p>
+        </p:txBody>
+      </p:sp>
+      <p:sp>
+        <p:nvSpPr>
+          <p:cNvPr id="121" name="Elipse 120"/>
+          <p:cNvSpPr/>
+          <p:nvPr/>
+        </p:nvSpPr>
+        <p:spPr>
+          <a:xfrm>
+            <a:off x="2283928" y="4388231"/>
+            <a:ext cx="1462114" cy="261610"/>
+          </a:xfrm>
+          <a:prstGeom prst="ellipse">
+            <a:avLst/>
+          </a:prstGeom>
+        </p:spPr>
+        <p:style>
+          <a:lnRef idx="1">
+            <a:schemeClr val="accent5"/>
+          </a:lnRef>
+          <a:fillRef idx="2">
+            <a:schemeClr val="accent5"/>
+          </a:fillRef>
+          <a:effectRef idx="1">
+            <a:schemeClr val="accent5"/>
+          </a:effectRef>
+          <a:fontRef idx="minor">
+            <a:schemeClr val="dk1"/>
+          </a:fontRef>
+        </p:style>
+        <p:txBody>
+          <a:bodyPr rtlCol="0" anchor="ctr"/>
+          <a:lstStyle/>
+          <a:p>
+            <a:pPr algn="ctr"/>
+            <a:r>
+              <a:rPr lang="es-AR" sz="1050" b="1" dirty="0"/>
+              <a:t>FK: </a:t>
+            </a:r>
+            <a:r>
+              <a:rPr lang="es-AR" sz="1050" dirty="0" err="1"/>
+              <a:t>idproducto</a:t>
+            </a:r>
+            <a:endParaRPr lang="es-AR" sz="1050" dirty="0"/>
+          </a:p>
+        </p:txBody>
+      </p:sp>
+      <p:sp>
+        <p:nvSpPr>
+          <p:cNvPr id="122" name="Elipse 121"/>
+          <p:cNvSpPr/>
+          <p:nvPr/>
+        </p:nvSpPr>
+        <p:spPr>
+          <a:xfrm>
+            <a:off x="2283928" y="4751008"/>
+            <a:ext cx="1462114" cy="261610"/>
+          </a:xfrm>
+          <a:prstGeom prst="ellipse">
+            <a:avLst/>
+          </a:prstGeom>
+        </p:spPr>
+        <p:style>
+          <a:lnRef idx="2">
+            <a:schemeClr val="accent1">
+              <a:shade val="50000"/>
+            </a:schemeClr>
+          </a:lnRef>
+          <a:fillRef idx="1">
+            <a:schemeClr val="accent1"/>
+          </a:fillRef>
+          <a:effectRef idx="0">
+            <a:schemeClr val="accent1"/>
+          </a:effectRef>
+          <a:fontRef idx="minor">
+            <a:schemeClr val="lt1"/>
+          </a:fontRef>
+        </p:style>
+        <p:txBody>
+          <a:bodyPr rtlCol="0" anchor="ctr"/>
+          <a:lstStyle/>
+          <a:p>
+            <a:pPr algn="ctr"/>
+            <a:r>
+              <a:rPr lang="es-AR" sz="1050" dirty="0" err="1"/>
+              <a:t>usercompra</a:t>
+            </a:r>
+            <a:endParaRPr lang="es-AR" sz="1050" dirty="0"/>
+          </a:p>
+        </p:txBody>
+      </p:sp>
+      <p:sp>
+        <p:nvSpPr>
+          <p:cNvPr id="123" name="Elipse 122"/>
+          <p:cNvSpPr/>
+          <p:nvPr/>
+        </p:nvSpPr>
+        <p:spPr>
+          <a:xfrm>
+            <a:off x="2283928" y="5105092"/>
+            <a:ext cx="1462114" cy="261610"/>
+          </a:xfrm>
+          <a:prstGeom prst="ellipse">
+            <a:avLst/>
+          </a:prstGeom>
+        </p:spPr>
+        <p:style>
+          <a:lnRef idx="2">
+            <a:schemeClr val="accent1">
+              <a:shade val="50000"/>
+            </a:schemeClr>
+          </a:lnRef>
+          <a:fillRef idx="1">
+            <a:schemeClr val="accent1"/>
+          </a:fillRef>
+          <a:effectRef idx="0">
+            <a:schemeClr val="accent1"/>
+          </a:effectRef>
+          <a:fontRef idx="minor">
+            <a:schemeClr val="lt1"/>
+          </a:fontRef>
+        </p:style>
+        <p:txBody>
+          <a:bodyPr rtlCol="0" anchor="ctr"/>
+          <a:lstStyle/>
+          <a:p>
+            <a:pPr algn="ctr"/>
+            <a:r>
+              <a:rPr lang="es-AR" sz="1050" dirty="0"/>
+              <a:t>Cantidad</a:t>
+            </a:r>
+          </a:p>
+        </p:txBody>
+      </p:sp>
+      <p:sp>
+        <p:nvSpPr>
+          <p:cNvPr id="124" name="Elipse 123"/>
+          <p:cNvSpPr/>
+          <p:nvPr/>
+        </p:nvSpPr>
+        <p:spPr>
+          <a:xfrm>
+            <a:off x="2283928" y="5467869"/>
+            <a:ext cx="1462114" cy="261610"/>
+          </a:xfrm>
+          <a:prstGeom prst="ellipse">
+            <a:avLst/>
+          </a:prstGeom>
+        </p:spPr>
+        <p:style>
+          <a:lnRef idx="2">
+            <a:schemeClr val="accent1">
+              <a:shade val="50000"/>
+            </a:schemeClr>
+          </a:lnRef>
+          <a:fillRef idx="1">
+            <a:schemeClr val="accent1"/>
+          </a:fillRef>
+          <a:effectRef idx="0">
+            <a:schemeClr val="accent1"/>
+          </a:effectRef>
+          <a:fontRef idx="minor">
+            <a:schemeClr val="lt1"/>
+          </a:fontRef>
+        </p:style>
+        <p:txBody>
+          <a:bodyPr rtlCol="0" anchor="ctr"/>
+          <a:lstStyle/>
+          <a:p>
+            <a:pPr algn="ctr"/>
+            <a:r>
+              <a:rPr lang="es-AR" sz="1050" dirty="0"/>
+              <a:t>Observación</a:t>
+            </a:r>
+            <a:endParaRPr lang="es-AR" sz="1050" dirty="0"/>
+          </a:p>
+        </p:txBody>
+      </p:sp>
+      <p:sp>
+        <p:nvSpPr>
+          <p:cNvPr id="125" name="Elipse 124"/>
+          <p:cNvSpPr/>
+          <p:nvPr/>
+        </p:nvSpPr>
+        <p:spPr>
+          <a:xfrm>
+            <a:off x="2283928" y="5799113"/>
+            <a:ext cx="1462114" cy="261610"/>
+          </a:xfrm>
+          <a:prstGeom prst="ellipse">
+            <a:avLst/>
+          </a:prstGeom>
+        </p:spPr>
+        <p:style>
+          <a:lnRef idx="2">
+            <a:schemeClr val="accent1">
+              <a:shade val="50000"/>
+            </a:schemeClr>
+          </a:lnRef>
+          <a:fillRef idx="1">
+            <a:schemeClr val="accent1"/>
+          </a:fillRef>
+          <a:effectRef idx="0">
+            <a:schemeClr val="accent1"/>
+          </a:effectRef>
+          <a:fontRef idx="minor">
+            <a:schemeClr val="lt1"/>
+          </a:fontRef>
+        </p:style>
+        <p:txBody>
+          <a:bodyPr rtlCol="0" anchor="ctr"/>
+          <a:lstStyle/>
+          <a:p>
+            <a:pPr algn="ctr"/>
+            <a:r>
+              <a:rPr lang="es-AR" sz="1050" dirty="0" err="1"/>
+              <a:t>Lugar_Entrega</a:t>
+            </a:r>
+            <a:endParaRPr lang="es-AR" sz="1050" dirty="0"/>
+          </a:p>
+        </p:txBody>
+      </p:sp>
+      <p:sp>
+        <p:nvSpPr>
+          <p:cNvPr id="126" name="Rectángulo 125"/>
+          <p:cNvSpPr/>
+          <p:nvPr/>
+        </p:nvSpPr>
+        <p:spPr>
+          <a:xfrm>
+            <a:off x="4968014" y="3679206"/>
+            <a:ext cx="1054453" cy="285307"/>
+          </a:xfrm>
+          <a:prstGeom prst="rect">
+            <a:avLst/>
+          </a:prstGeom>
+        </p:spPr>
+        <p:style>
+          <a:lnRef idx="1">
+            <a:schemeClr val="accent2"/>
+          </a:lnRef>
+          <a:fillRef idx="2">
+            <a:schemeClr val="accent2"/>
+          </a:fillRef>
+          <a:effectRef idx="1">
+            <a:schemeClr val="accent2"/>
+          </a:effectRef>
+          <a:fontRef idx="minor">
+            <a:schemeClr val="dk1"/>
+          </a:fontRef>
+        </p:style>
+        <p:txBody>
+          <a:bodyPr rtlCol="0" anchor="ctr"/>
+          <a:lstStyle/>
+          <a:p>
+            <a:pPr algn="ctr"/>
+            <a:r>
+              <a:rPr lang="es-AR" dirty="0"/>
+              <a:t>Producto</a:t>
+            </a:r>
+          </a:p>
+        </p:txBody>
+      </p:sp>
+      <p:sp>
+        <p:nvSpPr>
+          <p:cNvPr id="127" name="Elipse 126"/>
+          <p:cNvSpPr/>
+          <p:nvPr/>
+        </p:nvSpPr>
+        <p:spPr>
+          <a:xfrm>
+            <a:off x="4955240" y="4025454"/>
+            <a:ext cx="1080000" cy="261610"/>
+          </a:xfrm>
+          <a:prstGeom prst="ellipse">
+            <a:avLst/>
+          </a:prstGeom>
+        </p:spPr>
+        <p:style>
+          <a:lnRef idx="2">
+            <a:schemeClr val="accent5">
+              <a:shade val="50000"/>
+            </a:schemeClr>
+          </a:lnRef>
+          <a:fillRef idx="1">
+            <a:schemeClr val="accent5"/>
+          </a:fillRef>
+          <a:effectRef idx="0">
+            <a:schemeClr val="accent5"/>
+          </a:effectRef>
+          <a:fontRef idx="minor">
+            <a:schemeClr val="lt1"/>
+          </a:fontRef>
+        </p:style>
+        <p:txBody>
+          <a:bodyPr rtlCol="0" anchor="ctr"/>
+          <a:lstStyle/>
+          <a:p>
+            <a:pPr algn="ctr"/>
+            <a:r>
+              <a:rPr lang="es-AR" sz="1050" b="1" dirty="0"/>
+              <a:t>PK: </a:t>
+            </a:r>
+            <a:r>
+              <a:rPr lang="es-AR" sz="1050" b="1" dirty="0" smtClean="0"/>
+              <a:t>Id</a:t>
+            </a:r>
+            <a:endParaRPr lang="es-AR" sz="1050" dirty="0"/>
+          </a:p>
+        </p:txBody>
+      </p:sp>
+      <p:sp>
+        <p:nvSpPr>
+          <p:cNvPr id="128" name="Elipse 127"/>
+          <p:cNvSpPr/>
+          <p:nvPr/>
+        </p:nvSpPr>
+        <p:spPr>
+          <a:xfrm>
+            <a:off x="4955240" y="4388231"/>
+            <a:ext cx="1080000" cy="261610"/>
+          </a:xfrm>
+          <a:prstGeom prst="ellipse">
+            <a:avLst/>
+          </a:prstGeom>
+        </p:spPr>
+        <p:style>
+          <a:lnRef idx="2">
+            <a:schemeClr val="accent1">
+              <a:shade val="50000"/>
+            </a:schemeClr>
+          </a:lnRef>
+          <a:fillRef idx="1">
+            <a:schemeClr val="accent1"/>
+          </a:fillRef>
+          <a:effectRef idx="0">
+            <a:schemeClr val="accent1"/>
+          </a:effectRef>
+          <a:fontRef idx="minor">
+            <a:schemeClr val="lt1"/>
+          </a:fontRef>
+        </p:style>
+        <p:txBody>
+          <a:bodyPr rtlCol="0" anchor="ctr"/>
+          <a:lstStyle/>
+          <a:p>
+            <a:pPr algn="ctr"/>
+            <a:r>
+              <a:rPr lang="es-AR" sz="1050" dirty="0"/>
+              <a:t>Producto </a:t>
+            </a:r>
+          </a:p>
+        </p:txBody>
+      </p:sp>
+      <p:sp>
+        <p:nvSpPr>
+          <p:cNvPr id="129" name="Elipse 128"/>
+          <p:cNvSpPr/>
+          <p:nvPr/>
+        </p:nvSpPr>
+        <p:spPr>
+          <a:xfrm>
+            <a:off x="4955240" y="4751008"/>
+            <a:ext cx="1080000" cy="261610"/>
+          </a:xfrm>
+          <a:prstGeom prst="ellipse">
+            <a:avLst/>
+          </a:prstGeom>
+        </p:spPr>
+        <p:style>
+          <a:lnRef idx="2">
+            <a:schemeClr val="accent1">
+              <a:shade val="50000"/>
+            </a:schemeClr>
+          </a:lnRef>
+          <a:fillRef idx="1">
+            <a:schemeClr val="accent1"/>
+          </a:fillRef>
+          <a:effectRef idx="0">
+            <a:schemeClr val="accent1"/>
+          </a:effectRef>
+          <a:fontRef idx="minor">
+            <a:schemeClr val="lt1"/>
+          </a:fontRef>
+        </p:style>
+        <p:txBody>
+          <a:bodyPr rtlCol="0" anchor="ctr"/>
+          <a:lstStyle/>
+          <a:p>
+            <a:pPr algn="ctr"/>
+            <a:r>
+              <a:rPr lang="es-AR" sz="1050" dirty="0"/>
+              <a:t>Clave</a:t>
+            </a:r>
+          </a:p>
+        </p:txBody>
+      </p:sp>
+      <p:cxnSp>
+        <p:nvCxnSpPr>
+          <p:cNvPr id="130" name="Conector recto 129"/>
+          <p:cNvCxnSpPr/>
+          <p:nvPr/>
+        </p:nvCxnSpPr>
+        <p:spPr>
+          <a:xfrm flipH="1">
+            <a:off x="3014985" y="3924287"/>
+            <a:ext cx="1" cy="101167"/>
+          </a:xfrm>
+          <a:prstGeom prst="line">
+            <a:avLst/>
+          </a:prstGeom>
+        </p:spPr>
+        <p:style>
+          <a:lnRef idx="1">
+            <a:schemeClr val="accent1"/>
+          </a:lnRef>
+          <a:fillRef idx="0">
+            <a:schemeClr val="accent1"/>
+          </a:fillRef>
+          <a:effectRef idx="0">
+            <a:schemeClr val="accent1"/>
+          </a:effectRef>
+          <a:fontRef idx="minor">
+            <a:schemeClr val="tx1"/>
+          </a:fontRef>
+        </p:style>
+      </p:cxnSp>
+      <p:cxnSp>
+        <p:nvCxnSpPr>
+          <p:cNvPr id="131" name="Conector recto 130"/>
+          <p:cNvCxnSpPr/>
+          <p:nvPr/>
+        </p:nvCxnSpPr>
+        <p:spPr>
+          <a:xfrm flipH="1">
+            <a:off x="2916265" y="4295757"/>
+            <a:ext cx="197441" cy="92474"/>
+          </a:xfrm>
+          <a:prstGeom prst="line">
+            <a:avLst/>
+          </a:prstGeom>
+        </p:spPr>
+        <p:style>
+          <a:lnRef idx="1">
+            <a:schemeClr val="accent1"/>
+          </a:lnRef>
+          <a:fillRef idx="0">
+            <a:schemeClr val="accent1"/>
+          </a:fillRef>
+          <a:effectRef idx="0">
+            <a:schemeClr val="accent1"/>
+          </a:effectRef>
+          <a:fontRef idx="minor">
+            <a:schemeClr val="tx1"/>
+          </a:fontRef>
+        </p:style>
+      </p:cxnSp>
+      <p:cxnSp>
+        <p:nvCxnSpPr>
+          <p:cNvPr id="132" name="Conector recto 131"/>
+          <p:cNvCxnSpPr/>
+          <p:nvPr/>
+        </p:nvCxnSpPr>
+        <p:spPr>
+          <a:xfrm>
+            <a:off x="3014984" y="4649841"/>
+            <a:ext cx="2" cy="92474"/>
+          </a:xfrm>
+          <a:prstGeom prst="line">
+            <a:avLst/>
+          </a:prstGeom>
+        </p:spPr>
+        <p:style>
+          <a:lnRef idx="1">
+            <a:schemeClr val="accent1"/>
+          </a:lnRef>
+          <a:fillRef idx="0">
+            <a:schemeClr val="accent1"/>
+          </a:fillRef>
+          <a:effectRef idx="0">
+            <a:schemeClr val="accent1"/>
+          </a:effectRef>
+          <a:fontRef idx="minor">
+            <a:schemeClr val="tx1"/>
+          </a:fontRef>
+        </p:style>
+      </p:cxnSp>
+      <p:cxnSp>
+        <p:nvCxnSpPr>
+          <p:cNvPr id="133" name="Conector recto 132"/>
+          <p:cNvCxnSpPr/>
+          <p:nvPr/>
+        </p:nvCxnSpPr>
+        <p:spPr>
+          <a:xfrm>
+            <a:off x="3014984" y="5005579"/>
+            <a:ext cx="2" cy="92474"/>
+          </a:xfrm>
+          <a:prstGeom prst="line">
+            <a:avLst/>
+          </a:prstGeom>
+        </p:spPr>
+        <p:style>
+          <a:lnRef idx="1">
+            <a:schemeClr val="accent1"/>
+          </a:lnRef>
+          <a:fillRef idx="0">
+            <a:schemeClr val="accent1"/>
+          </a:fillRef>
+          <a:effectRef idx="0">
+            <a:schemeClr val="accent1"/>
+          </a:effectRef>
+          <a:fontRef idx="minor">
+            <a:schemeClr val="tx1"/>
+          </a:fontRef>
+        </p:style>
+      </p:cxnSp>
+      <p:cxnSp>
+        <p:nvCxnSpPr>
+          <p:cNvPr id="134" name="Conector recto 133"/>
+          <p:cNvCxnSpPr/>
+          <p:nvPr/>
+        </p:nvCxnSpPr>
+        <p:spPr>
+          <a:xfrm>
+            <a:off x="3014984" y="5365488"/>
+            <a:ext cx="2" cy="92474"/>
+          </a:xfrm>
+          <a:prstGeom prst="line">
+            <a:avLst/>
+          </a:prstGeom>
+        </p:spPr>
+        <p:style>
+          <a:lnRef idx="1">
+            <a:schemeClr val="accent1"/>
+          </a:lnRef>
+          <a:fillRef idx="0">
+            <a:schemeClr val="accent1"/>
+          </a:fillRef>
+          <a:effectRef idx="0">
+            <a:schemeClr val="accent1"/>
+          </a:effectRef>
+          <a:fontRef idx="minor">
+            <a:schemeClr val="tx1"/>
+          </a:fontRef>
+        </p:style>
+      </p:cxnSp>
+      <p:cxnSp>
+        <p:nvCxnSpPr>
+          <p:cNvPr id="135" name="Conector recto 134"/>
+          <p:cNvCxnSpPr/>
+          <p:nvPr/>
+        </p:nvCxnSpPr>
+        <p:spPr>
+          <a:xfrm>
+            <a:off x="3014984" y="5718059"/>
+            <a:ext cx="2" cy="92474"/>
+          </a:xfrm>
+          <a:prstGeom prst="line">
+            <a:avLst/>
+          </a:prstGeom>
+        </p:spPr>
+        <p:style>
+          <a:lnRef idx="1">
+            <a:schemeClr val="accent1"/>
+          </a:lnRef>
+          <a:fillRef idx="0">
+            <a:schemeClr val="accent1"/>
+          </a:fillRef>
+          <a:effectRef idx="0">
+            <a:schemeClr val="accent1"/>
+          </a:effectRef>
+          <a:fontRef idx="minor">
+            <a:schemeClr val="tx1"/>
+          </a:fontRef>
+        </p:style>
+      </p:cxnSp>
+      <p:cxnSp>
+        <p:nvCxnSpPr>
+          <p:cNvPr id="136" name="Conector recto 135"/>
+          <p:cNvCxnSpPr/>
+          <p:nvPr/>
+        </p:nvCxnSpPr>
+        <p:spPr>
+          <a:xfrm>
+            <a:off x="5495240" y="3964513"/>
+            <a:ext cx="1" cy="60941"/>
+          </a:xfrm>
+          <a:prstGeom prst="line">
+            <a:avLst/>
+          </a:prstGeom>
+        </p:spPr>
+        <p:style>
+          <a:lnRef idx="1">
+            <a:schemeClr val="accent1"/>
+          </a:lnRef>
+          <a:fillRef idx="0">
+            <a:schemeClr val="accent1"/>
+          </a:fillRef>
+          <a:effectRef idx="0">
+            <a:schemeClr val="accent1"/>
+          </a:effectRef>
+          <a:fontRef idx="minor">
+            <a:schemeClr val="tx1"/>
+          </a:fontRef>
+        </p:style>
+      </p:cxnSp>
+      <p:cxnSp>
+        <p:nvCxnSpPr>
+          <p:cNvPr id="137" name="Conector recto 136"/>
+          <p:cNvCxnSpPr/>
+          <p:nvPr/>
+        </p:nvCxnSpPr>
+        <p:spPr>
+          <a:xfrm>
+            <a:off x="5495239" y="4295757"/>
+            <a:ext cx="2" cy="92474"/>
+          </a:xfrm>
+          <a:prstGeom prst="line">
+            <a:avLst/>
+          </a:prstGeom>
+        </p:spPr>
+        <p:style>
+          <a:lnRef idx="1">
+            <a:schemeClr val="accent1"/>
+          </a:lnRef>
+          <a:fillRef idx="0">
+            <a:schemeClr val="accent1"/>
+          </a:fillRef>
+          <a:effectRef idx="0">
+            <a:schemeClr val="accent1"/>
+          </a:effectRef>
+          <a:fontRef idx="minor">
+            <a:schemeClr val="tx1"/>
+          </a:fontRef>
+        </p:style>
+      </p:cxnSp>
+      <p:cxnSp>
+        <p:nvCxnSpPr>
+          <p:cNvPr id="138" name="Conector recto 137"/>
+          <p:cNvCxnSpPr/>
+          <p:nvPr/>
+        </p:nvCxnSpPr>
+        <p:spPr>
+          <a:xfrm>
+            <a:off x="5495239" y="4649841"/>
+            <a:ext cx="2" cy="92474"/>
+          </a:xfrm>
+          <a:prstGeom prst="line">
+            <a:avLst/>
+          </a:prstGeom>
+        </p:spPr>
+        <p:style>
+          <a:lnRef idx="1">
+            <a:schemeClr val="accent1"/>
+          </a:lnRef>
+          <a:fillRef idx="0">
+            <a:schemeClr val="accent1"/>
+          </a:fillRef>
+          <a:effectRef idx="0">
+            <a:schemeClr val="accent1"/>
+          </a:effectRef>
+          <a:fontRef idx="minor">
+            <a:schemeClr val="tx1"/>
+          </a:fontRef>
+        </p:style>
+      </p:cxnSp>
+      <p:cxnSp>
+        <p:nvCxnSpPr>
+          <p:cNvPr id="139" name="Conector angular 138"/>
+          <p:cNvCxnSpPr>
+            <a:stCxn id="121" idx="6"/>
+            <a:endCxn id="127" idx="2"/>
+          </p:cNvCxnSpPr>
+          <p:nvPr/>
+        </p:nvCxnSpPr>
+        <p:spPr>
+          <a:xfrm flipV="1">
+            <a:off x="3746042" y="4156259"/>
+            <a:ext cx="1209198" cy="362777"/>
+          </a:xfrm>
+          <a:prstGeom prst="bentConnector3">
+            <a:avLst/>
+          </a:prstGeom>
+        </p:spPr>
+        <p:style>
+          <a:lnRef idx="1">
+            <a:schemeClr val="accent1"/>
+          </a:lnRef>
+          <a:fillRef idx="0">
+            <a:schemeClr val="accent1"/>
+          </a:fillRef>
+          <a:effectRef idx="0">
+            <a:schemeClr val="accent1"/>
+          </a:effectRef>
+          <a:fontRef idx="minor">
+            <a:schemeClr val="tx1"/>
+          </a:fontRef>
+        </p:style>
+      </p:cxnSp>
+      <p:sp>
+        <p:nvSpPr>
+          <p:cNvPr id="141" name="Rombo 140"/>
+          <p:cNvSpPr/>
+          <p:nvPr/>
+        </p:nvSpPr>
+        <p:spPr>
+          <a:xfrm>
+            <a:off x="3919403" y="3230345"/>
+            <a:ext cx="862476" cy="247963"/>
+          </a:xfrm>
+          <a:prstGeom prst="diamond">
+            <a:avLst/>
+          </a:prstGeom>
+        </p:spPr>
+        <p:style>
+          <a:lnRef idx="1">
+            <a:schemeClr val="accent4"/>
+          </a:lnRef>
+          <a:fillRef idx="2">
+            <a:schemeClr val="accent4"/>
+          </a:fillRef>
+          <a:effectRef idx="1">
+            <a:schemeClr val="accent4"/>
+          </a:effectRef>
+          <a:fontRef idx="minor">
+            <a:schemeClr val="dk1"/>
+          </a:fontRef>
+        </p:style>
+        <p:txBody>
+          <a:bodyPr rtlCol="0" anchor="ctr"/>
+          <a:lstStyle/>
+          <a:p>
+            <a:pPr algn="ctr"/>
+            <a:r>
+              <a:rPr lang="es-AR" sz="1100" dirty="0" smtClean="0"/>
+              <a:t>1:m</a:t>
+            </a:r>
+            <a:endParaRPr lang="en-US" sz="1100" dirty="0"/>
+          </a:p>
+        </p:txBody>
+      </p:sp>
+      <p:sp>
+        <p:nvSpPr>
+          <p:cNvPr id="148" name="Elipse 147"/>
+          <p:cNvSpPr/>
+          <p:nvPr/>
+        </p:nvSpPr>
+        <p:spPr>
+          <a:xfrm>
+            <a:off x="2283928" y="6178091"/>
+            <a:ext cx="1462114" cy="261610"/>
+          </a:xfrm>
+          <a:prstGeom prst="ellipse">
+            <a:avLst/>
+          </a:prstGeom>
+        </p:spPr>
+        <p:style>
+          <a:lnRef idx="2">
+            <a:schemeClr val="accent1">
+              <a:shade val="50000"/>
+            </a:schemeClr>
+          </a:lnRef>
+          <a:fillRef idx="1">
+            <a:schemeClr val="accent1"/>
+          </a:fillRef>
+          <a:effectRef idx="0">
+            <a:schemeClr val="accent1"/>
+          </a:effectRef>
+          <a:fontRef idx="minor">
+            <a:schemeClr val="lt1"/>
+          </a:fontRef>
+        </p:style>
+        <p:txBody>
+          <a:bodyPr rtlCol="0" anchor="ctr"/>
+          <a:lstStyle/>
+          <a:p>
+            <a:pPr algn="ctr"/>
+            <a:r>
+              <a:rPr lang="es-AR" sz="1050" dirty="0" err="1"/>
+              <a:t>Forma_Pago</a:t>
+            </a:r>
+            <a:endParaRPr lang="es-AR" sz="1050" dirty="0"/>
+          </a:p>
+        </p:txBody>
+      </p:sp>
+      <p:sp>
+        <p:nvSpPr>
+          <p:cNvPr id="149" name="Elipse 148"/>
+          <p:cNvSpPr/>
+          <p:nvPr/>
+        </p:nvSpPr>
+        <p:spPr>
+          <a:xfrm>
+            <a:off x="2283928" y="6509335"/>
+            <a:ext cx="1462114" cy="261610"/>
+          </a:xfrm>
+          <a:prstGeom prst="ellipse">
+            <a:avLst/>
+          </a:prstGeom>
+        </p:spPr>
+        <p:style>
+          <a:lnRef idx="2">
+            <a:schemeClr val="accent1">
+              <a:shade val="50000"/>
+            </a:schemeClr>
+          </a:lnRef>
+          <a:fillRef idx="1">
+            <a:schemeClr val="accent1"/>
+          </a:fillRef>
+          <a:effectRef idx="0">
+            <a:schemeClr val="accent1"/>
+          </a:effectRef>
+          <a:fontRef idx="minor">
+            <a:schemeClr val="lt1"/>
+          </a:fontRef>
+        </p:style>
+        <p:txBody>
+          <a:bodyPr rtlCol="0" anchor="ctr"/>
+          <a:lstStyle/>
+          <a:p>
+            <a:pPr algn="ctr"/>
+            <a:r>
+              <a:rPr lang="es-AR" sz="1050" dirty="0"/>
+              <a:t>Valor</a:t>
+            </a:r>
+            <a:endParaRPr lang="es-AR" sz="1050" dirty="0"/>
+          </a:p>
+        </p:txBody>
+      </p:sp>
+      <p:sp>
+        <p:nvSpPr>
+          <p:cNvPr id="151" name="Elipse 150"/>
+          <p:cNvSpPr/>
+          <p:nvPr/>
+        </p:nvSpPr>
+        <p:spPr>
+          <a:xfrm>
+            <a:off x="4955240" y="5128302"/>
+            <a:ext cx="1080000" cy="261610"/>
+          </a:xfrm>
+          <a:prstGeom prst="ellipse">
+            <a:avLst/>
+          </a:prstGeom>
+        </p:spPr>
+        <p:style>
+          <a:lnRef idx="2">
+            <a:schemeClr val="accent1">
+              <a:shade val="50000"/>
+            </a:schemeClr>
+          </a:lnRef>
+          <a:fillRef idx="1">
+            <a:schemeClr val="accent1"/>
+          </a:fillRef>
+          <a:effectRef idx="0">
+            <a:schemeClr val="accent1"/>
+          </a:effectRef>
+          <a:fontRef idx="minor">
+            <a:schemeClr val="lt1"/>
+          </a:fontRef>
+        </p:style>
+        <p:txBody>
+          <a:bodyPr rtlCol="0" anchor="ctr"/>
+          <a:lstStyle/>
+          <a:p>
+            <a:pPr algn="ctr"/>
+            <a:r>
+              <a:rPr lang="es-AR" sz="1050" dirty="0"/>
+              <a:t>Cantidad</a:t>
+            </a:r>
+          </a:p>
+        </p:txBody>
+      </p:sp>
+      <p:sp>
+        <p:nvSpPr>
+          <p:cNvPr id="152" name="Elipse 151"/>
+          <p:cNvSpPr/>
+          <p:nvPr/>
+        </p:nvSpPr>
+        <p:spPr>
+          <a:xfrm>
+            <a:off x="4955240" y="5491079"/>
+            <a:ext cx="1080000" cy="261610"/>
+          </a:xfrm>
+          <a:prstGeom prst="ellipse">
+            <a:avLst/>
+          </a:prstGeom>
+        </p:spPr>
+        <p:style>
+          <a:lnRef idx="2">
+            <a:schemeClr val="accent1">
+              <a:shade val="50000"/>
+            </a:schemeClr>
+          </a:lnRef>
+          <a:fillRef idx="1">
+            <a:schemeClr val="accent1"/>
+          </a:fillRef>
+          <a:effectRef idx="0">
+            <a:schemeClr val="accent1"/>
+          </a:effectRef>
+          <a:fontRef idx="minor">
+            <a:schemeClr val="lt1"/>
+          </a:fontRef>
+        </p:style>
+        <p:txBody>
+          <a:bodyPr rtlCol="0" anchor="ctr"/>
+          <a:lstStyle/>
+          <a:p>
+            <a:pPr algn="ctr"/>
+            <a:r>
+              <a:rPr lang="es-AR" sz="1050" dirty="0"/>
+              <a:t>Valor</a:t>
+            </a:r>
+            <a:endParaRPr lang="es-AR" sz="1050" dirty="0"/>
+          </a:p>
+        </p:txBody>
+      </p:sp>
+      <p:sp>
+        <p:nvSpPr>
+          <p:cNvPr id="153" name="Elipse 152"/>
+          <p:cNvSpPr/>
+          <p:nvPr/>
+        </p:nvSpPr>
+        <p:spPr>
+          <a:xfrm>
+            <a:off x="4955240" y="5853856"/>
+            <a:ext cx="1080000" cy="261610"/>
+          </a:xfrm>
+          <a:prstGeom prst="ellipse">
+            <a:avLst/>
+          </a:prstGeom>
+        </p:spPr>
+        <p:style>
+          <a:lnRef idx="2">
+            <a:schemeClr val="accent1">
+              <a:shade val="50000"/>
+            </a:schemeClr>
+          </a:lnRef>
+          <a:fillRef idx="1">
+            <a:schemeClr val="accent1"/>
+          </a:fillRef>
+          <a:effectRef idx="0">
+            <a:schemeClr val="accent1"/>
+          </a:effectRef>
+          <a:fontRef idx="minor">
+            <a:schemeClr val="lt1"/>
+          </a:fontRef>
+        </p:style>
+        <p:txBody>
+          <a:bodyPr rtlCol="0" anchor="ctr"/>
+          <a:lstStyle/>
+          <a:p>
+            <a:pPr algn="ctr"/>
+            <a:r>
+              <a:rPr lang="es-AR" sz="1050" dirty="0" err="1" smtClean="0"/>
+              <a:t>Fecha_Ing</a:t>
+            </a:r>
+            <a:endParaRPr lang="es-AR" sz="1050" dirty="0"/>
+          </a:p>
+        </p:txBody>
+      </p:sp>
+      <p:cxnSp>
+        <p:nvCxnSpPr>
+          <p:cNvPr id="154" name="Conector recto 153"/>
+          <p:cNvCxnSpPr/>
+          <p:nvPr/>
+        </p:nvCxnSpPr>
+        <p:spPr>
+          <a:xfrm>
+            <a:off x="5495239" y="5398605"/>
+            <a:ext cx="2" cy="92474"/>
+          </a:xfrm>
+          <a:prstGeom prst="line">
+            <a:avLst/>
+          </a:prstGeom>
+        </p:spPr>
+        <p:style>
+          <a:lnRef idx="1">
+            <a:schemeClr val="accent1"/>
+          </a:lnRef>
+          <a:fillRef idx="0">
+            <a:schemeClr val="accent1"/>
+          </a:fillRef>
+          <a:effectRef idx="0">
+            <a:schemeClr val="accent1"/>
+          </a:effectRef>
+          <a:fontRef idx="minor">
+            <a:schemeClr val="tx1"/>
+          </a:fontRef>
+        </p:style>
+      </p:cxnSp>
+      <p:cxnSp>
+        <p:nvCxnSpPr>
+          <p:cNvPr id="155" name="Conector recto 154"/>
+          <p:cNvCxnSpPr/>
+          <p:nvPr/>
+        </p:nvCxnSpPr>
+        <p:spPr>
+          <a:xfrm>
+            <a:off x="5495239" y="5752689"/>
+            <a:ext cx="2" cy="92474"/>
+          </a:xfrm>
+          <a:prstGeom prst="line">
+            <a:avLst/>
+          </a:prstGeom>
+        </p:spPr>
+        <p:style>
+          <a:lnRef idx="1">
+            <a:schemeClr val="accent1"/>
+          </a:lnRef>
+          <a:fillRef idx="0">
+            <a:schemeClr val="accent1"/>
+          </a:fillRef>
+          <a:effectRef idx="0">
+            <a:schemeClr val="accent1"/>
+          </a:effectRef>
+          <a:fontRef idx="minor">
+            <a:schemeClr val="tx1"/>
+          </a:fontRef>
+        </p:style>
+      </p:cxnSp>
+      <p:sp>
+        <p:nvSpPr>
+          <p:cNvPr id="156" name="Elipse 155"/>
+          <p:cNvSpPr/>
+          <p:nvPr/>
+        </p:nvSpPr>
+        <p:spPr>
+          <a:xfrm>
+            <a:off x="4955240" y="6211836"/>
+            <a:ext cx="1080000" cy="261610"/>
+          </a:xfrm>
+          <a:prstGeom prst="ellipse">
+            <a:avLst/>
+          </a:prstGeom>
+        </p:spPr>
+        <p:style>
+          <a:lnRef idx="2">
+            <a:schemeClr val="accent1">
+              <a:shade val="50000"/>
+            </a:schemeClr>
+          </a:lnRef>
+          <a:fillRef idx="1">
+            <a:schemeClr val="accent1"/>
+          </a:fillRef>
+          <a:effectRef idx="0">
+            <a:schemeClr val="accent1"/>
+          </a:effectRef>
+          <a:fontRef idx="minor">
+            <a:schemeClr val="lt1"/>
+          </a:fontRef>
+        </p:style>
+        <p:txBody>
+          <a:bodyPr rtlCol="0" anchor="ctr"/>
+          <a:lstStyle/>
+          <a:p>
+            <a:pPr algn="ctr"/>
+            <a:r>
+              <a:rPr lang="es-AR" sz="1050" dirty="0"/>
+              <a:t>Imagen</a:t>
+            </a:r>
+            <a:endParaRPr lang="es-AR" sz="1050" dirty="0"/>
+          </a:p>
+        </p:txBody>
+      </p:sp>
+      <p:sp>
+        <p:nvSpPr>
+          <p:cNvPr id="158" name="Rombo 157"/>
+          <p:cNvSpPr/>
+          <p:nvPr/>
+        </p:nvSpPr>
+        <p:spPr>
+          <a:xfrm>
+            <a:off x="3909823" y="4240589"/>
+            <a:ext cx="862476" cy="227918"/>
+          </a:xfrm>
+          <a:prstGeom prst="diamond">
+            <a:avLst/>
+          </a:prstGeom>
+        </p:spPr>
+        <p:style>
+          <a:lnRef idx="1">
+            <a:schemeClr val="accent4"/>
+          </a:lnRef>
+          <a:fillRef idx="2">
+            <a:schemeClr val="accent4"/>
+          </a:fillRef>
+          <a:effectRef idx="1">
+            <a:schemeClr val="accent4"/>
+          </a:effectRef>
+          <a:fontRef idx="minor">
+            <a:schemeClr val="dk1"/>
+          </a:fontRef>
+        </p:style>
+        <p:txBody>
+          <a:bodyPr rtlCol="0" anchor="ctr"/>
+          <a:lstStyle/>
+          <a:p>
+            <a:pPr algn="ctr"/>
+            <a:r>
+              <a:rPr lang="es-AR" sz="1100" dirty="0" smtClean="0"/>
+              <a:t>n:m</a:t>
+            </a:r>
+            <a:endParaRPr lang="en-US" sz="1100" dirty="0"/>
+          </a:p>
+        </p:txBody>
+      </p:sp>
+      <p:cxnSp>
+        <p:nvCxnSpPr>
+          <p:cNvPr id="160" name="Conector angular 159"/>
+          <p:cNvCxnSpPr>
+            <a:stCxn id="90" idx="4"/>
+            <a:endCxn id="141" idx="0"/>
+          </p:cNvCxnSpPr>
+          <p:nvPr/>
+        </p:nvCxnSpPr>
+        <p:spPr>
+          <a:xfrm rot="16200000" flipH="1">
+            <a:off x="3657204" y="2536907"/>
+            <a:ext cx="51219" cy="1335656"/>
+          </a:xfrm>
+          <a:prstGeom prst="bentConnector3">
+            <a:avLst/>
+          </a:prstGeom>
+        </p:spPr>
+        <p:style>
+          <a:lnRef idx="1">
+            <a:schemeClr val="accent1"/>
+          </a:lnRef>
+          <a:fillRef idx="0">
+            <a:schemeClr val="accent1"/>
+          </a:fillRef>
+          <a:effectRef idx="0">
+            <a:schemeClr val="accent1"/>
+          </a:effectRef>
+          <a:fontRef idx="minor">
+            <a:schemeClr val="tx1"/>
+          </a:fontRef>
+        </p:style>
+      </p:cxnSp>
+      <p:cxnSp>
+        <p:nvCxnSpPr>
+          <p:cNvPr id="162" name="Conector recto 161"/>
+          <p:cNvCxnSpPr>
+            <a:stCxn id="141" idx="1"/>
+            <a:endCxn id="119" idx="0"/>
+          </p:cNvCxnSpPr>
+          <p:nvPr/>
+        </p:nvCxnSpPr>
+        <p:spPr>
+          <a:xfrm flipH="1">
+            <a:off x="3014986" y="3354327"/>
+            <a:ext cx="904417" cy="284653"/>
+          </a:xfrm>
+          <a:prstGeom prst="line">
+            <a:avLst/>
+          </a:prstGeom>
+        </p:spPr>
+        <p:style>
+          <a:lnRef idx="1">
+            <a:schemeClr val="accent1"/>
+          </a:lnRef>
+          <a:fillRef idx="0">
+            <a:schemeClr val="accent1"/>
+          </a:fillRef>
+          <a:effectRef idx="0">
+            <a:schemeClr val="accent1"/>
+          </a:effectRef>
+          <a:fontRef idx="minor">
+            <a:schemeClr val="tx1"/>
+          </a:fontRef>
+        </p:style>
+      </p:cxnSp>
+      <p:cxnSp>
+        <p:nvCxnSpPr>
+          <p:cNvPr id="164" name="Conector recto 163"/>
+          <p:cNvCxnSpPr>
+            <a:stCxn id="141" idx="3"/>
+            <a:endCxn id="126" idx="0"/>
+          </p:cNvCxnSpPr>
+          <p:nvPr/>
+        </p:nvCxnSpPr>
+        <p:spPr>
+          <a:xfrm>
+            <a:off x="4781879" y="3354327"/>
+            <a:ext cx="713362" cy="324879"/>
+          </a:xfrm>
+          <a:prstGeom prst="line">
+            <a:avLst/>
+          </a:prstGeom>
+        </p:spPr>
+        <p:style>
+          <a:lnRef idx="1">
+            <a:schemeClr val="accent1"/>
+          </a:lnRef>
+          <a:fillRef idx="0">
+            <a:schemeClr val="accent1"/>
+          </a:fillRef>
+          <a:effectRef idx="0">
+            <a:schemeClr val="accent1"/>
+          </a:effectRef>
+          <a:fontRef idx="minor">
+            <a:schemeClr val="tx1"/>
+          </a:fontRef>
+        </p:style>
+      </p:cxnSp>
+      <p:sp>
+        <p:nvSpPr>
+          <p:cNvPr id="165" name="CuadroTexto 164"/>
+          <p:cNvSpPr txBox="1"/>
+          <p:nvPr/>
+        </p:nvSpPr>
+        <p:spPr>
+          <a:xfrm>
+            <a:off x="8217057" y="1952457"/>
+            <a:ext cx="256802" cy="261610"/>
+          </a:xfrm>
+          <a:prstGeom prst="rect">
+            <a:avLst/>
+          </a:prstGeom>
+          <a:noFill/>
+        </p:spPr>
+        <p:txBody>
+          <a:bodyPr wrap="none" rtlCol="0">
+            <a:spAutoFit/>
+          </a:bodyPr>
+          <a:lstStyle/>
+          <a:p>
+            <a:r>
+              <a:rPr lang="es-AR" sz="1100" dirty="0" smtClean="0"/>
+              <a:t>1</a:t>
+            </a:r>
+            <a:endParaRPr lang="en-US" sz="1100" dirty="0"/>
+          </a:p>
+        </p:txBody>
+      </p:sp>
+      <p:sp>
+        <p:nvSpPr>
+          <p:cNvPr id="166" name="CuadroTexto 165"/>
+          <p:cNvSpPr txBox="1"/>
+          <p:nvPr/>
+        </p:nvSpPr>
+        <p:spPr>
+          <a:xfrm>
+            <a:off x="9116208" y="1314393"/>
+            <a:ext cx="256802" cy="261610"/>
+          </a:xfrm>
+          <a:prstGeom prst="rect">
+            <a:avLst/>
+          </a:prstGeom>
+          <a:noFill/>
+        </p:spPr>
+        <p:txBody>
+          <a:bodyPr wrap="none" rtlCol="0">
+            <a:spAutoFit/>
+          </a:bodyPr>
+          <a:lstStyle/>
+          <a:p>
+            <a:r>
+              <a:rPr lang="es-AR" sz="1100" dirty="0" smtClean="0"/>
+              <a:t>1</a:t>
+            </a:r>
+            <a:endParaRPr lang="en-US" sz="1100" dirty="0"/>
+          </a:p>
+        </p:txBody>
+      </p:sp>
+      <p:sp>
+        <p:nvSpPr>
+          <p:cNvPr id="167" name="CuadroTexto 166"/>
+          <p:cNvSpPr txBox="1"/>
+          <p:nvPr/>
+        </p:nvSpPr>
+        <p:spPr>
+          <a:xfrm>
+            <a:off x="8280066" y="4413979"/>
+            <a:ext cx="256802" cy="261610"/>
+          </a:xfrm>
+          <a:prstGeom prst="rect">
+            <a:avLst/>
+          </a:prstGeom>
+          <a:noFill/>
+        </p:spPr>
+        <p:txBody>
+          <a:bodyPr wrap="none" rtlCol="0">
+            <a:spAutoFit/>
+          </a:bodyPr>
+          <a:lstStyle/>
+          <a:p>
+            <a:r>
+              <a:rPr lang="es-AR" sz="1100" dirty="0" smtClean="0"/>
+              <a:t>1</a:t>
+            </a:r>
+            <a:endParaRPr lang="en-US" sz="1100" dirty="0"/>
+          </a:p>
+        </p:txBody>
+      </p:sp>
+      <p:sp>
+        <p:nvSpPr>
+          <p:cNvPr id="168" name="CuadroTexto 167"/>
+          <p:cNvSpPr txBox="1"/>
+          <p:nvPr/>
+        </p:nvSpPr>
+        <p:spPr>
+          <a:xfrm>
+            <a:off x="8974477" y="4223743"/>
+            <a:ext cx="304892" cy="261610"/>
+          </a:xfrm>
+          <a:prstGeom prst="rect">
+            <a:avLst/>
+          </a:prstGeom>
+          <a:noFill/>
+        </p:spPr>
+        <p:txBody>
+          <a:bodyPr wrap="none" rtlCol="0">
+            <a:spAutoFit/>
+          </a:bodyPr>
+          <a:lstStyle/>
+          <a:p>
+            <a:r>
+              <a:rPr lang="es-AR" sz="1100" dirty="0" smtClean="0"/>
+              <a:t>∞</a:t>
+            </a:r>
+            <a:endParaRPr lang="en-US" sz="1100" dirty="0"/>
+          </a:p>
+        </p:txBody>
+      </p:sp>
+      <p:sp>
+        <p:nvSpPr>
+          <p:cNvPr id="169" name="CuadroTexto 168"/>
+          <p:cNvSpPr txBox="1"/>
+          <p:nvPr/>
+        </p:nvSpPr>
+        <p:spPr>
+          <a:xfrm>
+            <a:off x="7568241" y="2199546"/>
+            <a:ext cx="256802" cy="261610"/>
+          </a:xfrm>
+          <a:prstGeom prst="rect">
+            <a:avLst/>
+          </a:prstGeom>
+          <a:noFill/>
+        </p:spPr>
+        <p:txBody>
+          <a:bodyPr wrap="none" rtlCol="0">
+            <a:spAutoFit/>
+          </a:bodyPr>
+          <a:lstStyle/>
+          <a:p>
+            <a:r>
+              <a:rPr lang="es-AR" sz="1100" dirty="0" smtClean="0"/>
+              <a:t>1</a:t>
+            </a:r>
+            <a:endParaRPr lang="en-US" sz="1100" dirty="0"/>
+          </a:p>
+        </p:txBody>
+      </p:sp>
+      <p:sp>
+        <p:nvSpPr>
+          <p:cNvPr id="170" name="CuadroTexto 169"/>
+          <p:cNvSpPr txBox="1"/>
+          <p:nvPr/>
+        </p:nvSpPr>
+        <p:spPr>
+          <a:xfrm>
+            <a:off x="9527938" y="3468508"/>
+            <a:ext cx="304892" cy="261610"/>
+          </a:xfrm>
+          <a:prstGeom prst="rect">
+            <a:avLst/>
+          </a:prstGeom>
+          <a:noFill/>
+        </p:spPr>
+        <p:txBody>
+          <a:bodyPr wrap="none" rtlCol="0">
+            <a:spAutoFit/>
+          </a:bodyPr>
+          <a:lstStyle/>
+          <a:p>
+            <a:r>
+              <a:rPr lang="es-AR" sz="1100" dirty="0" smtClean="0"/>
+              <a:t>∞</a:t>
+            </a:r>
+            <a:endParaRPr lang="en-US" sz="1100" dirty="0"/>
+          </a:p>
+        </p:txBody>
+      </p:sp>
+      <p:sp>
+        <p:nvSpPr>
+          <p:cNvPr id="176" name="Rectángulo 175"/>
+          <p:cNvSpPr/>
+          <p:nvPr/>
+        </p:nvSpPr>
+        <p:spPr>
+          <a:xfrm>
+            <a:off x="8249632" y="6515306"/>
+            <a:ext cx="2031325" cy="200055"/>
+          </a:xfrm>
+          <a:prstGeom prst="rect">
+            <a:avLst/>
+          </a:prstGeom>
+        </p:spPr>
+        <p:txBody>
+          <a:bodyPr wrap="none">
+            <a:spAutoFit/>
+          </a:bodyPr>
+          <a:lstStyle/>
+          <a:p>
+            <a:r>
+              <a:rPr lang="es-AR" sz="700" dirty="0"/>
+              <a:t>https://www.youtube.com/watch?v=o7bsPJ4x8EU</a:t>
+            </a:r>
+          </a:p>
+        </p:txBody>
+      </p:sp>
+    </p:spTree>
+    <p:extLst>
+      <p:ext uri="{BB962C8B-B14F-4D97-AF65-F5344CB8AC3E}">
+        <p14:creationId xmlns:p14="http://schemas.microsoft.com/office/powerpoint/2010/main" val="3765912239"/>
+      </p:ext>
+    </p:extLst>
+  </p:cSld>
+  <p:clrMapOvr>
+    <a:masterClrMapping/>
+  </p:clrMapOvr>
+  <p:timing>
+    <p:tnLst>
+      <p:par>
+        <p:cTn id="1" dur="indefinite" restart="never" nodeType="tmRoot"/>
+      </p:par>
+    </p:tnLst>
+  </p:timing>
 </p:sld>
 </file>
 
